--- a/反测绘/绘图相关.pptx
+++ b/反测绘/绘图相关.pptx
@@ -5,13 +5,15 @@
     <p:sldMasterId id="2147483648" r:id="rId1"/>
   </p:sldMasterIdLst>
   <p:notesMasterIdLst>
-    <p:notesMasterId r:id="rId4"/>
+    <p:notesMasterId r:id="rId6"/>
   </p:notesMasterIdLst>
   <p:handoutMasterIdLst>
-    <p:handoutMasterId r:id="rId5"/>
+    <p:handoutMasterId r:id="rId7"/>
   </p:handoutMasterIdLst>
   <p:sldIdLst>
     <p:sldId id="256" r:id="rId3"/>
+    <p:sldId id="257" r:id="rId4"/>
+    <p:sldId id="258" r:id="rId5"/>
   </p:sldIdLst>
   <p:sldSz cx="12192000" cy="6858000"/>
   <p:notesSz cx="7103745" cy="10234295"/>
@@ -4491,6 +4493,721 @@
               <a:t>反馈</a:t>
             </a:r>
             <a:endParaRPr lang="zh-CN" altLang="en-US" sz="1400"/>
+          </a:p>
+        </p:txBody>
+      </p:sp>
+    </p:spTree>
+  </p:cSld>
+  <p:clrMapOvr>
+    <a:masterClrMapping/>
+  </p:clrMapOvr>
+</p:sld>
+</file>
+
+<file path=ppt/slides/slide2.xml><?xml version="1.0" encoding="utf-8"?>
+<p:sld xmlns:a="http://schemas.openxmlformats.org/drawingml/2006/main" xmlns:r="http://schemas.openxmlformats.org/officeDocument/2006/relationships" xmlns:p="http://schemas.openxmlformats.org/presentationml/2006/main">
+  <p:cSld>
+    <p:spTree>
+      <p:nvGrpSpPr>
+        <p:cNvPr id="1" name=""/>
+        <p:cNvGrpSpPr/>
+        <p:nvPr/>
+      </p:nvGrpSpPr>
+      <p:grpSpPr/>
+      <p:sp>
+        <p:nvSpPr>
+          <p:cNvPr id="5" name="流程图: 磁盘 4"/>
+          <p:cNvSpPr/>
+          <p:nvPr/>
+        </p:nvSpPr>
+        <p:spPr>
+          <a:xfrm>
+            <a:off x="1105535" y="1667510"/>
+            <a:ext cx="1626870" cy="1877060"/>
+          </a:xfrm>
+          <a:prstGeom prst="flowChartMagneticDisk">
+            <a:avLst/>
+          </a:prstGeom>
+        </p:spPr>
+        <p:style>
+          <a:lnRef idx="2">
+            <a:schemeClr val="accent1">
+              <a:shade val="50000"/>
+            </a:schemeClr>
+          </a:lnRef>
+          <a:fillRef idx="1">
+            <a:schemeClr val="accent1"/>
+          </a:fillRef>
+          <a:effectRef idx="0">
+            <a:schemeClr val="accent1"/>
+          </a:effectRef>
+          <a:fontRef idx="minor">
+            <a:schemeClr val="lt1"/>
+          </a:fontRef>
+        </p:style>
+        <p:txBody>
+          <a:bodyPr rtlCol="0" anchor="ctr"/>
+          <a:p>
+            <a:pPr algn="ctr"/>
+            <a:r>
+              <a:rPr lang="zh-CN" altLang="en-US">
+                <a:sym typeface="+mn-ea"/>
+              </a:rPr>
+              <a:t>网络流量</a:t>
+            </a:r>
+            <a:endParaRPr lang="zh-CN" altLang="en-US"/>
+          </a:p>
+        </p:txBody>
+      </p:sp>
+      <p:sp>
+        <p:nvSpPr>
+          <p:cNvPr id="6" name="矩形 5"/>
+          <p:cNvSpPr/>
+          <p:nvPr/>
+        </p:nvSpPr>
+        <p:spPr>
+          <a:xfrm>
+            <a:off x="3595370" y="2143125"/>
+            <a:ext cx="925830" cy="925195"/>
+          </a:xfrm>
+          <a:prstGeom prst="rect">
+            <a:avLst/>
+          </a:prstGeom>
+        </p:spPr>
+        <p:style>
+          <a:lnRef idx="2">
+            <a:schemeClr val="accent1">
+              <a:shade val="50000"/>
+            </a:schemeClr>
+          </a:lnRef>
+          <a:fillRef idx="1">
+            <a:schemeClr val="accent1"/>
+          </a:fillRef>
+          <a:effectRef idx="0">
+            <a:schemeClr val="accent1"/>
+          </a:effectRef>
+          <a:fontRef idx="minor">
+            <a:schemeClr val="lt1"/>
+          </a:fontRef>
+        </p:style>
+        <p:txBody>
+          <a:bodyPr rtlCol="0" anchor="ctr"/>
+          <a:p>
+            <a:pPr algn="ctr"/>
+            <a:r>
+              <a:rPr lang="zh-CN" altLang="en-US"/>
+              <a:t>流量捕获</a:t>
+            </a:r>
+            <a:endParaRPr lang="zh-CN" altLang="en-US"/>
+          </a:p>
+        </p:txBody>
+      </p:sp>
+      <p:sp>
+        <p:nvSpPr>
+          <p:cNvPr id="7" name="矩形 6"/>
+          <p:cNvSpPr/>
+          <p:nvPr/>
+        </p:nvSpPr>
+        <p:spPr>
+          <a:xfrm>
+            <a:off x="5384165" y="2143760"/>
+            <a:ext cx="925830" cy="925195"/>
+          </a:xfrm>
+          <a:prstGeom prst="rect">
+            <a:avLst/>
+          </a:prstGeom>
+        </p:spPr>
+        <p:style>
+          <a:lnRef idx="2">
+            <a:schemeClr val="accent1">
+              <a:shade val="50000"/>
+            </a:schemeClr>
+          </a:lnRef>
+          <a:fillRef idx="1">
+            <a:schemeClr val="accent1"/>
+          </a:fillRef>
+          <a:effectRef idx="0">
+            <a:schemeClr val="accent1"/>
+          </a:effectRef>
+          <a:fontRef idx="minor">
+            <a:schemeClr val="lt1"/>
+          </a:fontRef>
+        </p:style>
+        <p:txBody>
+          <a:bodyPr rtlCol="0" anchor="ctr"/>
+          <a:p>
+            <a:pPr algn="ctr"/>
+            <a:r>
+              <a:rPr lang="zh-CN" altLang="en-US"/>
+              <a:t>预处理</a:t>
+            </a:r>
+            <a:endParaRPr lang="zh-CN" altLang="en-US"/>
+          </a:p>
+        </p:txBody>
+      </p:sp>
+      <p:sp>
+        <p:nvSpPr>
+          <p:cNvPr id="8" name="矩形 7"/>
+          <p:cNvSpPr/>
+          <p:nvPr/>
+        </p:nvSpPr>
+        <p:spPr>
+          <a:xfrm>
+            <a:off x="7349490" y="1218565"/>
+            <a:ext cx="2680970" cy="3787140"/>
+          </a:xfrm>
+          <a:prstGeom prst="rect">
+            <a:avLst/>
+          </a:prstGeom>
+        </p:spPr>
+        <p:style>
+          <a:lnRef idx="2">
+            <a:schemeClr val="accent1">
+              <a:shade val="50000"/>
+            </a:schemeClr>
+          </a:lnRef>
+          <a:fillRef idx="1">
+            <a:schemeClr val="accent1"/>
+          </a:fillRef>
+          <a:effectRef idx="0">
+            <a:schemeClr val="accent1"/>
+          </a:effectRef>
+          <a:fontRef idx="minor">
+            <a:schemeClr val="lt1"/>
+          </a:fontRef>
+        </p:style>
+        <p:txBody>
+          <a:bodyPr rtlCol="0" anchor="ctr"/>
+          <a:p>
+            <a:pPr algn="ctr"/>
+            <a:endParaRPr lang="zh-CN" altLang="en-US"/>
+          </a:p>
+          <a:p>
+            <a:pPr algn="ctr"/>
+            <a:endParaRPr lang="zh-CN" altLang="en-US"/>
+          </a:p>
+        </p:txBody>
+      </p:sp>
+    </p:spTree>
+  </p:cSld>
+  <p:clrMapOvr>
+    <a:masterClrMapping/>
+  </p:clrMapOvr>
+</p:sld>
+</file>
+
+<file path=ppt/slides/slide3.xml><?xml version="1.0" encoding="utf-8"?>
+<p:sld xmlns:a="http://schemas.openxmlformats.org/drawingml/2006/main" xmlns:r="http://schemas.openxmlformats.org/officeDocument/2006/relationships" xmlns:p="http://schemas.openxmlformats.org/presentationml/2006/main">
+  <p:cSld>
+    <p:spTree>
+      <p:nvGrpSpPr>
+        <p:cNvPr id="1" name=""/>
+        <p:cNvGrpSpPr/>
+        <p:nvPr/>
+      </p:nvGrpSpPr>
+      <p:grpSpPr/>
+      <p:sp>
+        <p:nvSpPr>
+          <p:cNvPr id="5" name="椭圆 4"/>
+          <p:cNvSpPr/>
+          <p:nvPr/>
+        </p:nvSpPr>
+        <p:spPr>
+          <a:xfrm>
+            <a:off x="914400" y="2724150"/>
+            <a:ext cx="2082800" cy="914400"/>
+          </a:xfrm>
+          <a:prstGeom prst="ellipse">
+            <a:avLst/>
+          </a:prstGeom>
+        </p:spPr>
+        <p:style>
+          <a:lnRef idx="2">
+            <a:schemeClr val="dk1"/>
+          </a:lnRef>
+          <a:fillRef idx="1">
+            <a:schemeClr val="lt1"/>
+          </a:fillRef>
+          <a:effectRef idx="0">
+            <a:schemeClr val="dk1"/>
+          </a:effectRef>
+          <a:fontRef idx="minor">
+            <a:schemeClr val="dk1"/>
+          </a:fontRef>
+        </p:style>
+        <p:txBody>
+          <a:bodyPr rtlCol="0" anchor="ctr"/>
+          <a:p>
+            <a:pPr algn="ctr"/>
+            <a:r>
+              <a:rPr lang="zh-CN" altLang="en-US">
+                <a:solidFill>
+                  <a:schemeClr val="tx1"/>
+                </a:solidFill>
+              </a:rPr>
+              <a:t>网络数据日志</a:t>
+            </a:r>
+            <a:endParaRPr lang="zh-CN" altLang="en-US">
+              <a:solidFill>
+                <a:schemeClr val="tx1"/>
+              </a:solidFill>
+            </a:endParaRPr>
+          </a:p>
+        </p:txBody>
+      </p:sp>
+      <p:sp>
+        <p:nvSpPr>
+          <p:cNvPr id="6" name="矩形 5"/>
+          <p:cNvSpPr/>
+          <p:nvPr/>
+        </p:nvSpPr>
+        <p:spPr>
+          <a:xfrm>
+            <a:off x="4508500" y="2800350"/>
+            <a:ext cx="2247900" cy="812800"/>
+          </a:xfrm>
+          <a:prstGeom prst="rect">
+            <a:avLst/>
+          </a:prstGeom>
+        </p:spPr>
+        <p:style>
+          <a:lnRef idx="2">
+            <a:schemeClr val="dk1"/>
+          </a:lnRef>
+          <a:fillRef idx="1">
+            <a:schemeClr val="lt1"/>
+          </a:fillRef>
+          <a:effectRef idx="0">
+            <a:schemeClr val="dk1"/>
+          </a:effectRef>
+          <a:fontRef idx="minor">
+            <a:schemeClr val="dk1"/>
+          </a:fontRef>
+        </p:style>
+        <p:txBody>
+          <a:bodyPr rtlCol="0" anchor="ctr"/>
+          <a:p>
+            <a:pPr algn="ctr"/>
+            <a:r>
+              <a:rPr lang="zh-CN" altLang="en-US">
+                <a:solidFill>
+                  <a:schemeClr val="tx1"/>
+                </a:solidFill>
+              </a:rPr>
+              <a:t>基于异常</a:t>
+            </a:r>
+            <a:r>
+              <a:rPr lang="en-US" altLang="zh-CN">
+                <a:solidFill>
+                  <a:schemeClr val="tx1"/>
+                </a:solidFill>
+              </a:rPr>
+              <a:t>/</a:t>
+            </a:r>
+            <a:r>
+              <a:rPr lang="zh-CN" altLang="en-US">
+                <a:solidFill>
+                  <a:schemeClr val="tx1"/>
+                </a:solidFill>
+              </a:rPr>
+              <a:t>签名检测</a:t>
+            </a:r>
+            <a:endParaRPr lang="zh-CN" altLang="en-US">
+              <a:solidFill>
+                <a:schemeClr val="tx1"/>
+              </a:solidFill>
+            </a:endParaRPr>
+          </a:p>
+        </p:txBody>
+      </p:sp>
+      <p:sp>
+        <p:nvSpPr>
+          <p:cNvPr id="7" name="矩形 6"/>
+          <p:cNvSpPr/>
+          <p:nvPr/>
+        </p:nvSpPr>
+        <p:spPr>
+          <a:xfrm>
+            <a:off x="4508500" y="1085850"/>
+            <a:ext cx="2247900" cy="812800"/>
+          </a:xfrm>
+          <a:prstGeom prst="rect">
+            <a:avLst/>
+          </a:prstGeom>
+        </p:spPr>
+        <p:style>
+          <a:lnRef idx="2">
+            <a:schemeClr val="dk1"/>
+          </a:lnRef>
+          <a:fillRef idx="1">
+            <a:schemeClr val="lt1"/>
+          </a:fillRef>
+          <a:effectRef idx="0">
+            <a:schemeClr val="dk1"/>
+          </a:effectRef>
+          <a:fontRef idx="minor">
+            <a:schemeClr val="dk1"/>
+          </a:fontRef>
+        </p:style>
+        <p:txBody>
+          <a:bodyPr rtlCol="0" anchor="ctr"/>
+          <a:p>
+            <a:pPr algn="ctr"/>
+            <a:r>
+              <a:rPr lang="zh-CN" altLang="en-US">
+                <a:solidFill>
+                  <a:schemeClr val="tx1"/>
+                </a:solidFill>
+              </a:rPr>
+              <a:t>异常</a:t>
+            </a:r>
+            <a:r>
+              <a:rPr lang="en-US" altLang="zh-CN">
+                <a:solidFill>
+                  <a:schemeClr val="tx1"/>
+                </a:solidFill>
+              </a:rPr>
+              <a:t>/</a:t>
+            </a:r>
+            <a:r>
+              <a:rPr lang="zh-CN" altLang="en-US">
+                <a:solidFill>
+                  <a:schemeClr val="tx1"/>
+                </a:solidFill>
+              </a:rPr>
+              <a:t>特征检测</a:t>
+            </a:r>
+            <a:endParaRPr lang="zh-CN" altLang="en-US">
+              <a:solidFill>
+                <a:schemeClr val="tx1"/>
+              </a:solidFill>
+            </a:endParaRPr>
+          </a:p>
+        </p:txBody>
+      </p:sp>
+      <p:cxnSp>
+        <p:nvCxnSpPr>
+          <p:cNvPr id="8" name="直接箭头连接符 7"/>
+          <p:cNvCxnSpPr/>
+          <p:nvPr/>
+        </p:nvCxnSpPr>
+        <p:spPr>
+          <a:xfrm flipH="1" flipV="1">
+            <a:off x="5334000" y="1898650"/>
+            <a:ext cx="12700" cy="901700"/>
+          </a:xfrm>
+          <a:prstGeom prst="straightConnector1">
+            <a:avLst/>
+          </a:prstGeom>
+          <a:ln>
+            <a:tailEnd type="arrow" w="med" len="med"/>
+          </a:ln>
+        </p:spPr>
+        <p:style>
+          <a:lnRef idx="2">
+            <a:schemeClr val="dk1"/>
+          </a:lnRef>
+          <a:fillRef idx="1">
+            <a:schemeClr val="lt1"/>
+          </a:fillRef>
+          <a:effectRef idx="0">
+            <a:schemeClr val="dk1"/>
+          </a:effectRef>
+          <a:fontRef idx="minor">
+            <a:schemeClr val="dk1"/>
+          </a:fontRef>
+        </p:style>
+      </p:cxnSp>
+      <p:cxnSp>
+        <p:nvCxnSpPr>
+          <p:cNvPr id="9" name="直接箭头连接符 8"/>
+          <p:cNvCxnSpPr/>
+          <p:nvPr/>
+        </p:nvCxnSpPr>
+        <p:spPr>
+          <a:xfrm>
+            <a:off x="6070600" y="1898650"/>
+            <a:ext cx="25400" cy="901700"/>
+          </a:xfrm>
+          <a:prstGeom prst="straightConnector1">
+            <a:avLst/>
+          </a:prstGeom>
+          <a:ln>
+            <a:tailEnd type="arrow" w="med" len="med"/>
+          </a:ln>
+        </p:spPr>
+        <p:style>
+          <a:lnRef idx="2">
+            <a:schemeClr val="dk1"/>
+          </a:lnRef>
+          <a:fillRef idx="1">
+            <a:schemeClr val="lt1"/>
+          </a:fillRef>
+          <a:effectRef idx="0">
+            <a:schemeClr val="dk1"/>
+          </a:effectRef>
+          <a:fontRef idx="minor">
+            <a:schemeClr val="dk1"/>
+          </a:fontRef>
+        </p:style>
+      </p:cxnSp>
+      <p:sp>
+        <p:nvSpPr>
+          <p:cNvPr id="10" name="椭圆 9"/>
+          <p:cNvSpPr/>
+          <p:nvPr/>
+        </p:nvSpPr>
+        <p:spPr>
+          <a:xfrm>
+            <a:off x="8788400" y="2724150"/>
+            <a:ext cx="2082800" cy="914400"/>
+          </a:xfrm>
+          <a:prstGeom prst="ellipse">
+            <a:avLst/>
+          </a:prstGeom>
+        </p:spPr>
+        <p:style>
+          <a:lnRef idx="2">
+            <a:schemeClr val="dk1"/>
+          </a:lnRef>
+          <a:fillRef idx="1">
+            <a:schemeClr val="lt1"/>
+          </a:fillRef>
+          <a:effectRef idx="0">
+            <a:schemeClr val="dk1"/>
+          </a:effectRef>
+          <a:fontRef idx="minor">
+            <a:schemeClr val="dk1"/>
+          </a:fontRef>
+        </p:style>
+        <p:txBody>
+          <a:bodyPr rtlCol="0" anchor="ctr"/>
+          <a:p>
+            <a:pPr algn="ctr"/>
+            <a:r>
+              <a:rPr lang="zh-CN" altLang="en-US">
+                <a:solidFill>
+                  <a:schemeClr val="tx1"/>
+                </a:solidFill>
+              </a:rPr>
+              <a:t>入侵行为</a:t>
+            </a:r>
+            <a:endParaRPr lang="zh-CN" altLang="en-US">
+              <a:solidFill>
+                <a:schemeClr val="tx1"/>
+              </a:solidFill>
+            </a:endParaRPr>
+          </a:p>
+        </p:txBody>
+      </p:sp>
+      <p:cxnSp>
+        <p:nvCxnSpPr>
+          <p:cNvPr id="11" name="直接箭头连接符 10"/>
+          <p:cNvCxnSpPr>
+            <a:stCxn id="5" idx="6"/>
+            <a:endCxn id="6" idx="1"/>
+          </p:cNvCxnSpPr>
+          <p:nvPr/>
+        </p:nvCxnSpPr>
+        <p:spPr>
+          <a:xfrm>
+            <a:off x="2997200" y="3181350"/>
+            <a:ext cx="1511300" cy="25400"/>
+          </a:xfrm>
+          <a:prstGeom prst="straightConnector1">
+            <a:avLst/>
+          </a:prstGeom>
+          <a:ln>
+            <a:tailEnd type="arrow" w="med" len="med"/>
+          </a:ln>
+        </p:spPr>
+        <p:style>
+          <a:lnRef idx="2">
+            <a:schemeClr val="dk1"/>
+          </a:lnRef>
+          <a:fillRef idx="1">
+            <a:schemeClr val="lt1"/>
+          </a:fillRef>
+          <a:effectRef idx="0">
+            <a:schemeClr val="dk1"/>
+          </a:effectRef>
+          <a:fontRef idx="minor">
+            <a:schemeClr val="dk1"/>
+          </a:fontRef>
+        </p:style>
+      </p:cxnSp>
+      <p:cxnSp>
+        <p:nvCxnSpPr>
+          <p:cNvPr id="12" name="直接箭头连接符 11"/>
+          <p:cNvCxnSpPr>
+            <a:stCxn id="6" idx="3"/>
+            <a:endCxn id="10" idx="2"/>
+          </p:cNvCxnSpPr>
+          <p:nvPr/>
+        </p:nvCxnSpPr>
+        <p:spPr>
+          <a:xfrm flipV="1">
+            <a:off x="6756400" y="3181350"/>
+            <a:ext cx="2032000" cy="25400"/>
+          </a:xfrm>
+          <a:prstGeom prst="straightConnector1">
+            <a:avLst/>
+          </a:prstGeom>
+          <a:ln>
+            <a:tailEnd type="arrow" w="med" len="med"/>
+          </a:ln>
+        </p:spPr>
+        <p:style>
+          <a:lnRef idx="2">
+            <a:schemeClr val="dk1"/>
+          </a:lnRef>
+          <a:fillRef idx="1">
+            <a:schemeClr val="lt1"/>
+          </a:fillRef>
+          <a:effectRef idx="0">
+            <a:schemeClr val="dk1"/>
+          </a:effectRef>
+          <a:fontRef idx="minor">
+            <a:schemeClr val="dk1"/>
+          </a:fontRef>
+        </p:style>
+      </p:cxnSp>
+      <p:sp>
+        <p:nvSpPr>
+          <p:cNvPr id="13" name="文本框 12"/>
+          <p:cNvSpPr txBox="1"/>
+          <p:nvPr/>
+        </p:nvSpPr>
+        <p:spPr>
+          <a:xfrm>
+            <a:off x="7366000" y="3524250"/>
+            <a:ext cx="1257300" cy="368300"/>
+          </a:xfrm>
+          <a:prstGeom prst="rect">
+            <a:avLst/>
+          </a:prstGeom>
+          <a:ln>
+            <a:noFill/>
+          </a:ln>
+        </p:spPr>
+        <p:style>
+          <a:lnRef idx="2">
+            <a:schemeClr val="dk1"/>
+          </a:lnRef>
+          <a:fillRef idx="1">
+            <a:schemeClr val="lt1"/>
+          </a:fillRef>
+          <a:effectRef idx="0">
+            <a:schemeClr val="dk1"/>
+          </a:effectRef>
+          <a:fontRef idx="minor">
+            <a:schemeClr val="dk1"/>
+          </a:fontRef>
+        </p:style>
+        <p:txBody>
+          <a:bodyPr wrap="square" rtlCol="0">
+            <a:spAutoFit/>
+          </a:bodyPr>
+          <a:p>
+            <a:r>
+              <a:rPr lang="zh-CN" altLang="en-US">
+                <a:ln>
+                  <a:noFill/>
+                </a:ln>
+                <a:solidFill>
+                  <a:schemeClr val="tx1"/>
+                </a:solidFill>
+              </a:rPr>
+              <a:t>规则匹配</a:t>
+            </a:r>
+            <a:endParaRPr lang="zh-CN" altLang="en-US">
+              <a:ln>
+                <a:noFill/>
+              </a:ln>
+              <a:solidFill>
+                <a:schemeClr val="tx1"/>
+              </a:solidFill>
+            </a:endParaRPr>
+          </a:p>
+        </p:txBody>
+      </p:sp>
+      <p:sp>
+        <p:nvSpPr>
+          <p:cNvPr id="14" name="文本框 13"/>
+          <p:cNvSpPr txBox="1"/>
+          <p:nvPr/>
+        </p:nvSpPr>
+        <p:spPr>
+          <a:xfrm>
+            <a:off x="7188200" y="1733550"/>
+            <a:ext cx="4064000" cy="645160"/>
+          </a:xfrm>
+          <a:prstGeom prst="rect">
+            <a:avLst/>
+          </a:prstGeom>
+          <a:ln>
+            <a:noFill/>
+          </a:ln>
+        </p:spPr>
+        <p:style>
+          <a:lnRef idx="2">
+            <a:schemeClr val="dk1"/>
+          </a:lnRef>
+          <a:fillRef idx="1">
+            <a:schemeClr val="lt1"/>
+          </a:fillRef>
+          <a:effectRef idx="0">
+            <a:schemeClr val="dk1"/>
+          </a:effectRef>
+          <a:fontRef idx="minor">
+            <a:schemeClr val="dk1"/>
+          </a:fontRef>
+        </p:style>
+        <p:txBody>
+          <a:bodyPr wrap="square" rtlCol="0">
+            <a:spAutoFit/>
+          </a:bodyPr>
+          <a:p>
+            <a:r>
+              <a:rPr lang="zh-CN" altLang="en-US">
+                <a:ln>
+                  <a:noFill/>
+                </a:ln>
+                <a:solidFill>
+                  <a:schemeClr val="tx1"/>
+                </a:solidFill>
+              </a:rPr>
+              <a:t>动态产生新描述</a:t>
+            </a:r>
+            <a:endParaRPr lang="zh-CN" altLang="en-US">
+              <a:ln>
+                <a:noFill/>
+              </a:ln>
+              <a:solidFill>
+                <a:schemeClr val="tx1"/>
+              </a:solidFill>
+            </a:endParaRPr>
+          </a:p>
+          <a:p>
+            <a:r>
+              <a:rPr lang="zh-CN" altLang="en-US">
+                <a:ln>
+                  <a:noFill/>
+                </a:ln>
+                <a:solidFill>
+                  <a:schemeClr val="tx1"/>
+                </a:solidFill>
+              </a:rPr>
+              <a:t>动态更新描述</a:t>
+            </a:r>
+            <a:endParaRPr lang="zh-CN" altLang="en-US">
+              <a:ln>
+                <a:noFill/>
+              </a:ln>
+              <a:solidFill>
+                <a:schemeClr val="tx1"/>
+              </a:solidFill>
+            </a:endParaRPr>
           </a:p>
         </p:txBody>
       </p:sp>

--- a/反测绘/绘图相关.pptx
+++ b/反测绘/绘图相关.pptx
@@ -5,15 +5,19 @@
     <p:sldMasterId id="2147483648" r:id="rId1"/>
   </p:sldMasterIdLst>
   <p:notesMasterIdLst>
-    <p:notesMasterId r:id="rId6"/>
+    <p:notesMasterId r:id="rId10"/>
   </p:notesMasterIdLst>
   <p:handoutMasterIdLst>
-    <p:handoutMasterId r:id="rId7"/>
+    <p:handoutMasterId r:id="rId11"/>
   </p:handoutMasterIdLst>
   <p:sldIdLst>
     <p:sldId id="256" r:id="rId3"/>
     <p:sldId id="257" r:id="rId4"/>
     <p:sldId id="258" r:id="rId5"/>
+    <p:sldId id="260" r:id="rId6"/>
+    <p:sldId id="261" r:id="rId7"/>
+    <p:sldId id="262" r:id="rId8"/>
+    <p:sldId id="263" r:id="rId9"/>
   </p:sldIdLst>
   <p:sldSz cx="12192000" cy="6858000"/>
   <p:notesSz cx="7103745" cy="10234295"/>
@@ -979,6 +983,556 @@
 </p:sldLayout>
 </file>
 
+<file path=ppt/slideLayouts/slideLayout11.xml><?xml version="1.0" encoding="utf-8"?>
+<p:sldLayout xmlns:a="http://schemas.openxmlformats.org/drawingml/2006/main" xmlns:r="http://schemas.openxmlformats.org/officeDocument/2006/relationships" xmlns:p="http://schemas.openxmlformats.org/presentationml/2006/main" userDrawn="1">
+  <p:cSld name="1_自定义版式">
+    <p:spTree>
+      <p:nvGrpSpPr>
+        <p:cNvPr id="1" name=""/>
+        <p:cNvGrpSpPr/>
+        <p:nvPr/>
+      </p:nvGrpSpPr>
+      <p:grpSpPr>
+        <a:xfrm>
+          <a:off x="0" y="0"/>
+          <a:ext cx="0" cy="0"/>
+          <a:chOff x="0" y="0"/>
+          <a:chExt cx="0" cy="0"/>
+        </a:xfrm>
+      </p:grpSpPr>
+      <p:pic>
+        <p:nvPicPr>
+          <p:cNvPr id="2" name="图片 6"/>
+          <p:cNvPicPr>
+            <a:picLocks noChangeAspect="1"/>
+          </p:cNvPicPr>
+          <p:nvPr userDrawn="1"/>
+        </p:nvPicPr>
+        <p:blipFill>
+          <a:blip r:embed="rId2">
+            <a:extLst>
+              <a:ext uri="{28A0092B-C50C-407E-A947-70E740481C1C}">
+                <a14:useLocalDpi xmlns:a14="http://schemas.microsoft.com/office/drawing/2010/main" val="0"/>
+              </a:ext>
+            </a:extLst>
+          </a:blip>
+          <a:srcRect/>
+          <a:stretch>
+            <a:fillRect/>
+          </a:stretch>
+        </p:blipFill>
+        <p:spPr bwMode="auto">
+          <a:xfrm>
+            <a:off x="0" y="0"/>
+            <a:ext cx="12192000" cy="6858000"/>
+          </a:xfrm>
+          <a:prstGeom prst="rect">
+            <a:avLst/>
+          </a:prstGeom>
+          <a:noFill/>
+          <a:ln>
+            <a:noFill/>
+          </a:ln>
+          <a:extLst>
+            <a:ext uri="{909E8E84-426E-40DD-AFC4-6F175D3DCCD1}">
+              <a14:hiddenFill xmlns:a14="http://schemas.microsoft.com/office/drawing/2010/main">
+                <a:solidFill>
+                  <a:srgbClr val="FFFFFF"/>
+                </a:solidFill>
+              </a14:hiddenFill>
+            </a:ext>
+            <a:ext uri="{91240B29-F687-4F45-9708-019B960494DF}">
+              <a14:hiddenLine xmlns:a14="http://schemas.microsoft.com/office/drawing/2010/main" w="9525">
+                <a:solidFill>
+                  <a:srgbClr val="000000"/>
+                </a:solidFill>
+                <a:miter lim="800000"/>
+                <a:headEnd/>
+                <a:tailEnd/>
+              </a14:hiddenLine>
+            </a:ext>
+          </a:extLst>
+        </p:spPr>
+      </p:pic>
+      <p:pic>
+        <p:nvPicPr>
+          <p:cNvPr id="3" name="图片 7"/>
+          <p:cNvPicPr>
+            <a:picLocks noChangeAspect="1"/>
+          </p:cNvPicPr>
+          <p:nvPr userDrawn="1"/>
+        </p:nvPicPr>
+        <p:blipFill>
+          <a:blip r:embed="rId3" cstate="print">
+            <a:extLst>
+              <a:ext uri="{28A0092B-C50C-407E-A947-70E740481C1C}">
+                <a14:useLocalDpi xmlns:a14="http://schemas.microsoft.com/office/drawing/2010/main" val="0"/>
+              </a:ext>
+            </a:extLst>
+          </a:blip>
+          <a:srcRect/>
+          <a:stretch>
+            <a:fillRect/>
+          </a:stretch>
+        </p:blipFill>
+        <p:spPr bwMode="auto">
+          <a:xfrm>
+            <a:off x="9805988" y="-44450"/>
+            <a:ext cx="1308100" cy="973138"/>
+          </a:xfrm>
+          <a:prstGeom prst="rect">
+            <a:avLst/>
+          </a:prstGeom>
+          <a:noFill/>
+          <a:ln>
+            <a:noFill/>
+          </a:ln>
+          <a:extLst>
+            <a:ext uri="{909E8E84-426E-40DD-AFC4-6F175D3DCCD1}">
+              <a14:hiddenFill xmlns:a14="http://schemas.microsoft.com/office/drawing/2010/main">
+                <a:solidFill>
+                  <a:srgbClr val="FFFFFF"/>
+                </a:solidFill>
+              </a14:hiddenFill>
+            </a:ext>
+            <a:ext uri="{91240B29-F687-4F45-9708-019B960494DF}">
+              <a14:hiddenLine xmlns:a14="http://schemas.microsoft.com/office/drawing/2010/main" w="9525">
+                <a:solidFill>
+                  <a:srgbClr val="000000"/>
+                </a:solidFill>
+                <a:miter lim="800000"/>
+                <a:headEnd/>
+                <a:tailEnd/>
+              </a14:hiddenLine>
+            </a:ext>
+          </a:extLst>
+        </p:spPr>
+      </p:pic>
+      <p:pic>
+        <p:nvPicPr>
+          <p:cNvPr id="4" name="图片 8"/>
+          <p:cNvPicPr>
+            <a:picLocks noChangeAspect="1"/>
+          </p:cNvPicPr>
+          <p:nvPr userDrawn="1"/>
+        </p:nvPicPr>
+        <p:blipFill>
+          <a:blip r:embed="rId4">
+            <a:extLst>
+              <a:ext uri="{28A0092B-C50C-407E-A947-70E740481C1C}">
+                <a14:useLocalDpi xmlns:a14="http://schemas.microsoft.com/office/drawing/2010/main" val="0"/>
+              </a:ext>
+            </a:extLst>
+          </a:blip>
+          <a:srcRect/>
+          <a:stretch>
+            <a:fillRect/>
+          </a:stretch>
+        </p:blipFill>
+        <p:spPr bwMode="auto">
+          <a:xfrm>
+            <a:off x="0" y="6284913"/>
+            <a:ext cx="738188" cy="584200"/>
+          </a:xfrm>
+          <a:prstGeom prst="rect">
+            <a:avLst/>
+          </a:prstGeom>
+          <a:noFill/>
+          <a:ln>
+            <a:noFill/>
+          </a:ln>
+          <a:extLst>
+            <a:ext uri="{909E8E84-426E-40DD-AFC4-6F175D3DCCD1}">
+              <a14:hiddenFill xmlns:a14="http://schemas.microsoft.com/office/drawing/2010/main">
+                <a:solidFill>
+                  <a:srgbClr val="FFFFFF"/>
+                </a:solidFill>
+              </a14:hiddenFill>
+            </a:ext>
+            <a:ext uri="{91240B29-F687-4F45-9708-019B960494DF}">
+              <a14:hiddenLine xmlns:a14="http://schemas.microsoft.com/office/drawing/2010/main" w="9525">
+                <a:solidFill>
+                  <a:srgbClr val="000000"/>
+                </a:solidFill>
+                <a:miter lim="800000"/>
+                <a:headEnd/>
+                <a:tailEnd/>
+              </a14:hiddenLine>
+            </a:ext>
+          </a:extLst>
+        </p:spPr>
+      </p:pic>
+      <p:sp>
+        <p:nvSpPr>
+          <p:cNvPr id="5" name="TextBox 9"/>
+          <p:cNvSpPr txBox="1">
+            <a:spLocks noChangeArrowheads="1"/>
+          </p:cNvSpPr>
+          <p:nvPr userDrawn="1"/>
+        </p:nvSpPr>
+        <p:spPr bwMode="auto">
+          <a:xfrm>
+            <a:off x="11555413" y="6608763"/>
+            <a:ext cx="527050" cy="276225"/>
+          </a:xfrm>
+          <a:prstGeom prst="rect">
+            <a:avLst/>
+          </a:prstGeom>
+          <a:noFill/>
+          <a:ln>
+            <a:noFill/>
+          </a:ln>
+        </p:spPr>
+        <p:txBody>
+          <a:bodyPr>
+            <a:spAutoFit/>
+          </a:bodyPr>
+          <a:lstStyle>
+            <a:lvl1pPr>
+              <a:defRPr>
+                <a:solidFill>
+                  <a:schemeClr val="tx1"/>
+                </a:solidFill>
+                <a:latin typeface="Arial" panose="020B0604020202020204" pitchFamily="34" charset="0"/>
+                <a:ea typeface="微软雅黑" panose="020B0503020204020204" charset="-122"/>
+              </a:defRPr>
+            </a:lvl1pPr>
+            <a:lvl2pPr marL="742950" indent="-285750">
+              <a:defRPr>
+                <a:solidFill>
+                  <a:schemeClr val="tx1"/>
+                </a:solidFill>
+                <a:latin typeface="Arial" panose="020B0604020202020204" pitchFamily="34" charset="0"/>
+                <a:ea typeface="微软雅黑" panose="020B0503020204020204" charset="-122"/>
+              </a:defRPr>
+            </a:lvl2pPr>
+            <a:lvl3pPr marL="1143000" indent="-228600">
+              <a:defRPr>
+                <a:solidFill>
+                  <a:schemeClr val="tx1"/>
+                </a:solidFill>
+                <a:latin typeface="Arial" panose="020B0604020202020204" pitchFamily="34" charset="0"/>
+                <a:ea typeface="微软雅黑" panose="020B0503020204020204" charset="-122"/>
+              </a:defRPr>
+            </a:lvl3pPr>
+            <a:lvl4pPr marL="1600200" indent="-228600">
+              <a:defRPr>
+                <a:solidFill>
+                  <a:schemeClr val="tx1"/>
+                </a:solidFill>
+                <a:latin typeface="Arial" panose="020B0604020202020204" pitchFamily="34" charset="0"/>
+                <a:ea typeface="微软雅黑" panose="020B0503020204020204" charset="-122"/>
+              </a:defRPr>
+            </a:lvl4pPr>
+            <a:lvl5pPr marL="2057400" indent="-228600">
+              <a:defRPr>
+                <a:solidFill>
+                  <a:schemeClr val="tx1"/>
+                </a:solidFill>
+                <a:latin typeface="Arial" panose="020B0604020202020204" pitchFamily="34" charset="0"/>
+                <a:ea typeface="微软雅黑" panose="020B0503020204020204" charset="-122"/>
+              </a:defRPr>
+            </a:lvl5pPr>
+            <a:lvl6pPr marL="2514600" indent="-228600" defTabSz="457200" fontAlgn="base">
+              <a:spcBef>
+                <a:spcPct val="0"/>
+              </a:spcBef>
+              <a:spcAft>
+                <a:spcPct val="0"/>
+              </a:spcAft>
+              <a:defRPr>
+                <a:solidFill>
+                  <a:schemeClr val="tx1"/>
+                </a:solidFill>
+                <a:latin typeface="Arial" panose="020B0604020202020204" pitchFamily="34" charset="0"/>
+                <a:ea typeface="微软雅黑" panose="020B0503020204020204" charset="-122"/>
+              </a:defRPr>
+            </a:lvl6pPr>
+            <a:lvl7pPr marL="2971800" indent="-228600" defTabSz="457200" fontAlgn="base">
+              <a:spcBef>
+                <a:spcPct val="0"/>
+              </a:spcBef>
+              <a:spcAft>
+                <a:spcPct val="0"/>
+              </a:spcAft>
+              <a:defRPr>
+                <a:solidFill>
+                  <a:schemeClr val="tx1"/>
+                </a:solidFill>
+                <a:latin typeface="Arial" panose="020B0604020202020204" pitchFamily="34" charset="0"/>
+                <a:ea typeface="微软雅黑" panose="020B0503020204020204" charset="-122"/>
+              </a:defRPr>
+            </a:lvl7pPr>
+            <a:lvl8pPr marL="3429000" indent="-228600" defTabSz="457200" fontAlgn="base">
+              <a:spcBef>
+                <a:spcPct val="0"/>
+              </a:spcBef>
+              <a:spcAft>
+                <a:spcPct val="0"/>
+              </a:spcAft>
+              <a:defRPr>
+                <a:solidFill>
+                  <a:schemeClr val="tx1"/>
+                </a:solidFill>
+                <a:latin typeface="Arial" panose="020B0604020202020204" pitchFamily="34" charset="0"/>
+                <a:ea typeface="微软雅黑" panose="020B0503020204020204" charset="-122"/>
+              </a:defRPr>
+            </a:lvl8pPr>
+            <a:lvl9pPr marL="3886200" indent="-228600" defTabSz="457200" fontAlgn="base">
+              <a:spcBef>
+                <a:spcPct val="0"/>
+              </a:spcBef>
+              <a:spcAft>
+                <a:spcPct val="0"/>
+              </a:spcAft>
+              <a:defRPr>
+                <a:solidFill>
+                  <a:schemeClr val="tx1"/>
+                </a:solidFill>
+                <a:latin typeface="Arial" panose="020B0604020202020204" pitchFamily="34" charset="0"/>
+                <a:ea typeface="微软雅黑" panose="020B0503020204020204" charset="-122"/>
+              </a:defRPr>
+            </a:lvl9pPr>
+          </a:lstStyle>
+          <a:p>
+            <a:pPr algn="r"/>
+            <a:fld id="{E1CA58D9-9029-4911-9682-577EF34786EA}" type="slidenum">
+              <a:rPr lang="zh-CN" altLang="en-US" sz="1200" b="1">
+                <a:solidFill>
+                  <a:srgbClr val="9BBB59"/>
+                </a:solidFill>
+                <a:latin typeface="微软雅黑" panose="020B0503020204020204" charset="-122"/>
+              </a:rPr>
+            </a:fld>
+            <a:endParaRPr lang="zh-CN" altLang="en-US" sz="1200" b="1">
+              <a:solidFill>
+                <a:srgbClr val="9BBB59"/>
+              </a:solidFill>
+              <a:latin typeface="微软雅黑" panose="020B0503020204020204" charset="-122"/>
+            </a:endParaRPr>
+          </a:p>
+        </p:txBody>
+      </p:sp>
+      <p:pic>
+        <p:nvPicPr>
+          <p:cNvPr id="6" name="图片 10"/>
+          <p:cNvPicPr>
+            <a:picLocks noChangeAspect="1"/>
+          </p:cNvPicPr>
+          <p:nvPr userDrawn="1"/>
+        </p:nvPicPr>
+        <p:blipFill>
+          <a:blip r:embed="rId5">
+            <a:clrChange>
+              <a:clrFrom>
+                <a:srgbClr val="FFFFFF"/>
+              </a:clrFrom>
+              <a:clrTo>
+                <a:srgbClr val="FFFFFF">
+                  <a:alpha val="0"/>
+                </a:srgbClr>
+              </a:clrTo>
+            </a:clrChange>
+            <a:extLst>
+              <a:ext uri="{28A0092B-C50C-407E-A947-70E740481C1C}">
+                <a14:useLocalDpi xmlns:a14="http://schemas.microsoft.com/office/drawing/2010/main" val="0"/>
+              </a:ext>
+            </a:extLst>
+          </a:blip>
+          <a:srcRect/>
+          <a:stretch>
+            <a:fillRect/>
+          </a:stretch>
+        </p:blipFill>
+        <p:spPr bwMode="auto">
+          <a:xfrm>
+            <a:off x="10929938" y="-44450"/>
+            <a:ext cx="1319212" cy="873125"/>
+          </a:xfrm>
+          <a:prstGeom prst="rect">
+            <a:avLst/>
+          </a:prstGeom>
+          <a:noFill/>
+          <a:ln>
+            <a:noFill/>
+          </a:ln>
+          <a:extLst>
+            <a:ext uri="{909E8E84-426E-40DD-AFC4-6F175D3DCCD1}">
+              <a14:hiddenFill xmlns:a14="http://schemas.microsoft.com/office/drawing/2010/main">
+                <a:solidFill>
+                  <a:srgbClr val="FFFFFF"/>
+                </a:solidFill>
+              </a14:hiddenFill>
+            </a:ext>
+            <a:ext uri="{91240B29-F687-4F45-9708-019B960494DF}">
+              <a14:hiddenLine xmlns:a14="http://schemas.microsoft.com/office/drawing/2010/main" w="9525">
+                <a:solidFill>
+                  <a:srgbClr val="000000"/>
+                </a:solidFill>
+                <a:miter lim="800000"/>
+                <a:headEnd/>
+                <a:tailEnd/>
+              </a14:hiddenLine>
+            </a:ext>
+          </a:extLst>
+        </p:spPr>
+      </p:pic>
+      <p:cxnSp>
+        <p:nvCxnSpPr>
+          <p:cNvPr id="7" name="直接连接符 6"/>
+          <p:cNvCxnSpPr/>
+          <p:nvPr userDrawn="1"/>
+        </p:nvCxnSpPr>
+        <p:spPr>
+          <a:xfrm>
+            <a:off x="11063288" y="249238"/>
+            <a:ext cx="0" cy="300037"/>
+          </a:xfrm>
+          <a:prstGeom prst="line">
+            <a:avLst/>
+          </a:prstGeom>
+          <a:ln w="12700"/>
+        </p:spPr>
+        <p:style>
+          <a:lnRef idx="1">
+            <a:schemeClr val="accent5"/>
+          </a:lnRef>
+          <a:fillRef idx="0">
+            <a:schemeClr val="accent5"/>
+          </a:fillRef>
+          <a:effectRef idx="0">
+            <a:schemeClr val="accent5"/>
+          </a:effectRef>
+          <a:fontRef idx="minor">
+            <a:schemeClr val="tx1"/>
+          </a:fontRef>
+        </p:style>
+      </p:cxnSp>
+      <p:sp>
+        <p:nvSpPr>
+          <p:cNvPr id="10" name="Title Placeholder 1"/>
+          <p:cNvSpPr>
+            <a:spLocks noGrp="1"/>
+          </p:cNvSpPr>
+          <p:nvPr>
+            <p:ph type="title"/>
+          </p:nvPr>
+        </p:nvSpPr>
+        <p:spPr>
+          <a:xfrm>
+            <a:off x="105473" y="158003"/>
+            <a:ext cx="8153400" cy="611184"/>
+          </a:xfrm>
+          <a:prstGeom prst="rect">
+            <a:avLst/>
+          </a:prstGeom>
+        </p:spPr>
+        <p:txBody>
+          <a:bodyPr rtlCol="0">
+            <a:normAutofit/>
+          </a:bodyPr>
+          <a:lstStyle>
+            <a:lvl1pPr algn="l">
+              <a:defRPr sz="2800" b="1">
+                <a:solidFill>
+                  <a:srgbClr val="0B85CF"/>
+                </a:solidFill>
+                <a:latin typeface="方正黑体简体" panose="02000000000000000000" pitchFamily="2" charset="-122"/>
+                <a:ea typeface="方正黑体简体" panose="02000000000000000000" pitchFamily="2" charset="-122"/>
+              </a:defRPr>
+            </a:lvl1pPr>
+          </a:lstStyle>
+          <a:p>
+            <a:r>
+              <a:rPr lang="zh-CN" altLang="en-US"/>
+              <a:t>单击此处编辑母版标题样式</a:t>
+            </a:r>
+            <a:endParaRPr lang="en-US" dirty="0"/>
+          </a:p>
+        </p:txBody>
+      </p:sp>
+      <p:sp>
+        <p:nvSpPr>
+          <p:cNvPr id="18" name="Text Placeholder 2"/>
+          <p:cNvSpPr>
+            <a:spLocks noGrp="1"/>
+          </p:cNvSpPr>
+          <p:nvPr>
+            <p:ph type="body" idx="10"/>
+          </p:nvPr>
+        </p:nvSpPr>
+        <p:spPr>
+          <a:xfrm>
+            <a:off x="914400" y="1334739"/>
+            <a:ext cx="10363200" cy="4570994"/>
+          </a:xfrm>
+          <a:prstGeom prst="rect">
+            <a:avLst/>
+          </a:prstGeom>
+        </p:spPr>
+        <p:txBody>
+          <a:bodyPr>
+            <a:normAutofit/>
+          </a:bodyPr>
+          <a:lstStyle>
+            <a:lvl1pPr marL="0" indent="0" algn="l">
+              <a:buNone/>
+              <a:defRPr sz="1800" b="0">
+                <a:latin typeface="方正黑体简体" panose="02000000000000000000" pitchFamily="2" charset="-122"/>
+                <a:ea typeface="方正黑体简体" panose="02000000000000000000" pitchFamily="2" charset="-122"/>
+              </a:defRPr>
+            </a:lvl1pPr>
+            <a:lvl2pPr marL="457200" indent="0">
+              <a:buNone/>
+              <a:defRPr sz="2000" b="1"/>
+            </a:lvl2pPr>
+            <a:lvl3pPr marL="914400" indent="0">
+              <a:buNone/>
+              <a:defRPr sz="1800" b="1"/>
+            </a:lvl3pPr>
+            <a:lvl4pPr marL="1371600" indent="0">
+              <a:buNone/>
+              <a:defRPr sz="1600" b="1"/>
+            </a:lvl4pPr>
+            <a:lvl5pPr marL="1828800" indent="0">
+              <a:buNone/>
+              <a:defRPr sz="1600" b="1"/>
+            </a:lvl5pPr>
+            <a:lvl6pPr marL="2286000" indent="0">
+              <a:buNone/>
+              <a:defRPr sz="1600" b="1"/>
+            </a:lvl6pPr>
+            <a:lvl7pPr marL="2743200" indent="0">
+              <a:buNone/>
+              <a:defRPr sz="1600" b="1"/>
+            </a:lvl7pPr>
+            <a:lvl8pPr marL="3200400" indent="0">
+              <a:buNone/>
+              <a:defRPr sz="1600" b="1"/>
+            </a:lvl8pPr>
+            <a:lvl9pPr marL="3657600" indent="0">
+              <a:buNone/>
+              <a:defRPr sz="1600" b="1"/>
+            </a:lvl9pPr>
+          </a:lstStyle>
+          <a:p>
+            <a:pPr lvl="0"/>
+            <a:r>
+              <a:rPr lang="zh-CN" altLang="en-US"/>
+              <a:t>单击此处编辑母版文本样式</a:t>
+            </a:r>
+            <a:endParaRPr lang="zh-CN" altLang="en-US"/>
+          </a:p>
+        </p:txBody>
+      </p:sp>
+    </p:spTree>
+  </p:cSld>
+  <p:clrMapOvr>
+    <a:masterClrMapping/>
+  </p:clrMapOvr>
+</p:sldLayout>
+</file>
+
 <file path=ppt/slideLayouts/slideLayout2.xml><?xml version="1.0" encoding="utf-8"?>
 <p:sldLayout xmlns:a="http://schemas.openxmlformats.org/drawingml/2006/main" xmlns:r="http://schemas.openxmlformats.org/officeDocument/2006/relationships" xmlns:p="http://schemas.openxmlformats.org/presentationml/2006/main" type="obj" preserve="1">
   <p:cSld name="标题和内容">
@@ -3155,6 +3709,7 @@
     <p:sldLayoutId id="2147483656" r:id="rId8"/>
     <p:sldLayoutId id="2147483657" r:id="rId9"/>
     <p:sldLayoutId id="2147483658" r:id="rId10"/>
+    <p:sldLayoutId id="2147483659" r:id="rId11"/>
   </p:sldLayoutIdLst>
   <p:txStyles>
     <p:titleStyle>
@@ -5217,6 +5772,6399 @@
     <a:masterClrMapping/>
   </p:clrMapOvr>
 </p:sld>
+</file>
+
+<file path=ppt/slides/slide4.xml><?xml version="1.0" encoding="utf-8"?>
+<p:sld xmlns:a="http://schemas.openxmlformats.org/drawingml/2006/main" xmlns:r="http://schemas.openxmlformats.org/officeDocument/2006/relationships" xmlns:p="http://schemas.openxmlformats.org/presentationml/2006/main">
+  <p:cSld>
+    <p:spTree>
+      <p:nvGrpSpPr>
+        <p:cNvPr id="1" name=""/>
+        <p:cNvGrpSpPr/>
+        <p:nvPr/>
+      </p:nvGrpSpPr>
+      <p:grpSpPr/>
+      <p:sp>
+        <p:nvSpPr>
+          <p:cNvPr id="48" name="矩形 47"/>
+          <p:cNvSpPr/>
+          <p:nvPr/>
+        </p:nvSpPr>
+        <p:spPr>
+          <a:xfrm>
+            <a:off x="2493645" y="4940300"/>
+            <a:ext cx="7204075" cy="564515"/>
+          </a:xfrm>
+          <a:prstGeom prst="rect">
+            <a:avLst/>
+          </a:prstGeom>
+          <a:ln>
+            <a:solidFill>
+              <a:srgbClr val="FF0000"/>
+            </a:solidFill>
+            <a:prstDash val="sysDot"/>
+          </a:ln>
+        </p:spPr>
+        <p:style>
+          <a:lnRef idx="2">
+            <a:schemeClr val="accent1"/>
+          </a:lnRef>
+          <a:fillRef idx="1">
+            <a:schemeClr val="lt1"/>
+          </a:fillRef>
+          <a:effectRef idx="0">
+            <a:schemeClr val="accent1"/>
+          </a:effectRef>
+          <a:fontRef idx="minor">
+            <a:schemeClr val="dk1"/>
+          </a:fontRef>
+        </p:style>
+        <p:txBody>
+          <a:bodyPr vertOverflow="overflow" horzOverflow="overflow" vert="horz" wrap="square" numCol="1" spcCol="0" rtlCol="0" fromWordArt="0" anchor="ctr" anchorCtr="0" forceAA="0" compatLnSpc="1">
+            <a:noAutofit/>
+          </a:bodyPr>
+          <a:p>
+            <a:pPr lvl="0" algn="ctr">
+              <a:buClrTx/>
+              <a:buSzTx/>
+              <a:buFontTx/>
+            </a:pPr>
+            <a:endParaRPr lang="zh-CN" altLang="en-US">
+              <a:sym typeface="+mn-ea"/>
+            </a:endParaRPr>
+          </a:p>
+        </p:txBody>
+      </p:sp>
+      <p:sp>
+        <p:nvSpPr>
+          <p:cNvPr id="49" name="文本框 93"/>
+          <p:cNvSpPr txBox="1"/>
+          <p:nvPr/>
+        </p:nvSpPr>
+        <p:spPr>
+          <a:xfrm>
+            <a:off x="2506980" y="5073015"/>
+            <a:ext cx="1823720" cy="306705"/>
+          </a:xfrm>
+          <a:prstGeom prst="rect">
+            <a:avLst/>
+          </a:prstGeom>
+          <a:noFill/>
+        </p:spPr>
+        <p:txBody>
+          <a:bodyPr wrap="square" rtlCol="0" anchor="t" anchorCtr="0">
+            <a:spAutoFit/>
+          </a:bodyPr>
+          <a:p>
+            <a:pPr lvl="0" algn="l">
+              <a:buClrTx/>
+              <a:buSzTx/>
+              <a:buFontTx/>
+            </a:pPr>
+            <a:r>
+              <a:rPr lang="en-US" altLang="zh-CN" sz="1400" b="1" dirty="0">
+                <a:solidFill>
+                  <a:schemeClr val="tx2">
+                    <a:lumMod val="60000"/>
+                    <a:lumOff val="40000"/>
+                  </a:schemeClr>
+                </a:solidFill>
+                <a:latin typeface="微软雅黑" panose="020B0503020204020204" charset="-122"/>
+                <a:ea typeface="微软雅黑" panose="020B0503020204020204" charset="-122"/>
+                <a:sym typeface="+mn-ea"/>
+              </a:rPr>
+              <a:t>APT</a:t>
+            </a:r>
+            <a:r>
+              <a:rPr lang="zh-CN" altLang="en-US" sz="1400" b="1" dirty="0">
+                <a:solidFill>
+                  <a:schemeClr val="tx2">
+                    <a:lumMod val="60000"/>
+                    <a:lumOff val="40000"/>
+                  </a:schemeClr>
+                </a:solidFill>
+                <a:latin typeface="微软雅黑" panose="020B0503020204020204" charset="-122"/>
+                <a:ea typeface="微软雅黑" panose="020B0503020204020204" charset="-122"/>
+                <a:sym typeface="+mn-ea"/>
+              </a:rPr>
+              <a:t>攻击测绘行为</a:t>
+            </a:r>
+            <a:endParaRPr lang="zh-CN" altLang="en-US" sz="1400" b="1" dirty="0">
+              <a:solidFill>
+                <a:schemeClr val="tx2">
+                  <a:lumMod val="60000"/>
+                  <a:lumOff val="40000"/>
+                </a:schemeClr>
+              </a:solidFill>
+              <a:latin typeface="微软雅黑" panose="020B0503020204020204" charset="-122"/>
+              <a:ea typeface="微软雅黑" panose="020B0503020204020204" charset="-122"/>
+              <a:sym typeface="+mn-ea"/>
+            </a:endParaRPr>
+          </a:p>
+        </p:txBody>
+      </p:sp>
+      <p:sp>
+        <p:nvSpPr>
+          <p:cNvPr id="50" name="文本框 49"/>
+          <p:cNvSpPr txBox="1"/>
+          <p:nvPr/>
+        </p:nvSpPr>
+        <p:spPr>
+          <a:xfrm>
+            <a:off x="4660900" y="5120323"/>
+            <a:ext cx="1444625" cy="275590"/>
+          </a:xfrm>
+          <a:prstGeom prst="rect">
+            <a:avLst/>
+          </a:prstGeom>
+          <a:solidFill>
+            <a:schemeClr val="accent1">
+              <a:lumMod val="40000"/>
+              <a:lumOff val="60000"/>
+            </a:schemeClr>
+          </a:solidFill>
+          <a:ln>
+            <a:solidFill>
+              <a:srgbClr val="000000">
+                <a:alpha val="0"/>
+              </a:srgbClr>
+            </a:solidFill>
+          </a:ln>
+        </p:spPr>
+        <p:txBody>
+          <a:bodyPr wrap="square" rtlCol="0" anchor="ctr" anchorCtr="0">
+            <a:spAutoFit/>
+          </a:bodyPr>
+          <a:p>
+            <a:pPr lvl="0" algn="ctr">
+              <a:buClrTx/>
+              <a:buSzTx/>
+              <a:buFontTx/>
+            </a:pPr>
+            <a:r>
+              <a:rPr lang="en-US" altLang="zh-CN" sz="1200" dirty="0">
+                <a:latin typeface="微软雅黑" panose="020B0503020204020204" charset="-122"/>
+                <a:ea typeface="微软雅黑" panose="020B0503020204020204" charset="-122"/>
+                <a:sym typeface="+mn-ea"/>
+              </a:rPr>
+              <a:t>nmap</a:t>
+            </a:r>
+            <a:r>
+              <a:rPr lang="zh-CN" altLang="en-US" sz="1200" dirty="0">
+                <a:latin typeface="微软雅黑" panose="020B0503020204020204" charset="-122"/>
+                <a:ea typeface="微软雅黑" panose="020B0503020204020204" charset="-122"/>
+                <a:sym typeface="+mn-ea"/>
+              </a:rPr>
+              <a:t>等</a:t>
+            </a:r>
+            <a:r>
+              <a:rPr lang="zh-CN" altLang="en-US" sz="1200" dirty="0">
+                <a:latin typeface="微软雅黑" panose="020B0503020204020204" charset="-122"/>
+                <a:ea typeface="微软雅黑" panose="020B0503020204020204" charset="-122"/>
+                <a:sym typeface="+mn-ea"/>
+              </a:rPr>
+              <a:t>扫描工具</a:t>
+            </a:r>
+            <a:endParaRPr lang="zh-CN" altLang="en-US" sz="1200" dirty="0">
+              <a:latin typeface="微软雅黑" panose="020B0503020204020204" charset="-122"/>
+              <a:ea typeface="微软雅黑" panose="020B0503020204020204" charset="-122"/>
+              <a:sym typeface="+mn-ea"/>
+            </a:endParaRPr>
+          </a:p>
+        </p:txBody>
+      </p:sp>
+      <p:sp>
+        <p:nvSpPr>
+          <p:cNvPr id="63" name="文本框 62"/>
+          <p:cNvSpPr txBox="1"/>
+          <p:nvPr/>
+        </p:nvSpPr>
+        <p:spPr>
+          <a:xfrm>
+            <a:off x="7119620" y="5120323"/>
+            <a:ext cx="1538605" cy="275590"/>
+          </a:xfrm>
+          <a:prstGeom prst="rect">
+            <a:avLst/>
+          </a:prstGeom>
+          <a:solidFill>
+            <a:schemeClr val="accent1">
+              <a:lumMod val="40000"/>
+              <a:lumOff val="60000"/>
+            </a:schemeClr>
+          </a:solidFill>
+          <a:ln>
+            <a:solidFill>
+              <a:srgbClr val="000000">
+                <a:alpha val="0"/>
+              </a:srgbClr>
+            </a:solidFill>
+          </a:ln>
+        </p:spPr>
+        <p:txBody>
+          <a:bodyPr wrap="square" rtlCol="0" anchor="ctr" anchorCtr="0">
+            <a:spAutoFit/>
+          </a:bodyPr>
+          <a:p>
+            <a:pPr lvl="0" algn="ctr">
+              <a:buClrTx/>
+              <a:buSzTx/>
+              <a:buFontTx/>
+            </a:pPr>
+            <a:r>
+              <a:rPr lang="en-US" altLang="zh-CN" sz="1200" dirty="0">
+                <a:latin typeface="微软雅黑" panose="020B0503020204020204" charset="-122"/>
+                <a:ea typeface="微软雅黑" panose="020B0503020204020204" charset="-122"/>
+                <a:sym typeface="+mn-ea"/>
+              </a:rPr>
+              <a:t>fofa</a:t>
+            </a:r>
+            <a:r>
+              <a:rPr lang="zh-CN" altLang="en-US" sz="1200" dirty="0">
+                <a:latin typeface="微软雅黑" panose="020B0503020204020204" charset="-122"/>
+                <a:ea typeface="微软雅黑" panose="020B0503020204020204" charset="-122"/>
+                <a:sym typeface="+mn-ea"/>
+              </a:rPr>
+              <a:t>等</a:t>
+            </a:r>
+            <a:r>
+              <a:rPr lang="zh-CN" altLang="en-US" sz="1200" dirty="0">
+                <a:latin typeface="微软雅黑" panose="020B0503020204020204" charset="-122"/>
+                <a:ea typeface="微软雅黑" panose="020B0503020204020204" charset="-122"/>
+                <a:sym typeface="+mn-ea"/>
+              </a:rPr>
+              <a:t>测绘平台</a:t>
+            </a:r>
+            <a:endParaRPr lang="zh-CN" altLang="en-US" sz="1200" dirty="0">
+              <a:latin typeface="微软雅黑" panose="020B0503020204020204" charset="-122"/>
+              <a:ea typeface="微软雅黑" panose="020B0503020204020204" charset="-122"/>
+              <a:sym typeface="+mn-ea"/>
+            </a:endParaRPr>
+          </a:p>
+        </p:txBody>
+      </p:sp>
+      <p:sp>
+        <p:nvSpPr>
+          <p:cNvPr id="64" name="矩形 63"/>
+          <p:cNvSpPr/>
+          <p:nvPr/>
+        </p:nvSpPr>
+        <p:spPr>
+          <a:xfrm>
+            <a:off x="2493645" y="3876040"/>
+            <a:ext cx="7204075" cy="841375"/>
+          </a:xfrm>
+          <a:prstGeom prst="rect">
+            <a:avLst/>
+          </a:prstGeom>
+          <a:ln>
+            <a:solidFill>
+              <a:srgbClr val="FF0000"/>
+            </a:solidFill>
+            <a:prstDash val="sysDot"/>
+          </a:ln>
+        </p:spPr>
+        <p:style>
+          <a:lnRef idx="2">
+            <a:schemeClr val="accent1"/>
+          </a:lnRef>
+          <a:fillRef idx="1">
+            <a:schemeClr val="lt1"/>
+          </a:fillRef>
+          <a:effectRef idx="0">
+            <a:schemeClr val="accent1"/>
+          </a:effectRef>
+          <a:fontRef idx="minor">
+            <a:schemeClr val="dk1"/>
+          </a:fontRef>
+        </p:style>
+        <p:txBody>
+          <a:bodyPr vertOverflow="overflow" horzOverflow="overflow" vert="horz" wrap="square" numCol="1" spcCol="0" rtlCol="0" fromWordArt="0" anchor="ctr" anchorCtr="0" forceAA="0" compatLnSpc="1">
+            <a:noAutofit/>
+          </a:bodyPr>
+          <a:p>
+            <a:pPr lvl="0" algn="ctr">
+              <a:buClrTx/>
+              <a:buSzTx/>
+              <a:buFontTx/>
+            </a:pPr>
+            <a:endParaRPr lang="zh-CN" altLang="en-US">
+              <a:sym typeface="+mn-ea"/>
+            </a:endParaRPr>
+          </a:p>
+        </p:txBody>
+      </p:sp>
+      <p:sp>
+        <p:nvSpPr>
+          <p:cNvPr id="89" name="文本框 93"/>
+          <p:cNvSpPr txBox="1"/>
+          <p:nvPr/>
+        </p:nvSpPr>
+        <p:spPr>
+          <a:xfrm>
+            <a:off x="2498090" y="4143375"/>
+            <a:ext cx="1616710" cy="306705"/>
+          </a:xfrm>
+          <a:prstGeom prst="rect">
+            <a:avLst/>
+          </a:prstGeom>
+          <a:noFill/>
+        </p:spPr>
+        <p:txBody>
+          <a:bodyPr wrap="square" rtlCol="0" anchor="t" anchorCtr="0">
+            <a:spAutoFit/>
+          </a:bodyPr>
+          <a:p>
+            <a:pPr lvl="0" algn="l">
+              <a:buClrTx/>
+              <a:buSzTx/>
+              <a:buFontTx/>
+            </a:pPr>
+            <a:r>
+              <a:rPr lang="zh-CN" altLang="en-US" sz="1400" b="1" dirty="0">
+                <a:solidFill>
+                  <a:schemeClr val="tx2">
+                    <a:lumMod val="60000"/>
+                    <a:lumOff val="40000"/>
+                  </a:schemeClr>
+                </a:solidFill>
+                <a:latin typeface="微软雅黑" panose="020B0503020204020204" charset="-122"/>
+                <a:ea typeface="微软雅黑" panose="020B0503020204020204" charset="-122"/>
+                <a:sym typeface="+mn-ea"/>
+              </a:rPr>
+              <a:t>测绘行为识别</a:t>
+            </a:r>
+            <a:endParaRPr lang="zh-CN" altLang="en-US" sz="1400" b="1" dirty="0">
+              <a:solidFill>
+                <a:schemeClr val="tx2">
+                  <a:lumMod val="60000"/>
+                  <a:lumOff val="40000"/>
+                </a:schemeClr>
+              </a:solidFill>
+              <a:latin typeface="微软雅黑" panose="020B0503020204020204" charset="-122"/>
+              <a:ea typeface="微软雅黑" panose="020B0503020204020204" charset="-122"/>
+              <a:sym typeface="+mn-ea"/>
+            </a:endParaRPr>
+          </a:p>
+        </p:txBody>
+      </p:sp>
+      <p:sp>
+        <p:nvSpPr>
+          <p:cNvPr id="93" name="文本框 92"/>
+          <p:cNvSpPr txBox="1"/>
+          <p:nvPr/>
+        </p:nvSpPr>
+        <p:spPr>
+          <a:xfrm>
+            <a:off x="4137660" y="4328795"/>
+            <a:ext cx="1146810" cy="275590"/>
+          </a:xfrm>
+          <a:prstGeom prst="rect">
+            <a:avLst/>
+          </a:prstGeom>
+          <a:solidFill>
+            <a:schemeClr val="accent2">
+              <a:lumMod val="40000"/>
+              <a:lumOff val="60000"/>
+            </a:schemeClr>
+          </a:solidFill>
+          <a:ln>
+            <a:solidFill>
+              <a:srgbClr val="000000">
+                <a:alpha val="0"/>
+              </a:srgbClr>
+            </a:solidFill>
+          </a:ln>
+        </p:spPr>
+        <p:txBody>
+          <a:bodyPr wrap="square" rtlCol="0" anchor="ctr" anchorCtr="0">
+            <a:spAutoFit/>
+          </a:bodyPr>
+          <a:p>
+            <a:pPr lvl="0" algn="ctr">
+              <a:buClrTx/>
+              <a:buSzTx/>
+              <a:buFontTx/>
+            </a:pPr>
+            <a:r>
+              <a:rPr lang="en-US" altLang="zh-CN" sz="1200" dirty="0">
+                <a:latin typeface="微软雅黑" panose="020B0503020204020204" charset="-122"/>
+                <a:ea typeface="微软雅黑" panose="020B0503020204020204" charset="-122"/>
+                <a:sym typeface="+mn-ea"/>
+              </a:rPr>
+              <a:t>tcpdump</a:t>
+            </a:r>
+            <a:endParaRPr lang="en-US" altLang="zh-CN" sz="1200" dirty="0">
+              <a:latin typeface="微软雅黑" panose="020B0503020204020204" charset="-122"/>
+              <a:ea typeface="微软雅黑" panose="020B0503020204020204" charset="-122"/>
+              <a:sym typeface="+mn-ea"/>
+            </a:endParaRPr>
+          </a:p>
+        </p:txBody>
+      </p:sp>
+      <p:sp>
+        <p:nvSpPr>
+          <p:cNvPr id="95" name="文本框 94"/>
+          <p:cNvSpPr txBox="1"/>
+          <p:nvPr/>
+        </p:nvSpPr>
+        <p:spPr>
+          <a:xfrm>
+            <a:off x="5450840" y="4320858"/>
+            <a:ext cx="1102360" cy="275590"/>
+          </a:xfrm>
+          <a:prstGeom prst="rect">
+            <a:avLst/>
+          </a:prstGeom>
+          <a:solidFill>
+            <a:schemeClr val="accent2">
+              <a:lumMod val="40000"/>
+              <a:lumOff val="60000"/>
+            </a:schemeClr>
+          </a:solidFill>
+          <a:ln>
+            <a:solidFill>
+              <a:srgbClr val="000000">
+                <a:alpha val="0"/>
+              </a:srgbClr>
+            </a:solidFill>
+          </a:ln>
+        </p:spPr>
+        <p:txBody>
+          <a:bodyPr wrap="square" rtlCol="0" anchor="ctr" anchorCtr="0">
+            <a:spAutoFit/>
+          </a:bodyPr>
+          <a:p>
+            <a:pPr lvl="0" algn="ctr">
+              <a:buClrTx/>
+              <a:buSzTx/>
+              <a:buFontTx/>
+            </a:pPr>
+            <a:r>
+              <a:rPr lang="zh-CN" altLang="en-US" sz="1200">
+                <a:solidFill>
+                  <a:schemeClr val="tx1"/>
+                </a:solidFill>
+                <a:latin typeface="微软雅黑" panose="020B0503020204020204" charset="-122"/>
+                <a:ea typeface="微软雅黑" panose="020B0503020204020204" charset="-122"/>
+                <a:cs typeface="微软雅黑" panose="020B0503020204020204" charset="-122"/>
+                <a:sym typeface="+mn-ea"/>
+              </a:rPr>
+              <a:t>IP地理位置库</a:t>
+            </a:r>
+            <a:endParaRPr lang="zh-CN" altLang="en-US" sz="1200" dirty="0">
+              <a:solidFill>
+                <a:schemeClr val="tx1"/>
+              </a:solidFill>
+              <a:latin typeface="微软雅黑" panose="020B0503020204020204" charset="-122"/>
+              <a:ea typeface="微软雅黑" panose="020B0503020204020204" charset="-122"/>
+              <a:cs typeface="微软雅黑" panose="020B0503020204020204" charset="-122"/>
+              <a:sym typeface="+mn-ea"/>
+            </a:endParaRPr>
+          </a:p>
+        </p:txBody>
+      </p:sp>
+      <p:sp>
+        <p:nvSpPr>
+          <p:cNvPr id="96" name="上箭头 95"/>
+          <p:cNvSpPr/>
+          <p:nvPr/>
+        </p:nvSpPr>
+        <p:spPr>
+          <a:xfrm>
+            <a:off x="4331335" y="4672330"/>
+            <a:ext cx="329565" cy="267970"/>
+          </a:xfrm>
+          <a:prstGeom prst="upArrow">
+            <a:avLst/>
+          </a:prstGeom>
+          <a:solidFill>
+            <a:schemeClr val="bg2">
+              <a:lumMod val="90000"/>
+            </a:schemeClr>
+          </a:solidFill>
+          <a:ln>
+            <a:solidFill>
+              <a:schemeClr val="bg2">
+                <a:lumMod val="90000"/>
+              </a:schemeClr>
+            </a:solidFill>
+          </a:ln>
+        </p:spPr>
+        <p:style>
+          <a:lnRef idx="2">
+            <a:schemeClr val="accent1">
+              <a:shade val="50000"/>
+            </a:schemeClr>
+          </a:lnRef>
+          <a:fillRef idx="1">
+            <a:schemeClr val="accent1"/>
+          </a:fillRef>
+          <a:effectRef idx="0">
+            <a:schemeClr val="accent1"/>
+          </a:effectRef>
+          <a:fontRef idx="minor">
+            <a:schemeClr val="lt1"/>
+          </a:fontRef>
+        </p:style>
+        <p:txBody>
+          <a:bodyPr rtlCol="0" anchor="ctr"/>
+          <a:p>
+            <a:pPr algn="ctr"/>
+            <a:endParaRPr lang="zh-CN" altLang="en-US"/>
+          </a:p>
+        </p:txBody>
+      </p:sp>
+      <p:sp>
+        <p:nvSpPr>
+          <p:cNvPr id="97" name="上箭头 96"/>
+          <p:cNvSpPr/>
+          <p:nvPr/>
+        </p:nvSpPr>
+        <p:spPr>
+          <a:xfrm>
+            <a:off x="5964555" y="4672330"/>
+            <a:ext cx="329565" cy="267970"/>
+          </a:xfrm>
+          <a:prstGeom prst="upArrow">
+            <a:avLst/>
+          </a:prstGeom>
+          <a:solidFill>
+            <a:schemeClr val="bg2">
+              <a:lumMod val="90000"/>
+            </a:schemeClr>
+          </a:solidFill>
+          <a:ln>
+            <a:solidFill>
+              <a:schemeClr val="bg2">
+                <a:lumMod val="90000"/>
+              </a:schemeClr>
+            </a:solidFill>
+          </a:ln>
+        </p:spPr>
+        <p:style>
+          <a:lnRef idx="2">
+            <a:schemeClr val="accent1">
+              <a:shade val="50000"/>
+            </a:schemeClr>
+          </a:lnRef>
+          <a:fillRef idx="1">
+            <a:schemeClr val="accent1"/>
+          </a:fillRef>
+          <a:effectRef idx="0">
+            <a:schemeClr val="accent1"/>
+          </a:effectRef>
+          <a:fontRef idx="minor">
+            <a:schemeClr val="lt1"/>
+          </a:fontRef>
+        </p:style>
+        <p:txBody>
+          <a:bodyPr rtlCol="0" anchor="ctr"/>
+          <a:p>
+            <a:pPr algn="ctr"/>
+            <a:endParaRPr lang="zh-CN" altLang="en-US"/>
+          </a:p>
+        </p:txBody>
+      </p:sp>
+      <p:sp>
+        <p:nvSpPr>
+          <p:cNvPr id="98" name="上箭头 97"/>
+          <p:cNvSpPr/>
+          <p:nvPr/>
+        </p:nvSpPr>
+        <p:spPr>
+          <a:xfrm>
+            <a:off x="7446645" y="4672330"/>
+            <a:ext cx="329565" cy="267970"/>
+          </a:xfrm>
+          <a:prstGeom prst="upArrow">
+            <a:avLst/>
+          </a:prstGeom>
+          <a:solidFill>
+            <a:schemeClr val="bg2">
+              <a:lumMod val="90000"/>
+            </a:schemeClr>
+          </a:solidFill>
+          <a:ln>
+            <a:solidFill>
+              <a:schemeClr val="bg2">
+                <a:lumMod val="90000"/>
+              </a:schemeClr>
+            </a:solidFill>
+          </a:ln>
+        </p:spPr>
+        <p:style>
+          <a:lnRef idx="2">
+            <a:schemeClr val="accent1">
+              <a:shade val="50000"/>
+            </a:schemeClr>
+          </a:lnRef>
+          <a:fillRef idx="1">
+            <a:schemeClr val="accent1"/>
+          </a:fillRef>
+          <a:effectRef idx="0">
+            <a:schemeClr val="accent1"/>
+          </a:effectRef>
+          <a:fontRef idx="minor">
+            <a:schemeClr val="lt1"/>
+          </a:fontRef>
+        </p:style>
+        <p:txBody>
+          <a:bodyPr rtlCol="0" anchor="ctr"/>
+          <a:p>
+            <a:pPr algn="ctr"/>
+            <a:endParaRPr lang="zh-CN" altLang="en-US"/>
+          </a:p>
+        </p:txBody>
+      </p:sp>
+      <p:sp>
+        <p:nvSpPr>
+          <p:cNvPr id="99" name="上箭头 98"/>
+          <p:cNvSpPr/>
+          <p:nvPr/>
+        </p:nvSpPr>
+        <p:spPr>
+          <a:xfrm>
+            <a:off x="8735695" y="4672330"/>
+            <a:ext cx="329565" cy="267970"/>
+          </a:xfrm>
+          <a:prstGeom prst="upArrow">
+            <a:avLst/>
+          </a:prstGeom>
+          <a:solidFill>
+            <a:schemeClr val="bg2">
+              <a:lumMod val="90000"/>
+            </a:schemeClr>
+          </a:solidFill>
+          <a:ln>
+            <a:solidFill>
+              <a:schemeClr val="bg2">
+                <a:lumMod val="90000"/>
+              </a:schemeClr>
+            </a:solidFill>
+          </a:ln>
+        </p:spPr>
+        <p:style>
+          <a:lnRef idx="2">
+            <a:schemeClr val="accent1">
+              <a:shade val="50000"/>
+            </a:schemeClr>
+          </a:lnRef>
+          <a:fillRef idx="1">
+            <a:schemeClr val="accent1"/>
+          </a:fillRef>
+          <a:effectRef idx="0">
+            <a:schemeClr val="accent1"/>
+          </a:effectRef>
+          <a:fontRef idx="minor">
+            <a:schemeClr val="lt1"/>
+          </a:fontRef>
+        </p:style>
+        <p:txBody>
+          <a:bodyPr rtlCol="0" anchor="ctr"/>
+          <a:p>
+            <a:pPr algn="ctr"/>
+            <a:endParaRPr lang="zh-CN" altLang="en-US"/>
+          </a:p>
+        </p:txBody>
+      </p:sp>
+      <p:sp>
+        <p:nvSpPr>
+          <p:cNvPr id="101" name="文本框 100"/>
+          <p:cNvSpPr txBox="1"/>
+          <p:nvPr/>
+        </p:nvSpPr>
+        <p:spPr>
+          <a:xfrm>
+            <a:off x="6731000" y="4315460"/>
+            <a:ext cx="1111250" cy="254000"/>
+          </a:xfrm>
+          <a:prstGeom prst="rect">
+            <a:avLst/>
+          </a:prstGeom>
+          <a:solidFill>
+            <a:schemeClr val="accent2">
+              <a:lumMod val="40000"/>
+              <a:lumOff val="60000"/>
+            </a:schemeClr>
+          </a:solidFill>
+          <a:ln>
+            <a:solidFill>
+              <a:srgbClr val="000000">
+                <a:alpha val="0"/>
+              </a:srgbClr>
+            </a:solidFill>
+          </a:ln>
+        </p:spPr>
+        <p:txBody>
+          <a:bodyPr wrap="square" rtlCol="0" anchor="ctr" anchorCtr="0">
+            <a:noAutofit/>
+          </a:bodyPr>
+          <a:p>
+            <a:pPr lvl="0" algn="ctr">
+              <a:buClrTx/>
+              <a:buSzTx/>
+              <a:buFontTx/>
+            </a:pPr>
+            <a:r>
+              <a:rPr lang="zh-CN" altLang="en-US" sz="1200">
+                <a:latin typeface="微软雅黑" panose="020B0503020204020204" charset="-122"/>
+                <a:ea typeface="微软雅黑" panose="020B0503020204020204" charset="-122"/>
+                <a:cs typeface="微软雅黑" panose="020B0503020204020204" charset="-122"/>
+                <a:sym typeface="+mn-ea"/>
+              </a:rPr>
+              <a:t>扫描器指纹库</a:t>
+            </a:r>
+            <a:endParaRPr lang="zh-CN" altLang="en-US" sz="1200">
+              <a:latin typeface="微软雅黑" panose="020B0503020204020204" charset="-122"/>
+              <a:ea typeface="微软雅黑" panose="020B0503020204020204" charset="-122"/>
+              <a:cs typeface="微软雅黑" panose="020B0503020204020204" charset="-122"/>
+              <a:sym typeface="+mn-ea"/>
+            </a:endParaRPr>
+          </a:p>
+        </p:txBody>
+      </p:sp>
+      <p:sp>
+        <p:nvSpPr>
+          <p:cNvPr id="104" name="矩形 103"/>
+          <p:cNvSpPr/>
+          <p:nvPr/>
+        </p:nvSpPr>
+        <p:spPr>
+          <a:xfrm>
+            <a:off x="2480310" y="2908300"/>
+            <a:ext cx="7204075" cy="564515"/>
+          </a:xfrm>
+          <a:prstGeom prst="rect">
+            <a:avLst/>
+          </a:prstGeom>
+          <a:ln>
+            <a:solidFill>
+              <a:srgbClr val="FF0000"/>
+            </a:solidFill>
+            <a:prstDash val="sysDot"/>
+          </a:ln>
+        </p:spPr>
+        <p:style>
+          <a:lnRef idx="2">
+            <a:schemeClr val="accent1"/>
+          </a:lnRef>
+          <a:fillRef idx="1">
+            <a:schemeClr val="lt1"/>
+          </a:fillRef>
+          <a:effectRef idx="0">
+            <a:schemeClr val="accent1"/>
+          </a:effectRef>
+          <a:fontRef idx="minor">
+            <a:schemeClr val="dk1"/>
+          </a:fontRef>
+        </p:style>
+        <p:txBody>
+          <a:bodyPr vertOverflow="overflow" horzOverflow="overflow" vert="horz" wrap="square" numCol="1" spcCol="0" rtlCol="0" fromWordArt="0" anchor="ctr" anchorCtr="0" forceAA="0" compatLnSpc="1">
+            <a:noAutofit/>
+          </a:bodyPr>
+          <a:p>
+            <a:pPr lvl="0" algn="ctr">
+              <a:buClrTx/>
+              <a:buSzTx/>
+              <a:buFontTx/>
+            </a:pPr>
+            <a:endParaRPr lang="zh-CN" altLang="en-US">
+              <a:sym typeface="+mn-ea"/>
+            </a:endParaRPr>
+          </a:p>
+        </p:txBody>
+      </p:sp>
+      <p:sp>
+        <p:nvSpPr>
+          <p:cNvPr id="105" name="文本框 93"/>
+          <p:cNvSpPr txBox="1"/>
+          <p:nvPr/>
+        </p:nvSpPr>
+        <p:spPr>
+          <a:xfrm>
+            <a:off x="2480310" y="3041015"/>
+            <a:ext cx="1630045" cy="306705"/>
+          </a:xfrm>
+          <a:prstGeom prst="rect">
+            <a:avLst/>
+          </a:prstGeom>
+          <a:noFill/>
+        </p:spPr>
+        <p:txBody>
+          <a:bodyPr wrap="square" rtlCol="0" anchor="t" anchorCtr="0">
+            <a:spAutoFit/>
+          </a:bodyPr>
+          <a:p>
+            <a:pPr lvl="0" algn="l">
+              <a:buClrTx/>
+              <a:buSzTx/>
+              <a:buFontTx/>
+            </a:pPr>
+            <a:r>
+              <a:rPr lang="zh-CN" altLang="en-US" sz="1400" b="1" dirty="0">
+                <a:solidFill>
+                  <a:schemeClr val="tx2">
+                    <a:lumMod val="60000"/>
+                    <a:lumOff val="40000"/>
+                  </a:schemeClr>
+                </a:solidFill>
+                <a:latin typeface="微软雅黑" panose="020B0503020204020204" charset="-122"/>
+                <a:ea typeface="微软雅黑" panose="020B0503020204020204" charset="-122"/>
+                <a:sym typeface="+mn-ea"/>
+              </a:rPr>
+              <a:t>混淆与防御</a:t>
+            </a:r>
+            <a:endParaRPr lang="zh-CN" altLang="en-US" sz="1400" b="1" dirty="0">
+              <a:solidFill>
+                <a:schemeClr val="tx2">
+                  <a:lumMod val="60000"/>
+                  <a:lumOff val="40000"/>
+                </a:schemeClr>
+              </a:solidFill>
+              <a:latin typeface="微软雅黑" panose="020B0503020204020204" charset="-122"/>
+              <a:ea typeface="微软雅黑" panose="020B0503020204020204" charset="-122"/>
+              <a:sym typeface="+mn-ea"/>
+            </a:endParaRPr>
+          </a:p>
+        </p:txBody>
+      </p:sp>
+      <p:sp>
+        <p:nvSpPr>
+          <p:cNvPr id="107" name="文本框 106"/>
+          <p:cNvSpPr txBox="1"/>
+          <p:nvPr/>
+        </p:nvSpPr>
+        <p:spPr>
+          <a:xfrm>
+            <a:off x="3855720" y="3079750"/>
+            <a:ext cx="1707515" cy="275590"/>
+          </a:xfrm>
+          <a:prstGeom prst="rect">
+            <a:avLst/>
+          </a:prstGeom>
+          <a:solidFill>
+            <a:schemeClr val="accent1">
+              <a:lumMod val="40000"/>
+              <a:lumOff val="60000"/>
+            </a:schemeClr>
+          </a:solidFill>
+          <a:ln>
+            <a:solidFill>
+              <a:srgbClr val="000000">
+                <a:alpha val="0"/>
+              </a:srgbClr>
+            </a:solidFill>
+          </a:ln>
+        </p:spPr>
+        <p:txBody>
+          <a:bodyPr wrap="square" rtlCol="0" anchor="ctr" anchorCtr="0">
+            <a:spAutoFit/>
+          </a:bodyPr>
+          <a:p>
+            <a:pPr lvl="0" algn="ctr">
+              <a:buClrTx/>
+              <a:buSzTx/>
+              <a:buFontTx/>
+            </a:pPr>
+            <a:r>
+              <a:rPr lang="zh-CN" altLang="en-US" sz="1200" dirty="0">
+                <a:latin typeface="微软雅黑" panose="020B0503020204020204" charset="-122"/>
+                <a:ea typeface="微软雅黑" panose="020B0503020204020204" charset="-122"/>
+                <a:sym typeface="+mn-ea"/>
+              </a:rPr>
+              <a:t>入侵防御</a:t>
+            </a:r>
+            <a:r>
+              <a:rPr lang="zh-CN" altLang="en-US" sz="1200" dirty="0">
+                <a:latin typeface="微软雅黑" panose="020B0503020204020204" charset="-122"/>
+                <a:ea typeface="微软雅黑" panose="020B0503020204020204" charset="-122"/>
+                <a:sym typeface="+mn-ea"/>
+              </a:rPr>
+              <a:t>系统</a:t>
+            </a:r>
+            <a:endParaRPr lang="zh-CN" altLang="en-US" sz="1200" dirty="0">
+              <a:latin typeface="微软雅黑" panose="020B0503020204020204" charset="-122"/>
+              <a:ea typeface="微软雅黑" panose="020B0503020204020204" charset="-122"/>
+              <a:sym typeface="+mn-ea"/>
+            </a:endParaRPr>
+          </a:p>
+        </p:txBody>
+      </p:sp>
+      <p:sp>
+        <p:nvSpPr>
+          <p:cNvPr id="112" name="文本框 111"/>
+          <p:cNvSpPr txBox="1"/>
+          <p:nvPr/>
+        </p:nvSpPr>
+        <p:spPr>
+          <a:xfrm>
+            <a:off x="5762625" y="3080385"/>
+            <a:ext cx="1094740" cy="275590"/>
+          </a:xfrm>
+          <a:prstGeom prst="rect">
+            <a:avLst/>
+          </a:prstGeom>
+          <a:solidFill>
+            <a:schemeClr val="accent1">
+              <a:lumMod val="40000"/>
+              <a:lumOff val="60000"/>
+            </a:schemeClr>
+          </a:solidFill>
+          <a:ln>
+            <a:solidFill>
+              <a:srgbClr val="000000">
+                <a:alpha val="0"/>
+              </a:srgbClr>
+            </a:solidFill>
+          </a:ln>
+        </p:spPr>
+        <p:txBody>
+          <a:bodyPr wrap="square" rtlCol="0" anchor="ctr" anchorCtr="0">
+            <a:spAutoFit/>
+          </a:bodyPr>
+          <a:p>
+            <a:pPr lvl="0" algn="ctr">
+              <a:buClrTx/>
+              <a:buSzTx/>
+              <a:buFontTx/>
+            </a:pPr>
+            <a:r>
+              <a:rPr lang="zh-CN" altLang="en-US" sz="1200" dirty="0">
+                <a:latin typeface="微软雅黑" panose="020B0503020204020204" charset="-122"/>
+                <a:ea typeface="微软雅黑" panose="020B0503020204020204" charset="-122"/>
+                <a:sym typeface="+mn-ea"/>
+              </a:rPr>
+              <a:t>主机混淆</a:t>
+            </a:r>
+            <a:endParaRPr lang="zh-CN" altLang="en-US" sz="1200" dirty="0">
+              <a:latin typeface="微软雅黑" panose="020B0503020204020204" charset="-122"/>
+              <a:ea typeface="微软雅黑" panose="020B0503020204020204" charset="-122"/>
+              <a:sym typeface="+mn-ea"/>
+            </a:endParaRPr>
+          </a:p>
+        </p:txBody>
+      </p:sp>
+      <p:sp>
+        <p:nvSpPr>
+          <p:cNvPr id="113" name="上箭头 112"/>
+          <p:cNvSpPr/>
+          <p:nvPr/>
+        </p:nvSpPr>
+        <p:spPr>
+          <a:xfrm>
+            <a:off x="4318000" y="3427730"/>
+            <a:ext cx="329565" cy="267970"/>
+          </a:xfrm>
+          <a:prstGeom prst="upArrow">
+            <a:avLst/>
+          </a:prstGeom>
+          <a:solidFill>
+            <a:schemeClr val="bg2">
+              <a:lumMod val="90000"/>
+            </a:schemeClr>
+          </a:solidFill>
+          <a:ln>
+            <a:solidFill>
+              <a:schemeClr val="bg2">
+                <a:lumMod val="90000"/>
+              </a:schemeClr>
+            </a:solidFill>
+          </a:ln>
+        </p:spPr>
+        <p:style>
+          <a:lnRef idx="2">
+            <a:schemeClr val="accent1">
+              <a:shade val="50000"/>
+            </a:schemeClr>
+          </a:lnRef>
+          <a:fillRef idx="1">
+            <a:schemeClr val="accent1"/>
+          </a:fillRef>
+          <a:effectRef idx="0">
+            <a:schemeClr val="accent1"/>
+          </a:effectRef>
+          <a:fontRef idx="minor">
+            <a:schemeClr val="lt1"/>
+          </a:fontRef>
+        </p:style>
+        <p:txBody>
+          <a:bodyPr rtlCol="0" anchor="ctr"/>
+          <a:p>
+            <a:pPr algn="ctr"/>
+            <a:endParaRPr lang="zh-CN" altLang="en-US"/>
+          </a:p>
+        </p:txBody>
+      </p:sp>
+      <p:sp>
+        <p:nvSpPr>
+          <p:cNvPr id="114" name="上箭头 113"/>
+          <p:cNvSpPr/>
+          <p:nvPr/>
+        </p:nvSpPr>
+        <p:spPr>
+          <a:xfrm>
+            <a:off x="5951220" y="3427730"/>
+            <a:ext cx="329565" cy="267970"/>
+          </a:xfrm>
+          <a:prstGeom prst="upArrow">
+            <a:avLst/>
+          </a:prstGeom>
+          <a:solidFill>
+            <a:schemeClr val="bg2">
+              <a:lumMod val="90000"/>
+            </a:schemeClr>
+          </a:solidFill>
+          <a:ln>
+            <a:solidFill>
+              <a:schemeClr val="bg2">
+                <a:lumMod val="90000"/>
+              </a:schemeClr>
+            </a:solidFill>
+          </a:ln>
+        </p:spPr>
+        <p:style>
+          <a:lnRef idx="2">
+            <a:schemeClr val="accent1">
+              <a:shade val="50000"/>
+            </a:schemeClr>
+          </a:lnRef>
+          <a:fillRef idx="1">
+            <a:schemeClr val="accent1"/>
+          </a:fillRef>
+          <a:effectRef idx="0">
+            <a:schemeClr val="accent1"/>
+          </a:effectRef>
+          <a:fontRef idx="minor">
+            <a:schemeClr val="lt1"/>
+          </a:fontRef>
+        </p:style>
+        <p:txBody>
+          <a:bodyPr rtlCol="0" anchor="ctr"/>
+          <a:p>
+            <a:pPr algn="ctr"/>
+            <a:endParaRPr lang="zh-CN" altLang="en-US"/>
+          </a:p>
+        </p:txBody>
+      </p:sp>
+      <p:sp>
+        <p:nvSpPr>
+          <p:cNvPr id="116" name="上箭头 115"/>
+          <p:cNvSpPr/>
+          <p:nvPr/>
+        </p:nvSpPr>
+        <p:spPr>
+          <a:xfrm>
+            <a:off x="7433310" y="3427730"/>
+            <a:ext cx="329565" cy="267970"/>
+          </a:xfrm>
+          <a:prstGeom prst="upArrow">
+            <a:avLst/>
+          </a:prstGeom>
+          <a:solidFill>
+            <a:schemeClr val="bg2">
+              <a:lumMod val="90000"/>
+            </a:schemeClr>
+          </a:solidFill>
+          <a:ln>
+            <a:solidFill>
+              <a:schemeClr val="bg2">
+                <a:lumMod val="90000"/>
+              </a:schemeClr>
+            </a:solidFill>
+          </a:ln>
+        </p:spPr>
+        <p:style>
+          <a:lnRef idx="2">
+            <a:schemeClr val="accent1">
+              <a:shade val="50000"/>
+            </a:schemeClr>
+          </a:lnRef>
+          <a:fillRef idx="1">
+            <a:schemeClr val="accent1"/>
+          </a:fillRef>
+          <a:effectRef idx="0">
+            <a:schemeClr val="accent1"/>
+          </a:effectRef>
+          <a:fontRef idx="minor">
+            <a:schemeClr val="lt1"/>
+          </a:fontRef>
+        </p:style>
+        <p:txBody>
+          <a:bodyPr rtlCol="0" anchor="ctr"/>
+          <a:p>
+            <a:pPr algn="ctr"/>
+            <a:endParaRPr lang="zh-CN" altLang="en-US"/>
+          </a:p>
+        </p:txBody>
+      </p:sp>
+      <p:sp>
+        <p:nvSpPr>
+          <p:cNvPr id="117" name="上箭头 116"/>
+          <p:cNvSpPr/>
+          <p:nvPr/>
+        </p:nvSpPr>
+        <p:spPr>
+          <a:xfrm>
+            <a:off x="8722360" y="3427730"/>
+            <a:ext cx="329565" cy="267970"/>
+          </a:xfrm>
+          <a:prstGeom prst="upArrow">
+            <a:avLst/>
+          </a:prstGeom>
+          <a:solidFill>
+            <a:schemeClr val="bg2">
+              <a:lumMod val="90000"/>
+            </a:schemeClr>
+          </a:solidFill>
+          <a:ln>
+            <a:solidFill>
+              <a:schemeClr val="bg2">
+                <a:lumMod val="90000"/>
+              </a:schemeClr>
+            </a:solidFill>
+          </a:ln>
+        </p:spPr>
+        <p:style>
+          <a:lnRef idx="2">
+            <a:schemeClr val="accent1">
+              <a:shade val="50000"/>
+            </a:schemeClr>
+          </a:lnRef>
+          <a:fillRef idx="1">
+            <a:schemeClr val="accent1"/>
+          </a:fillRef>
+          <a:effectRef idx="0">
+            <a:schemeClr val="accent1"/>
+          </a:effectRef>
+          <a:fontRef idx="minor">
+            <a:schemeClr val="lt1"/>
+          </a:fontRef>
+        </p:style>
+        <p:txBody>
+          <a:bodyPr rtlCol="0" anchor="ctr"/>
+          <a:p>
+            <a:pPr algn="ctr"/>
+            <a:endParaRPr lang="zh-CN" altLang="en-US"/>
+          </a:p>
+        </p:txBody>
+      </p:sp>
+      <p:sp>
+        <p:nvSpPr>
+          <p:cNvPr id="118" name="文本框 117"/>
+          <p:cNvSpPr txBox="1"/>
+          <p:nvPr/>
+        </p:nvSpPr>
+        <p:spPr>
+          <a:xfrm>
+            <a:off x="7056755" y="3079115"/>
+            <a:ext cx="1094740" cy="275590"/>
+          </a:xfrm>
+          <a:prstGeom prst="rect">
+            <a:avLst/>
+          </a:prstGeom>
+          <a:solidFill>
+            <a:schemeClr val="accent1">
+              <a:lumMod val="40000"/>
+              <a:lumOff val="60000"/>
+            </a:schemeClr>
+          </a:solidFill>
+          <a:ln>
+            <a:solidFill>
+              <a:srgbClr val="000000">
+                <a:alpha val="0"/>
+              </a:srgbClr>
+            </a:solidFill>
+          </a:ln>
+        </p:spPr>
+        <p:txBody>
+          <a:bodyPr wrap="square" rtlCol="0" anchor="ctr" anchorCtr="0">
+            <a:spAutoFit/>
+          </a:bodyPr>
+          <a:p>
+            <a:pPr lvl="0" algn="ctr">
+              <a:buClrTx/>
+              <a:buSzTx/>
+              <a:buFontTx/>
+            </a:pPr>
+            <a:r>
+              <a:rPr lang="zh-CN" altLang="en-US" sz="1200" dirty="0">
+                <a:latin typeface="微软雅黑" panose="020B0503020204020204" charset="-122"/>
+                <a:ea typeface="微软雅黑" panose="020B0503020204020204" charset="-122"/>
+                <a:sym typeface="+mn-ea"/>
+              </a:rPr>
+              <a:t>端口混淆</a:t>
+            </a:r>
+            <a:endParaRPr lang="zh-CN" altLang="en-US" sz="1200" dirty="0">
+              <a:latin typeface="微软雅黑" panose="020B0503020204020204" charset="-122"/>
+              <a:ea typeface="微软雅黑" panose="020B0503020204020204" charset="-122"/>
+              <a:sym typeface="+mn-ea"/>
+            </a:endParaRPr>
+          </a:p>
+        </p:txBody>
+      </p:sp>
+      <p:sp>
+        <p:nvSpPr>
+          <p:cNvPr id="125" name="文本框 124"/>
+          <p:cNvSpPr txBox="1"/>
+          <p:nvPr/>
+        </p:nvSpPr>
+        <p:spPr>
+          <a:xfrm>
+            <a:off x="8002270" y="3999865"/>
+            <a:ext cx="1224280" cy="254000"/>
+          </a:xfrm>
+          <a:prstGeom prst="rect">
+            <a:avLst/>
+          </a:prstGeom>
+          <a:solidFill>
+            <a:schemeClr val="accent2">
+              <a:lumMod val="40000"/>
+              <a:lumOff val="60000"/>
+            </a:schemeClr>
+          </a:solidFill>
+          <a:ln>
+            <a:solidFill>
+              <a:srgbClr val="000000">
+                <a:alpha val="0"/>
+              </a:srgbClr>
+            </a:solidFill>
+          </a:ln>
+        </p:spPr>
+        <p:txBody>
+          <a:bodyPr wrap="square" rtlCol="0" anchor="ctr" anchorCtr="0">
+            <a:noAutofit/>
+          </a:bodyPr>
+          <a:p>
+            <a:pPr lvl="0" algn="ctr">
+              <a:buClrTx/>
+              <a:buSzTx/>
+              <a:buFontTx/>
+            </a:pPr>
+            <a:r>
+              <a:rPr lang="zh-CN" altLang="en-US" sz="1200">
+                <a:latin typeface="微软雅黑" panose="020B0503020204020204" charset="-122"/>
+                <a:ea typeface="微软雅黑" panose="020B0503020204020204" charset="-122"/>
+                <a:cs typeface="微软雅黑" panose="020B0503020204020204" charset="-122"/>
+                <a:sym typeface="+mn-ea"/>
+              </a:rPr>
+              <a:t>流量行为分析</a:t>
+            </a:r>
+            <a:endParaRPr lang="zh-CN" altLang="en-US" sz="1200">
+              <a:latin typeface="微软雅黑" panose="020B0503020204020204" charset="-122"/>
+              <a:ea typeface="微软雅黑" panose="020B0503020204020204" charset="-122"/>
+              <a:cs typeface="微软雅黑" panose="020B0503020204020204" charset="-122"/>
+              <a:sym typeface="+mn-ea"/>
+            </a:endParaRPr>
+          </a:p>
+        </p:txBody>
+      </p:sp>
+      <p:sp>
+        <p:nvSpPr>
+          <p:cNvPr id="126" name="文本框 125"/>
+          <p:cNvSpPr txBox="1"/>
+          <p:nvPr/>
+        </p:nvSpPr>
+        <p:spPr>
+          <a:xfrm>
+            <a:off x="8350885" y="3079115"/>
+            <a:ext cx="1094740" cy="275590"/>
+          </a:xfrm>
+          <a:prstGeom prst="rect">
+            <a:avLst/>
+          </a:prstGeom>
+          <a:solidFill>
+            <a:schemeClr val="accent1">
+              <a:lumMod val="40000"/>
+              <a:lumOff val="60000"/>
+            </a:schemeClr>
+          </a:solidFill>
+          <a:ln>
+            <a:solidFill>
+              <a:srgbClr val="000000">
+                <a:alpha val="0"/>
+              </a:srgbClr>
+            </a:solidFill>
+          </a:ln>
+        </p:spPr>
+        <p:txBody>
+          <a:bodyPr wrap="square" rtlCol="0" anchor="ctr" anchorCtr="0">
+            <a:spAutoFit/>
+          </a:bodyPr>
+          <a:p>
+            <a:pPr lvl="0" algn="ctr">
+              <a:buClrTx/>
+              <a:buSzTx/>
+              <a:buFontTx/>
+            </a:pPr>
+            <a:r>
+              <a:rPr lang="zh-CN" altLang="en-US" sz="1200" dirty="0">
+                <a:latin typeface="微软雅黑" panose="020B0503020204020204" charset="-122"/>
+                <a:ea typeface="微软雅黑" panose="020B0503020204020204" charset="-122"/>
+                <a:sym typeface="+mn-ea"/>
+              </a:rPr>
+              <a:t>隐蔽陷阱</a:t>
+            </a:r>
+            <a:endParaRPr lang="zh-CN" altLang="en-US" sz="1200" dirty="0">
+              <a:latin typeface="微软雅黑" panose="020B0503020204020204" charset="-122"/>
+              <a:ea typeface="微软雅黑" panose="020B0503020204020204" charset="-122"/>
+              <a:sym typeface="+mn-ea"/>
+            </a:endParaRPr>
+          </a:p>
+        </p:txBody>
+      </p:sp>
+      <p:sp>
+        <p:nvSpPr>
+          <p:cNvPr id="128" name="矩形 127"/>
+          <p:cNvSpPr/>
+          <p:nvPr/>
+        </p:nvSpPr>
+        <p:spPr>
+          <a:xfrm>
+            <a:off x="2493645" y="2120900"/>
+            <a:ext cx="7204075" cy="564515"/>
+          </a:xfrm>
+          <a:prstGeom prst="rect">
+            <a:avLst/>
+          </a:prstGeom>
+          <a:ln>
+            <a:solidFill>
+              <a:srgbClr val="FF0000"/>
+            </a:solidFill>
+            <a:prstDash val="sysDot"/>
+          </a:ln>
+        </p:spPr>
+        <p:style>
+          <a:lnRef idx="2">
+            <a:schemeClr val="accent1"/>
+          </a:lnRef>
+          <a:fillRef idx="1">
+            <a:schemeClr val="lt1"/>
+          </a:fillRef>
+          <a:effectRef idx="0">
+            <a:schemeClr val="accent1"/>
+          </a:effectRef>
+          <a:fontRef idx="minor">
+            <a:schemeClr val="dk1"/>
+          </a:fontRef>
+        </p:style>
+        <p:txBody>
+          <a:bodyPr vertOverflow="overflow" horzOverflow="overflow" vert="horz" wrap="square" numCol="1" spcCol="0" rtlCol="0" fromWordArt="0" anchor="ctr" anchorCtr="0" forceAA="0" compatLnSpc="1">
+            <a:noAutofit/>
+          </a:bodyPr>
+          <a:p>
+            <a:pPr lvl="0" algn="ctr">
+              <a:buClrTx/>
+              <a:buSzTx/>
+              <a:buFontTx/>
+            </a:pPr>
+            <a:endParaRPr lang="zh-CN" altLang="en-US">
+              <a:sym typeface="+mn-ea"/>
+            </a:endParaRPr>
+          </a:p>
+        </p:txBody>
+      </p:sp>
+      <p:sp>
+        <p:nvSpPr>
+          <p:cNvPr id="129" name="文本框 93"/>
+          <p:cNvSpPr txBox="1"/>
+          <p:nvPr/>
+        </p:nvSpPr>
+        <p:spPr>
+          <a:xfrm>
+            <a:off x="2493645" y="2253615"/>
+            <a:ext cx="1630045" cy="306705"/>
+          </a:xfrm>
+          <a:prstGeom prst="rect">
+            <a:avLst/>
+          </a:prstGeom>
+          <a:noFill/>
+        </p:spPr>
+        <p:txBody>
+          <a:bodyPr wrap="square" rtlCol="0" anchor="t" anchorCtr="0">
+            <a:spAutoFit/>
+          </a:bodyPr>
+          <a:p>
+            <a:pPr lvl="0" algn="l">
+              <a:buClrTx/>
+              <a:buSzTx/>
+              <a:buFontTx/>
+            </a:pPr>
+            <a:r>
+              <a:rPr lang="zh-CN" altLang="en-US" sz="1400" b="1" dirty="0">
+                <a:solidFill>
+                  <a:schemeClr val="tx2">
+                    <a:lumMod val="60000"/>
+                    <a:lumOff val="40000"/>
+                  </a:schemeClr>
+                </a:solidFill>
+                <a:latin typeface="微软雅黑" panose="020B0503020204020204" charset="-122"/>
+                <a:ea typeface="微软雅黑" panose="020B0503020204020204" charset="-122"/>
+                <a:sym typeface="+mn-ea"/>
+              </a:rPr>
+              <a:t>应用与管理</a:t>
+            </a:r>
+            <a:endParaRPr lang="zh-CN" altLang="en-US" sz="1400" b="1" dirty="0">
+              <a:solidFill>
+                <a:schemeClr val="tx2">
+                  <a:lumMod val="60000"/>
+                  <a:lumOff val="40000"/>
+                </a:schemeClr>
+              </a:solidFill>
+              <a:latin typeface="微软雅黑" panose="020B0503020204020204" charset="-122"/>
+              <a:ea typeface="微软雅黑" panose="020B0503020204020204" charset="-122"/>
+              <a:sym typeface="+mn-ea"/>
+            </a:endParaRPr>
+          </a:p>
+        </p:txBody>
+      </p:sp>
+      <p:sp>
+        <p:nvSpPr>
+          <p:cNvPr id="132" name="文本框 131"/>
+          <p:cNvSpPr txBox="1"/>
+          <p:nvPr/>
+        </p:nvSpPr>
+        <p:spPr>
+          <a:xfrm>
+            <a:off x="3791585" y="2301875"/>
+            <a:ext cx="1408430" cy="275590"/>
+          </a:xfrm>
+          <a:prstGeom prst="rect">
+            <a:avLst/>
+          </a:prstGeom>
+          <a:solidFill>
+            <a:schemeClr val="accent6">
+              <a:lumMod val="20000"/>
+              <a:lumOff val="80000"/>
+            </a:schemeClr>
+          </a:solidFill>
+          <a:ln>
+            <a:solidFill>
+              <a:srgbClr val="000000">
+                <a:alpha val="0"/>
+              </a:srgbClr>
+            </a:solidFill>
+          </a:ln>
+        </p:spPr>
+        <p:txBody>
+          <a:bodyPr wrap="square" rtlCol="0" anchor="ctr" anchorCtr="0">
+            <a:spAutoFit/>
+          </a:bodyPr>
+          <a:p>
+            <a:pPr lvl="0" algn="ctr">
+              <a:buClrTx/>
+              <a:buSzTx/>
+              <a:buFontTx/>
+            </a:pPr>
+            <a:r>
+              <a:rPr lang="zh-CN" altLang="en-US" sz="1200" dirty="0">
+                <a:latin typeface="微软雅黑" panose="020B0503020204020204" charset="-122"/>
+                <a:ea typeface="微软雅黑" panose="020B0503020204020204" charset="-122"/>
+                <a:sym typeface="+mn-ea"/>
+              </a:rPr>
+              <a:t>系统</a:t>
+            </a:r>
+            <a:r>
+              <a:rPr lang="zh-CN" altLang="en-US" sz="1200" dirty="0">
+                <a:latin typeface="微软雅黑" panose="020B0503020204020204" charset="-122"/>
+                <a:ea typeface="微软雅黑" panose="020B0503020204020204" charset="-122"/>
+                <a:sym typeface="+mn-ea"/>
+              </a:rPr>
+              <a:t>关键节点部署</a:t>
+            </a:r>
+            <a:endParaRPr lang="zh-CN" altLang="en-US" sz="1200" dirty="0">
+              <a:latin typeface="微软雅黑" panose="020B0503020204020204" charset="-122"/>
+              <a:ea typeface="微软雅黑" panose="020B0503020204020204" charset="-122"/>
+              <a:sym typeface="+mn-ea"/>
+            </a:endParaRPr>
+          </a:p>
+        </p:txBody>
+      </p:sp>
+      <p:sp>
+        <p:nvSpPr>
+          <p:cNvPr id="133" name="文本框 132"/>
+          <p:cNvSpPr txBox="1"/>
+          <p:nvPr/>
+        </p:nvSpPr>
+        <p:spPr>
+          <a:xfrm>
+            <a:off x="5614035" y="2293620"/>
+            <a:ext cx="1256665" cy="275590"/>
+          </a:xfrm>
+          <a:prstGeom prst="rect">
+            <a:avLst/>
+          </a:prstGeom>
+          <a:solidFill>
+            <a:schemeClr val="accent6">
+              <a:lumMod val="20000"/>
+              <a:lumOff val="80000"/>
+            </a:schemeClr>
+          </a:solidFill>
+          <a:ln>
+            <a:solidFill>
+              <a:srgbClr val="000000">
+                <a:alpha val="0"/>
+              </a:srgbClr>
+            </a:solidFill>
+          </a:ln>
+        </p:spPr>
+        <p:txBody>
+          <a:bodyPr wrap="square" rtlCol="0" anchor="ctr" anchorCtr="0">
+            <a:spAutoFit/>
+          </a:bodyPr>
+          <a:p>
+            <a:pPr lvl="0" algn="ctr">
+              <a:buClrTx/>
+              <a:buSzTx/>
+              <a:buFontTx/>
+            </a:pPr>
+            <a:r>
+              <a:rPr lang="zh-CN" altLang="en-US" sz="1200" dirty="0">
+                <a:latin typeface="微软雅黑" panose="020B0503020204020204" charset="-122"/>
+                <a:ea typeface="微软雅黑" panose="020B0503020204020204" charset="-122"/>
+                <a:sym typeface="+mn-ea"/>
+              </a:rPr>
+              <a:t>日志</a:t>
+            </a:r>
+            <a:r>
+              <a:rPr lang="zh-CN" altLang="en-US" sz="1200" dirty="0">
+                <a:latin typeface="微软雅黑" panose="020B0503020204020204" charset="-122"/>
+                <a:ea typeface="微软雅黑" panose="020B0503020204020204" charset="-122"/>
+                <a:sym typeface="+mn-ea"/>
+              </a:rPr>
+              <a:t>收集管理</a:t>
+            </a:r>
+            <a:endParaRPr lang="zh-CN" altLang="en-US" sz="1200" dirty="0">
+              <a:latin typeface="微软雅黑" panose="020B0503020204020204" charset="-122"/>
+              <a:ea typeface="微软雅黑" panose="020B0503020204020204" charset="-122"/>
+              <a:sym typeface="+mn-ea"/>
+            </a:endParaRPr>
+          </a:p>
+        </p:txBody>
+      </p:sp>
+      <p:sp>
+        <p:nvSpPr>
+          <p:cNvPr id="134" name="上箭头 133"/>
+          <p:cNvSpPr/>
+          <p:nvPr/>
+        </p:nvSpPr>
+        <p:spPr>
+          <a:xfrm>
+            <a:off x="4331335" y="2640330"/>
+            <a:ext cx="329565" cy="267970"/>
+          </a:xfrm>
+          <a:prstGeom prst="upArrow">
+            <a:avLst/>
+          </a:prstGeom>
+          <a:solidFill>
+            <a:schemeClr val="bg2">
+              <a:lumMod val="90000"/>
+            </a:schemeClr>
+          </a:solidFill>
+          <a:ln>
+            <a:solidFill>
+              <a:schemeClr val="bg2">
+                <a:lumMod val="90000"/>
+              </a:schemeClr>
+            </a:solidFill>
+          </a:ln>
+        </p:spPr>
+        <p:style>
+          <a:lnRef idx="2">
+            <a:schemeClr val="accent1">
+              <a:shade val="50000"/>
+            </a:schemeClr>
+          </a:lnRef>
+          <a:fillRef idx="1">
+            <a:schemeClr val="accent1"/>
+          </a:fillRef>
+          <a:effectRef idx="0">
+            <a:schemeClr val="accent1"/>
+          </a:effectRef>
+          <a:fontRef idx="minor">
+            <a:schemeClr val="lt1"/>
+          </a:fontRef>
+        </p:style>
+        <p:txBody>
+          <a:bodyPr rtlCol="0" anchor="ctr"/>
+          <a:p>
+            <a:pPr algn="ctr"/>
+            <a:endParaRPr lang="zh-CN" altLang="en-US"/>
+          </a:p>
+        </p:txBody>
+      </p:sp>
+      <p:sp>
+        <p:nvSpPr>
+          <p:cNvPr id="135" name="上箭头 134"/>
+          <p:cNvSpPr/>
+          <p:nvPr/>
+        </p:nvSpPr>
+        <p:spPr>
+          <a:xfrm>
+            <a:off x="5964555" y="2640330"/>
+            <a:ext cx="329565" cy="267970"/>
+          </a:xfrm>
+          <a:prstGeom prst="upArrow">
+            <a:avLst/>
+          </a:prstGeom>
+          <a:solidFill>
+            <a:schemeClr val="bg2">
+              <a:lumMod val="90000"/>
+            </a:schemeClr>
+          </a:solidFill>
+          <a:ln>
+            <a:solidFill>
+              <a:schemeClr val="bg2">
+                <a:lumMod val="90000"/>
+              </a:schemeClr>
+            </a:solidFill>
+          </a:ln>
+        </p:spPr>
+        <p:style>
+          <a:lnRef idx="2">
+            <a:schemeClr val="accent1">
+              <a:shade val="50000"/>
+            </a:schemeClr>
+          </a:lnRef>
+          <a:fillRef idx="1">
+            <a:schemeClr val="accent1"/>
+          </a:fillRef>
+          <a:effectRef idx="0">
+            <a:schemeClr val="accent1"/>
+          </a:effectRef>
+          <a:fontRef idx="minor">
+            <a:schemeClr val="lt1"/>
+          </a:fontRef>
+        </p:style>
+        <p:txBody>
+          <a:bodyPr rtlCol="0" anchor="ctr"/>
+          <a:p>
+            <a:pPr algn="ctr"/>
+            <a:endParaRPr lang="zh-CN" altLang="en-US"/>
+          </a:p>
+        </p:txBody>
+      </p:sp>
+      <p:sp>
+        <p:nvSpPr>
+          <p:cNvPr id="136" name="上箭头 135"/>
+          <p:cNvSpPr/>
+          <p:nvPr/>
+        </p:nvSpPr>
+        <p:spPr>
+          <a:xfrm>
+            <a:off x="7446645" y="2640330"/>
+            <a:ext cx="329565" cy="267970"/>
+          </a:xfrm>
+          <a:prstGeom prst="upArrow">
+            <a:avLst/>
+          </a:prstGeom>
+          <a:solidFill>
+            <a:schemeClr val="bg2">
+              <a:lumMod val="90000"/>
+            </a:schemeClr>
+          </a:solidFill>
+          <a:ln>
+            <a:solidFill>
+              <a:schemeClr val="bg2">
+                <a:lumMod val="90000"/>
+              </a:schemeClr>
+            </a:solidFill>
+          </a:ln>
+        </p:spPr>
+        <p:style>
+          <a:lnRef idx="2">
+            <a:schemeClr val="accent1">
+              <a:shade val="50000"/>
+            </a:schemeClr>
+          </a:lnRef>
+          <a:fillRef idx="1">
+            <a:schemeClr val="accent1"/>
+          </a:fillRef>
+          <a:effectRef idx="0">
+            <a:schemeClr val="accent1"/>
+          </a:effectRef>
+          <a:fontRef idx="minor">
+            <a:schemeClr val="lt1"/>
+          </a:fontRef>
+        </p:style>
+        <p:txBody>
+          <a:bodyPr rtlCol="0" anchor="ctr"/>
+          <a:p>
+            <a:pPr algn="ctr"/>
+            <a:endParaRPr lang="zh-CN" altLang="en-US"/>
+          </a:p>
+        </p:txBody>
+      </p:sp>
+      <p:sp>
+        <p:nvSpPr>
+          <p:cNvPr id="137" name="上箭头 136"/>
+          <p:cNvSpPr/>
+          <p:nvPr/>
+        </p:nvSpPr>
+        <p:spPr>
+          <a:xfrm>
+            <a:off x="8735695" y="2640330"/>
+            <a:ext cx="329565" cy="267970"/>
+          </a:xfrm>
+          <a:prstGeom prst="upArrow">
+            <a:avLst/>
+          </a:prstGeom>
+          <a:solidFill>
+            <a:schemeClr val="bg2">
+              <a:lumMod val="90000"/>
+            </a:schemeClr>
+          </a:solidFill>
+          <a:ln>
+            <a:solidFill>
+              <a:schemeClr val="bg2">
+                <a:lumMod val="90000"/>
+              </a:schemeClr>
+            </a:solidFill>
+          </a:ln>
+        </p:spPr>
+        <p:style>
+          <a:lnRef idx="2">
+            <a:schemeClr val="accent1">
+              <a:shade val="50000"/>
+            </a:schemeClr>
+          </a:lnRef>
+          <a:fillRef idx="1">
+            <a:schemeClr val="accent1"/>
+          </a:fillRef>
+          <a:effectRef idx="0">
+            <a:schemeClr val="accent1"/>
+          </a:effectRef>
+          <a:fontRef idx="minor">
+            <a:schemeClr val="lt1"/>
+          </a:fontRef>
+        </p:style>
+        <p:txBody>
+          <a:bodyPr rtlCol="0" anchor="ctr"/>
+          <a:p>
+            <a:pPr algn="ctr"/>
+            <a:endParaRPr lang="zh-CN" altLang="en-US"/>
+          </a:p>
+        </p:txBody>
+      </p:sp>
+      <p:sp>
+        <p:nvSpPr>
+          <p:cNvPr id="138" name="文本框 137"/>
+          <p:cNvSpPr txBox="1"/>
+          <p:nvPr/>
+        </p:nvSpPr>
+        <p:spPr>
+          <a:xfrm>
+            <a:off x="7284720" y="2301240"/>
+            <a:ext cx="1494790" cy="275590"/>
+          </a:xfrm>
+          <a:prstGeom prst="rect">
+            <a:avLst/>
+          </a:prstGeom>
+          <a:solidFill>
+            <a:schemeClr val="accent6">
+              <a:lumMod val="20000"/>
+              <a:lumOff val="80000"/>
+            </a:schemeClr>
+          </a:solidFill>
+          <a:ln>
+            <a:solidFill>
+              <a:srgbClr val="000000">
+                <a:alpha val="0"/>
+              </a:srgbClr>
+            </a:solidFill>
+          </a:ln>
+        </p:spPr>
+        <p:txBody>
+          <a:bodyPr wrap="square" rtlCol="0" anchor="ctr" anchorCtr="0">
+            <a:spAutoFit/>
+          </a:bodyPr>
+          <a:p>
+            <a:pPr lvl="0" algn="ctr">
+              <a:buClrTx/>
+              <a:buSzTx/>
+              <a:buFontTx/>
+            </a:pPr>
+            <a:r>
+              <a:rPr lang="zh-CN" altLang="en-US" sz="1200" dirty="0">
+                <a:latin typeface="微软雅黑" panose="020B0503020204020204" charset="-122"/>
+                <a:ea typeface="微软雅黑" panose="020B0503020204020204" charset="-122"/>
+                <a:sym typeface="+mn-ea"/>
+              </a:rPr>
+              <a:t>实时监控与</a:t>
+            </a:r>
+            <a:r>
+              <a:rPr lang="zh-CN" altLang="en-US" sz="1200" dirty="0">
+                <a:latin typeface="微软雅黑" panose="020B0503020204020204" charset="-122"/>
+                <a:ea typeface="微软雅黑" panose="020B0503020204020204" charset="-122"/>
+                <a:sym typeface="+mn-ea"/>
+              </a:rPr>
+              <a:t>告警</a:t>
+            </a:r>
+            <a:endParaRPr lang="zh-CN" altLang="en-US" sz="1200" dirty="0">
+              <a:latin typeface="微软雅黑" panose="020B0503020204020204" charset="-122"/>
+              <a:ea typeface="微软雅黑" panose="020B0503020204020204" charset="-122"/>
+              <a:sym typeface="+mn-ea"/>
+            </a:endParaRPr>
+          </a:p>
+        </p:txBody>
+      </p:sp>
+      <p:sp>
+        <p:nvSpPr>
+          <p:cNvPr id="140" name="文本框 139"/>
+          <p:cNvSpPr txBox="1"/>
+          <p:nvPr/>
+        </p:nvSpPr>
+        <p:spPr>
+          <a:xfrm>
+            <a:off x="7999095" y="4302760"/>
+            <a:ext cx="1223010" cy="254000"/>
+          </a:xfrm>
+          <a:prstGeom prst="rect">
+            <a:avLst/>
+          </a:prstGeom>
+          <a:solidFill>
+            <a:schemeClr val="accent2">
+              <a:lumMod val="40000"/>
+              <a:lumOff val="60000"/>
+            </a:schemeClr>
+          </a:solidFill>
+          <a:ln>
+            <a:solidFill>
+              <a:srgbClr val="000000">
+                <a:alpha val="0"/>
+              </a:srgbClr>
+            </a:solidFill>
+          </a:ln>
+        </p:spPr>
+        <p:txBody>
+          <a:bodyPr wrap="square" rtlCol="0" anchor="ctr" anchorCtr="0">
+            <a:noAutofit/>
+          </a:bodyPr>
+          <a:p>
+            <a:pPr lvl="0" algn="ctr">
+              <a:buClrTx/>
+              <a:buSzTx/>
+              <a:buFontTx/>
+            </a:pPr>
+            <a:r>
+              <a:rPr lang="zh-CN" altLang="en-US" sz="1200">
+                <a:latin typeface="微软雅黑" panose="020B0503020204020204" charset="-122"/>
+                <a:ea typeface="微软雅黑" panose="020B0503020204020204" charset="-122"/>
+                <a:cs typeface="微软雅黑" panose="020B0503020204020204" charset="-122"/>
+                <a:sym typeface="+mn-ea"/>
+              </a:rPr>
+              <a:t>爬虫指纹库</a:t>
+            </a:r>
+            <a:endParaRPr lang="zh-CN" altLang="en-US" sz="1200">
+              <a:latin typeface="微软雅黑" panose="020B0503020204020204" charset="-122"/>
+              <a:ea typeface="微软雅黑" panose="020B0503020204020204" charset="-122"/>
+              <a:cs typeface="微软雅黑" panose="020B0503020204020204" charset="-122"/>
+              <a:sym typeface="+mn-ea"/>
+            </a:endParaRPr>
+          </a:p>
+        </p:txBody>
+      </p:sp>
+      <p:sp>
+        <p:nvSpPr>
+          <p:cNvPr id="142" name="文本框 141"/>
+          <p:cNvSpPr txBox="1"/>
+          <p:nvPr/>
+        </p:nvSpPr>
+        <p:spPr>
+          <a:xfrm>
+            <a:off x="4138295" y="4017645"/>
+            <a:ext cx="1146175" cy="258445"/>
+          </a:xfrm>
+          <a:prstGeom prst="rect">
+            <a:avLst/>
+          </a:prstGeom>
+          <a:solidFill>
+            <a:schemeClr val="accent2">
+              <a:lumMod val="40000"/>
+              <a:lumOff val="60000"/>
+            </a:schemeClr>
+          </a:solidFill>
+          <a:ln>
+            <a:solidFill>
+              <a:srgbClr val="000000">
+                <a:alpha val="0"/>
+              </a:srgbClr>
+            </a:solidFill>
+          </a:ln>
+        </p:spPr>
+        <p:txBody>
+          <a:bodyPr wrap="square" rtlCol="0" anchor="ctr" anchorCtr="0">
+            <a:noAutofit/>
+          </a:bodyPr>
+          <a:p>
+            <a:pPr lvl="0" algn="ctr">
+              <a:buClrTx/>
+              <a:buSzTx/>
+              <a:buFontTx/>
+            </a:pPr>
+            <a:r>
+              <a:rPr lang="en-US" altLang="zh-CN" sz="1200" dirty="0">
+                <a:latin typeface="微软雅黑" panose="020B0503020204020204" charset="-122"/>
+                <a:ea typeface="微软雅黑" panose="020B0503020204020204" charset="-122"/>
+                <a:sym typeface="+mn-ea"/>
+              </a:rPr>
+              <a:t>Moloch</a:t>
+            </a:r>
+            <a:endParaRPr lang="en-US" altLang="zh-CN" sz="1200" dirty="0">
+              <a:latin typeface="微软雅黑" panose="020B0503020204020204" charset="-122"/>
+              <a:ea typeface="微软雅黑" panose="020B0503020204020204" charset="-122"/>
+              <a:sym typeface="+mn-ea"/>
+            </a:endParaRPr>
+          </a:p>
+        </p:txBody>
+      </p:sp>
+      <p:sp>
+        <p:nvSpPr>
+          <p:cNvPr id="143" name="文本框 142"/>
+          <p:cNvSpPr txBox="1"/>
+          <p:nvPr/>
+        </p:nvSpPr>
+        <p:spPr>
+          <a:xfrm>
+            <a:off x="5459095" y="4010343"/>
+            <a:ext cx="1102360" cy="275590"/>
+          </a:xfrm>
+          <a:prstGeom prst="rect">
+            <a:avLst/>
+          </a:prstGeom>
+          <a:solidFill>
+            <a:schemeClr val="accent2">
+              <a:lumMod val="40000"/>
+              <a:lumOff val="60000"/>
+            </a:schemeClr>
+          </a:solidFill>
+          <a:ln>
+            <a:solidFill>
+              <a:srgbClr val="000000">
+                <a:alpha val="0"/>
+              </a:srgbClr>
+            </a:solidFill>
+          </a:ln>
+        </p:spPr>
+        <p:txBody>
+          <a:bodyPr wrap="square" rtlCol="0" anchor="ctr" anchorCtr="0">
+            <a:spAutoFit/>
+          </a:bodyPr>
+          <a:p>
+            <a:pPr lvl="0" algn="ctr">
+              <a:buClrTx/>
+              <a:buSzTx/>
+              <a:buFontTx/>
+            </a:pPr>
+            <a:r>
+              <a:rPr lang="zh-CN" altLang="en-US" sz="1200">
+                <a:solidFill>
+                  <a:schemeClr val="tx1"/>
+                </a:solidFill>
+                <a:latin typeface="微软雅黑" panose="020B0503020204020204" charset="-122"/>
+                <a:ea typeface="微软雅黑" panose="020B0503020204020204" charset="-122"/>
+                <a:cs typeface="微软雅黑" panose="020B0503020204020204" charset="-122"/>
+                <a:sym typeface="+mn-ea"/>
+              </a:rPr>
+              <a:t>探测器位置库</a:t>
+            </a:r>
+            <a:endParaRPr lang="zh-CN" altLang="en-US" sz="1200" dirty="0">
+              <a:solidFill>
+                <a:schemeClr val="tx1"/>
+              </a:solidFill>
+              <a:latin typeface="微软雅黑" panose="020B0503020204020204" charset="-122"/>
+              <a:ea typeface="微软雅黑" panose="020B0503020204020204" charset="-122"/>
+              <a:cs typeface="微软雅黑" panose="020B0503020204020204" charset="-122"/>
+              <a:sym typeface="+mn-ea"/>
+            </a:endParaRPr>
+          </a:p>
+        </p:txBody>
+      </p:sp>
+      <p:sp>
+        <p:nvSpPr>
+          <p:cNvPr id="144" name="文本框 143"/>
+          <p:cNvSpPr txBox="1"/>
+          <p:nvPr/>
+        </p:nvSpPr>
+        <p:spPr>
+          <a:xfrm>
+            <a:off x="6731000" y="3993515"/>
+            <a:ext cx="1111250" cy="275590"/>
+          </a:xfrm>
+          <a:prstGeom prst="rect">
+            <a:avLst/>
+          </a:prstGeom>
+          <a:solidFill>
+            <a:schemeClr val="accent2">
+              <a:lumMod val="40000"/>
+              <a:lumOff val="60000"/>
+            </a:schemeClr>
+          </a:solidFill>
+          <a:ln>
+            <a:solidFill>
+              <a:srgbClr val="000000">
+                <a:alpha val="0"/>
+              </a:srgbClr>
+            </a:solidFill>
+          </a:ln>
+        </p:spPr>
+        <p:txBody>
+          <a:bodyPr wrap="square" rtlCol="0" anchor="ctr" anchorCtr="0">
+            <a:spAutoFit/>
+          </a:bodyPr>
+          <a:p>
+            <a:pPr lvl="0" algn="ctr">
+              <a:buClrTx/>
+              <a:buSzTx/>
+              <a:buFontTx/>
+            </a:pPr>
+            <a:r>
+              <a:rPr lang="zh-CN" altLang="en-US" sz="1200">
+                <a:solidFill>
+                  <a:schemeClr val="tx1"/>
+                </a:solidFill>
+                <a:latin typeface="微软雅黑" panose="020B0503020204020204" charset="-122"/>
+                <a:ea typeface="微软雅黑" panose="020B0503020204020204" charset="-122"/>
+                <a:cs typeface="微软雅黑" panose="020B0503020204020204" charset="-122"/>
+                <a:sym typeface="+mn-ea"/>
+              </a:rPr>
+              <a:t>自学习模型</a:t>
+            </a:r>
+            <a:endParaRPr lang="zh-CN" altLang="en-US" sz="1200">
+              <a:solidFill>
+                <a:schemeClr val="tx1"/>
+              </a:solidFill>
+              <a:latin typeface="微软雅黑" panose="020B0503020204020204" charset="-122"/>
+              <a:ea typeface="微软雅黑" panose="020B0503020204020204" charset="-122"/>
+              <a:cs typeface="微软雅黑" panose="020B0503020204020204" charset="-122"/>
+              <a:sym typeface="+mn-ea"/>
+            </a:endParaRPr>
+          </a:p>
+        </p:txBody>
+      </p:sp>
+      <p:sp>
+        <p:nvSpPr>
+          <p:cNvPr id="145" name="圆角矩形 144"/>
+          <p:cNvSpPr/>
+          <p:nvPr/>
+        </p:nvSpPr>
+        <p:spPr>
+          <a:xfrm>
+            <a:off x="2480945" y="1770380"/>
+            <a:ext cx="7225665" cy="295275"/>
+          </a:xfrm>
+          <a:prstGeom prst="roundRect">
+            <a:avLst>
+              <a:gd name="adj" fmla="val 8914"/>
+            </a:avLst>
+          </a:prstGeom>
+          <a:solidFill>
+            <a:schemeClr val="accent1">
+              <a:lumMod val="75000"/>
+            </a:schemeClr>
+          </a:solidFill>
+          <a:ln>
+            <a:noFill/>
+          </a:ln>
+        </p:spPr>
+        <p:style>
+          <a:lnRef idx="2">
+            <a:schemeClr val="accent1">
+              <a:shade val="50000"/>
+            </a:schemeClr>
+          </a:lnRef>
+          <a:fillRef idx="1">
+            <a:schemeClr val="accent1"/>
+          </a:fillRef>
+          <a:effectRef idx="0">
+            <a:schemeClr val="accent1"/>
+          </a:effectRef>
+          <a:fontRef idx="minor">
+            <a:schemeClr val="lt1"/>
+          </a:fontRef>
+        </p:style>
+        <p:txBody>
+          <a:bodyPr rtlCol="0" anchor="ctr"/>
+          <a:p>
+            <a:pPr algn="ctr"/>
+            <a:r>
+              <a:rPr lang="zh-CN" altLang="en-US" sz="1600" b="1" dirty="0">
+                <a:latin typeface="微软雅黑" panose="020B0503020204020204" charset="-122"/>
+                <a:ea typeface="微软雅黑" panose="020B0503020204020204" charset="-122"/>
+                <a:sym typeface="+mn-ea"/>
+              </a:rPr>
+              <a:t>关键暴露面资产反测绘技术研究</a:t>
+            </a:r>
+            <a:endParaRPr lang="zh-CN" altLang="en-US" sz="1600" b="1" dirty="0">
+              <a:latin typeface="微软雅黑" panose="020B0503020204020204" charset="-122"/>
+              <a:ea typeface="微软雅黑" panose="020B0503020204020204" charset="-122"/>
+            </a:endParaRPr>
+          </a:p>
+        </p:txBody>
+      </p:sp>
+    </p:spTree>
+  </p:cSld>
+  <p:clrMapOvr>
+    <a:masterClrMapping/>
+  </p:clrMapOvr>
+</p:sld>
+</file>
+
+<file path=ppt/slides/slide5.xml><?xml version="1.0" encoding="utf-8"?>
+<p:sld xmlns:a="http://schemas.openxmlformats.org/drawingml/2006/main" xmlns:r="http://schemas.openxmlformats.org/officeDocument/2006/relationships" xmlns:p="http://schemas.openxmlformats.org/presentationml/2006/main">
+  <p:cSld>
+    <p:spTree>
+      <p:nvGrpSpPr>
+        <p:cNvPr id="1" name=""/>
+        <p:cNvGrpSpPr/>
+        <p:nvPr/>
+      </p:nvGrpSpPr>
+      <p:grpSpPr/>
+      <p:grpSp>
+        <p:nvGrpSpPr>
+          <p:cNvPr id="119" name="组合 118"/>
+          <p:cNvGrpSpPr/>
+          <p:nvPr/>
+        </p:nvGrpSpPr>
+        <p:grpSpPr>
+          <a:xfrm>
+            <a:off x="1106805" y="1266190"/>
+            <a:ext cx="2258695" cy="3408680"/>
+            <a:chOff x="316186" y="1947168"/>
+            <a:chExt cx="3487810" cy="4426599"/>
+          </a:xfrm>
+        </p:grpSpPr>
+        <p:sp>
+          <p:nvSpPr>
+            <p:cNvPr id="99" name="矩形: 圆角 22"/>
+            <p:cNvSpPr/>
+            <p:nvPr/>
+          </p:nvSpPr>
+          <p:spPr>
+            <a:xfrm>
+              <a:off x="316186" y="1947168"/>
+              <a:ext cx="3487810" cy="4426599"/>
+            </a:xfrm>
+            <a:custGeom>
+              <a:avLst/>
+              <a:gdLst>
+                <a:gd name="connsiteX0" fmla="*/ 0 w 3487810"/>
+                <a:gd name="connsiteY0" fmla="*/ 0 h 4621846"/>
+                <a:gd name="connsiteX1" fmla="*/ 0 w 3487810"/>
+                <a:gd name="connsiteY1" fmla="*/ 0 h 4621846"/>
+                <a:gd name="connsiteX2" fmla="*/ 3487810 w 3487810"/>
+                <a:gd name="connsiteY2" fmla="*/ 0 h 4621846"/>
+                <a:gd name="connsiteX3" fmla="*/ 3487810 w 3487810"/>
+                <a:gd name="connsiteY3" fmla="*/ 0 h 4621846"/>
+                <a:gd name="connsiteX4" fmla="*/ 3487810 w 3487810"/>
+                <a:gd name="connsiteY4" fmla="*/ 4621846 h 4621846"/>
+                <a:gd name="connsiteX5" fmla="*/ 3487810 w 3487810"/>
+                <a:gd name="connsiteY5" fmla="*/ 4621846 h 4621846"/>
+                <a:gd name="connsiteX6" fmla="*/ 0 w 3487810"/>
+                <a:gd name="connsiteY6" fmla="*/ 4621846 h 4621846"/>
+                <a:gd name="connsiteX7" fmla="*/ 0 w 3487810"/>
+                <a:gd name="connsiteY7" fmla="*/ 4621846 h 4621846"/>
+                <a:gd name="connsiteX8" fmla="*/ 0 w 3487810"/>
+                <a:gd name="connsiteY8" fmla="*/ 0 h 4621846"/>
+                <a:gd name="connsiteX0-1" fmla="*/ 695325 w 4183135"/>
+                <a:gd name="connsiteY0-2" fmla="*/ 1615442 h 6237288"/>
+                <a:gd name="connsiteX1-3" fmla="*/ 0 w 4183135"/>
+                <a:gd name="connsiteY1-4" fmla="*/ 0 h 6237288"/>
+                <a:gd name="connsiteX2-5" fmla="*/ 695325 w 4183135"/>
+                <a:gd name="connsiteY2-6" fmla="*/ 1615442 h 6237288"/>
+                <a:gd name="connsiteX3-7" fmla="*/ 4183135 w 4183135"/>
+                <a:gd name="connsiteY3-8" fmla="*/ 1615442 h 6237288"/>
+                <a:gd name="connsiteX4-9" fmla="*/ 4183135 w 4183135"/>
+                <a:gd name="connsiteY4-10" fmla="*/ 1615442 h 6237288"/>
+                <a:gd name="connsiteX5-11" fmla="*/ 4183135 w 4183135"/>
+                <a:gd name="connsiteY5-12" fmla="*/ 6237288 h 6237288"/>
+                <a:gd name="connsiteX6-13" fmla="*/ 4183135 w 4183135"/>
+                <a:gd name="connsiteY6-14" fmla="*/ 6237288 h 6237288"/>
+                <a:gd name="connsiteX7-15" fmla="*/ 695325 w 4183135"/>
+                <a:gd name="connsiteY7-16" fmla="*/ 6237288 h 6237288"/>
+                <a:gd name="connsiteX8-17" fmla="*/ 695325 w 4183135"/>
+                <a:gd name="connsiteY8-18" fmla="*/ 6237288 h 6237288"/>
+                <a:gd name="connsiteX9" fmla="*/ 695325 w 4183135"/>
+                <a:gd name="connsiteY9" fmla="*/ 1615442 h 6237288"/>
+                <a:gd name="connsiteX0-19" fmla="*/ 0 w 3487810"/>
+                <a:gd name="connsiteY0-20" fmla="*/ 0 h 4621846"/>
+                <a:gd name="connsiteX1-21" fmla="*/ 0 w 3487810"/>
+                <a:gd name="connsiteY1-22" fmla="*/ 0 h 4621846"/>
+                <a:gd name="connsiteX2-23" fmla="*/ 3487810 w 3487810"/>
+                <a:gd name="connsiteY2-24" fmla="*/ 0 h 4621846"/>
+                <a:gd name="connsiteX3-25" fmla="*/ 3487810 w 3487810"/>
+                <a:gd name="connsiteY3-26" fmla="*/ 0 h 4621846"/>
+                <a:gd name="connsiteX4-27" fmla="*/ 3487810 w 3487810"/>
+                <a:gd name="connsiteY4-28" fmla="*/ 4621846 h 4621846"/>
+                <a:gd name="connsiteX5-29" fmla="*/ 3487810 w 3487810"/>
+                <a:gd name="connsiteY5-30" fmla="*/ 4621846 h 4621846"/>
+                <a:gd name="connsiteX6-31" fmla="*/ 0 w 3487810"/>
+                <a:gd name="connsiteY6-32" fmla="*/ 4621846 h 4621846"/>
+                <a:gd name="connsiteX7-33" fmla="*/ 0 w 3487810"/>
+                <a:gd name="connsiteY7-34" fmla="*/ 4621846 h 4621846"/>
+                <a:gd name="connsiteX8-35" fmla="*/ 0 w 3487810"/>
+                <a:gd name="connsiteY8-36" fmla="*/ 0 h 4621846"/>
+              </a:gdLst>
+              <a:ahLst/>
+              <a:cxnLst>
+                <a:cxn ang="0">
+                  <a:pos x="connsiteX0-1" y="connsiteY0-2"/>
+                </a:cxn>
+                <a:cxn ang="0">
+                  <a:pos x="connsiteX1-3" y="connsiteY1-4"/>
+                </a:cxn>
+                <a:cxn ang="0">
+                  <a:pos x="connsiteX2-5" y="connsiteY2-6"/>
+                </a:cxn>
+                <a:cxn ang="0">
+                  <a:pos x="connsiteX3-7" y="connsiteY3-8"/>
+                </a:cxn>
+                <a:cxn ang="0">
+                  <a:pos x="connsiteX4-9" y="connsiteY4-10"/>
+                </a:cxn>
+                <a:cxn ang="0">
+                  <a:pos x="connsiteX5-11" y="connsiteY5-12"/>
+                </a:cxn>
+                <a:cxn ang="0">
+                  <a:pos x="connsiteX6-13" y="connsiteY6-14"/>
+                </a:cxn>
+                <a:cxn ang="0">
+                  <a:pos x="connsiteX7-15" y="connsiteY7-16"/>
+                </a:cxn>
+                <a:cxn ang="0">
+                  <a:pos x="connsiteX8-17" y="connsiteY8-18"/>
+                </a:cxn>
+              </a:cxnLst>
+              <a:rect l="l" t="t" r="r" b="b"/>
+              <a:pathLst>
+                <a:path w="3487810" h="4621846">
+                  <a:moveTo>
+                    <a:pt x="0" y="0"/>
+                  </a:moveTo>
+                  <a:lnTo>
+                    <a:pt x="0" y="0"/>
+                  </a:lnTo>
+                  <a:lnTo>
+                    <a:pt x="3487810" y="0"/>
+                  </a:lnTo>
+                  <a:lnTo>
+                    <a:pt x="3487810" y="0"/>
+                  </a:lnTo>
+                  <a:lnTo>
+                    <a:pt x="3487810" y="4621846"/>
+                  </a:lnTo>
+                  <a:lnTo>
+                    <a:pt x="3487810" y="4621846"/>
+                  </a:lnTo>
+                  <a:lnTo>
+                    <a:pt x="0" y="4621846"/>
+                  </a:lnTo>
+                  <a:lnTo>
+                    <a:pt x="0" y="4621846"/>
+                  </a:lnTo>
+                  <a:lnTo>
+                    <a:pt x="0" y="0"/>
+                  </a:lnTo>
+                  <a:close/>
+                </a:path>
+              </a:pathLst>
+            </a:custGeom>
+            <a:ln w="12700" cap="rnd">
+              <a:gradFill flip="none" rotWithShape="1">
+                <a:gsLst>
+                  <a:gs pos="0">
+                    <a:schemeClr val="accent4"/>
+                  </a:gs>
+                  <a:gs pos="46000">
+                    <a:schemeClr val="accent5"/>
+                  </a:gs>
+                  <a:gs pos="100000">
+                    <a:schemeClr val="accent6"/>
+                  </a:gs>
+                </a:gsLst>
+                <a:lin ang="13500000" scaled="1"/>
+                <a:tileRect/>
+              </a:gradFill>
+            </a:ln>
+          </p:spPr>
+          <p:style>
+            <a:lnRef idx="1">
+              <a:schemeClr val="accent1"/>
+            </a:lnRef>
+            <a:fillRef idx="0">
+              <a:schemeClr val="accent1"/>
+            </a:fillRef>
+            <a:effectRef idx="0">
+              <a:schemeClr val="accent1"/>
+            </a:effectRef>
+            <a:fontRef idx="minor">
+              <a:schemeClr val="tx1"/>
+            </a:fontRef>
+          </p:style>
+          <p:txBody>
+            <a:bodyPr rtlCol="0" anchor="ctr"/>
+            <a:p>
+              <a:pPr marL="0" marR="0" lvl="0" indent="0" algn="ctr" defTabSz="914400" rtl="0" eaLnBrk="1" fontAlgn="auto" latinLnBrk="0" hangingPunct="1">
+                <a:lnSpc>
+                  <a:spcPct val="100000"/>
+                </a:lnSpc>
+                <a:spcBef>
+                  <a:spcPts val="0"/>
+                </a:spcBef>
+                <a:spcAft>
+                  <a:spcPts val="0"/>
+                </a:spcAft>
+                <a:buClrTx/>
+                <a:buSzTx/>
+                <a:buFontTx/>
+                <a:buNone/>
+                <a:defRPr/>
+              </a:pPr>
+              <a:endParaRPr kumimoji="0" lang="zh-CN" altLang="en-US" sz="1800" b="0" i="0" u="none" strike="noStrike" kern="1200" cap="none" spc="0" normalizeH="0" baseline="0" noProof="0">
+                <a:ln>
+                  <a:noFill/>
+                </a:ln>
+                <a:solidFill>
+                  <a:prstClr val="white"/>
+                </a:solidFill>
+                <a:effectLst/>
+                <a:uLnTx/>
+                <a:uFillTx/>
+                <a:latin typeface="Roboto Regular"/>
+                <a:ea typeface="黑体" panose="02010609060101010101" charset="-122"/>
+                <a:cs typeface="+mn-cs"/>
+              </a:endParaRPr>
+            </a:p>
+          </p:txBody>
+        </p:sp>
+        <p:sp>
+          <p:nvSpPr>
+            <p:cNvPr id="116" name="Rectangle 3"/>
+            <p:cNvSpPr/>
+            <p:nvPr/>
+          </p:nvSpPr>
+          <p:spPr>
+            <a:xfrm>
+              <a:off x="316186" y="6328048"/>
+              <a:ext cx="3487810" cy="45719"/>
+            </a:xfrm>
+            <a:prstGeom prst="rect">
+              <a:avLst/>
+            </a:prstGeom>
+            <a:gradFill flip="none" rotWithShape="1">
+              <a:gsLst>
+                <a:gs pos="63000">
+                  <a:schemeClr val="accent5"/>
+                </a:gs>
+                <a:gs pos="99000">
+                  <a:schemeClr val="accent6"/>
+                </a:gs>
+                <a:gs pos="0">
+                  <a:schemeClr val="accent4"/>
+                </a:gs>
+              </a:gsLst>
+              <a:lin ang="10800000" scaled="1"/>
+              <a:tileRect/>
+            </a:gradFill>
+            <a:ln>
+              <a:noFill/>
+            </a:ln>
+          </p:spPr>
+          <p:style>
+            <a:lnRef idx="2">
+              <a:schemeClr val="accent1">
+                <a:shade val="50000"/>
+              </a:schemeClr>
+            </a:lnRef>
+            <a:fillRef idx="1">
+              <a:schemeClr val="accent1"/>
+            </a:fillRef>
+            <a:effectRef idx="0">
+              <a:schemeClr val="accent1"/>
+            </a:effectRef>
+            <a:fontRef idx="minor">
+              <a:schemeClr val="lt1"/>
+            </a:fontRef>
+          </p:style>
+          <p:txBody>
+            <a:bodyPr rtlCol="0" anchor="ctr"/>
+            <a:p>
+              <a:pPr marL="0" marR="0" lvl="0" indent="0" algn="ctr" defTabSz="914400" rtl="0" eaLnBrk="1" fontAlgn="auto" latinLnBrk="0" hangingPunct="1">
+                <a:lnSpc>
+                  <a:spcPct val="100000"/>
+                </a:lnSpc>
+                <a:spcBef>
+                  <a:spcPts val="0"/>
+                </a:spcBef>
+                <a:spcAft>
+                  <a:spcPts val="0"/>
+                </a:spcAft>
+                <a:buClrTx/>
+                <a:buSzTx/>
+                <a:buFontTx/>
+                <a:buNone/>
+                <a:defRPr/>
+              </a:pPr>
+              <a:endParaRPr kumimoji="0" lang="id-ID" sz="1800" b="0" i="0" u="none" strike="noStrike" kern="1200" cap="none" spc="0" normalizeH="0" baseline="0" noProof="0">
+                <a:ln>
+                  <a:noFill/>
+                </a:ln>
+                <a:solidFill>
+                  <a:prstClr val="white"/>
+                </a:solidFill>
+                <a:effectLst/>
+                <a:uLnTx/>
+                <a:uFillTx/>
+                <a:latin typeface="Roboto Regular"/>
+                <a:ea typeface="思源黑体 CN Regular"/>
+                <a:cs typeface="+mn-cs"/>
+              </a:endParaRPr>
+            </a:p>
+          </p:txBody>
+        </p:sp>
+      </p:grpSp>
+      <p:grpSp>
+        <p:nvGrpSpPr>
+          <p:cNvPr id="120" name="组合 119"/>
+          <p:cNvGrpSpPr/>
+          <p:nvPr/>
+        </p:nvGrpSpPr>
+        <p:grpSpPr>
+          <a:xfrm>
+            <a:off x="3880485" y="1275080"/>
+            <a:ext cx="2310765" cy="3420110"/>
+            <a:chOff x="4353420" y="1947168"/>
+            <a:chExt cx="3487810" cy="4430199"/>
+          </a:xfrm>
+        </p:grpSpPr>
+        <p:sp>
+          <p:nvSpPr>
+            <p:cNvPr id="97" name="矩形: 圆角 3"/>
+            <p:cNvSpPr/>
+            <p:nvPr/>
+          </p:nvSpPr>
+          <p:spPr>
+            <a:xfrm>
+              <a:off x="4353420" y="1947168"/>
+              <a:ext cx="3487810" cy="4426600"/>
+            </a:xfrm>
+            <a:prstGeom prst="roundRect">
+              <a:avLst>
+                <a:gd name="adj" fmla="val 0"/>
+              </a:avLst>
+            </a:prstGeom>
+            <a:ln w="12700" cap="rnd">
+              <a:gradFill flip="none" rotWithShape="1">
+                <a:gsLst>
+                  <a:gs pos="0">
+                    <a:schemeClr val="accent4"/>
+                  </a:gs>
+                  <a:gs pos="46000">
+                    <a:schemeClr val="accent5"/>
+                  </a:gs>
+                  <a:gs pos="100000">
+                    <a:schemeClr val="accent6"/>
+                  </a:gs>
+                </a:gsLst>
+                <a:lin ang="13500000" scaled="1"/>
+                <a:tileRect/>
+              </a:gradFill>
+            </a:ln>
+          </p:spPr>
+          <p:style>
+            <a:lnRef idx="1">
+              <a:schemeClr val="accent1"/>
+            </a:lnRef>
+            <a:fillRef idx="0">
+              <a:schemeClr val="accent1"/>
+            </a:fillRef>
+            <a:effectRef idx="0">
+              <a:schemeClr val="accent1"/>
+            </a:effectRef>
+            <a:fontRef idx="minor">
+              <a:schemeClr val="tx1"/>
+            </a:fontRef>
+          </p:style>
+          <p:txBody>
+            <a:bodyPr rtlCol="0" anchor="ctr"/>
+            <a:p>
+              <a:pPr marL="0" marR="0" lvl="0" indent="0" algn="ctr" defTabSz="914400" rtl="0" eaLnBrk="1" fontAlgn="auto" latinLnBrk="0" hangingPunct="1">
+                <a:lnSpc>
+                  <a:spcPct val="100000"/>
+                </a:lnSpc>
+                <a:spcBef>
+                  <a:spcPts val="0"/>
+                </a:spcBef>
+                <a:spcAft>
+                  <a:spcPts val="0"/>
+                </a:spcAft>
+                <a:buClrTx/>
+                <a:buSzTx/>
+                <a:buFontTx/>
+                <a:buNone/>
+                <a:defRPr/>
+              </a:pPr>
+              <a:endParaRPr kumimoji="0" lang="zh-CN" altLang="en-US" sz="1800" b="0" i="0" u="none" strike="noStrike" kern="1200" cap="none" spc="0" normalizeH="0" baseline="0" noProof="0">
+                <a:ln>
+                  <a:noFill/>
+                </a:ln>
+                <a:solidFill>
+                  <a:prstClr val="white"/>
+                </a:solidFill>
+                <a:effectLst/>
+                <a:uLnTx/>
+                <a:uFillTx/>
+                <a:latin typeface="Roboto Regular"/>
+                <a:ea typeface="思源黑体 CN Regular"/>
+                <a:cs typeface="+mn-cs"/>
+              </a:endParaRPr>
+            </a:p>
+          </p:txBody>
+        </p:sp>
+        <p:sp>
+          <p:nvSpPr>
+            <p:cNvPr id="117" name="Rectangle 3"/>
+            <p:cNvSpPr/>
+            <p:nvPr/>
+          </p:nvSpPr>
+          <p:spPr>
+            <a:xfrm>
+              <a:off x="4353420" y="6331648"/>
+              <a:ext cx="3487810" cy="45719"/>
+            </a:xfrm>
+            <a:prstGeom prst="rect">
+              <a:avLst/>
+            </a:prstGeom>
+            <a:gradFill flip="none" rotWithShape="1">
+              <a:gsLst>
+                <a:gs pos="63000">
+                  <a:schemeClr val="accent5"/>
+                </a:gs>
+                <a:gs pos="99000">
+                  <a:schemeClr val="accent6"/>
+                </a:gs>
+                <a:gs pos="0">
+                  <a:schemeClr val="accent4"/>
+                </a:gs>
+              </a:gsLst>
+              <a:lin ang="10800000" scaled="1"/>
+              <a:tileRect/>
+            </a:gradFill>
+            <a:ln>
+              <a:noFill/>
+            </a:ln>
+          </p:spPr>
+          <p:style>
+            <a:lnRef idx="2">
+              <a:schemeClr val="accent1">
+                <a:shade val="50000"/>
+              </a:schemeClr>
+            </a:lnRef>
+            <a:fillRef idx="1">
+              <a:schemeClr val="accent1"/>
+            </a:fillRef>
+            <a:effectRef idx="0">
+              <a:schemeClr val="accent1"/>
+            </a:effectRef>
+            <a:fontRef idx="minor">
+              <a:schemeClr val="lt1"/>
+            </a:fontRef>
+          </p:style>
+          <p:txBody>
+            <a:bodyPr rtlCol="0" anchor="ctr"/>
+            <a:p>
+              <a:pPr marL="0" marR="0" lvl="0" indent="0" algn="ctr" defTabSz="914400" rtl="0" eaLnBrk="1" fontAlgn="auto" latinLnBrk="0" hangingPunct="1">
+                <a:lnSpc>
+                  <a:spcPct val="100000"/>
+                </a:lnSpc>
+                <a:spcBef>
+                  <a:spcPts val="0"/>
+                </a:spcBef>
+                <a:spcAft>
+                  <a:spcPts val="0"/>
+                </a:spcAft>
+                <a:buClrTx/>
+                <a:buSzTx/>
+                <a:buFontTx/>
+                <a:buNone/>
+                <a:defRPr/>
+              </a:pPr>
+              <a:endParaRPr kumimoji="0" lang="id-ID" sz="1800" b="0" i="0" u="none" strike="noStrike" kern="1200" cap="none" spc="0" normalizeH="0" baseline="0" noProof="0">
+                <a:ln>
+                  <a:noFill/>
+                </a:ln>
+                <a:solidFill>
+                  <a:prstClr val="white"/>
+                </a:solidFill>
+                <a:effectLst/>
+                <a:uLnTx/>
+                <a:uFillTx/>
+                <a:latin typeface="Roboto Regular"/>
+                <a:ea typeface="+mn-ea"/>
+                <a:cs typeface="+mn-cs"/>
+              </a:endParaRPr>
+            </a:p>
+          </p:txBody>
+        </p:sp>
+      </p:grpSp>
+      <p:sp>
+        <p:nvSpPr>
+          <p:cNvPr id="123" name="流程图: 手动输入 1"/>
+          <p:cNvSpPr/>
+          <p:nvPr/>
+        </p:nvSpPr>
+        <p:spPr bwMode="auto">
+          <a:xfrm rot="16200000">
+            <a:off x="2847340" y="1108075"/>
+            <a:ext cx="330200" cy="659765"/>
+          </a:xfrm>
+          <a:prstGeom prst="flowChartManualInput">
+            <a:avLst/>
+          </a:prstGeom>
+          <a:gradFill flip="none" rotWithShape="1">
+            <a:gsLst>
+              <a:gs pos="0">
+                <a:srgbClr val="007BD3"/>
+              </a:gs>
+              <a:gs pos="100000">
+                <a:srgbClr val="034373"/>
+              </a:gs>
+            </a:gsLst>
+            <a:lin ang="2700000" scaled="0"/>
+          </a:gradFill>
+          <a:ln>
+            <a:noFill/>
+          </a:ln>
+          <a:effectLst/>
+        </p:spPr>
+        <p:txBody>
+          <a:bodyPr vert="horz" wrap="square" lIns="91440" tIns="45720" rIns="91440" bIns="45720" numCol="1" rtlCol="0" anchor="t" anchorCtr="0" compatLnSpc="1">
+            <a:noAutofit/>
+          </a:bodyPr>
+          <a:lstStyle/>
+          <a:p>
+            <a:pPr lvl="0" algn="ctr">
+              <a:spcBef>
+                <a:spcPts val="0"/>
+              </a:spcBef>
+              <a:spcAft>
+                <a:spcPts val="0"/>
+              </a:spcAft>
+              <a:buClrTx/>
+              <a:buSzTx/>
+              <a:buFontTx/>
+              <a:defRPr/>
+            </a:pPr>
+            <a:endParaRPr lang="zh-CN" altLang="en-US" noProof="0" dirty="0">
+              <a:ln>
+                <a:noFill/>
+              </a:ln>
+              <a:solidFill>
+                <a:srgbClr val="262626"/>
+              </a:solidFill>
+              <a:effectLst/>
+              <a:uLnTx/>
+              <a:uFillTx/>
+              <a:latin typeface="Arial" panose="020B0604020202020204"/>
+              <a:ea typeface="黑体" panose="02010609060101010101" charset="-122"/>
+              <a:sym typeface="+mn-ea"/>
+            </a:endParaRPr>
+          </a:p>
+        </p:txBody>
+      </p:sp>
+      <p:sp>
+        <p:nvSpPr>
+          <p:cNvPr id="127" name="流程图: 手动输入 1"/>
+          <p:cNvSpPr/>
+          <p:nvPr/>
+        </p:nvSpPr>
+        <p:spPr bwMode="auto">
+          <a:xfrm rot="16200000">
+            <a:off x="5599430" y="1082675"/>
+            <a:ext cx="354330" cy="734060"/>
+          </a:xfrm>
+          <a:prstGeom prst="flowChartManualInput">
+            <a:avLst/>
+          </a:prstGeom>
+          <a:gradFill flip="none" rotWithShape="1">
+            <a:gsLst>
+              <a:gs pos="0">
+                <a:srgbClr val="007BD3"/>
+              </a:gs>
+              <a:gs pos="100000">
+                <a:srgbClr val="034373"/>
+              </a:gs>
+            </a:gsLst>
+            <a:lin ang="2700000" scaled="0"/>
+          </a:gradFill>
+          <a:ln>
+            <a:noFill/>
+          </a:ln>
+          <a:effectLst/>
+        </p:spPr>
+        <p:txBody>
+          <a:bodyPr vert="horz" wrap="square" lIns="91440" tIns="45720" rIns="91440" bIns="45720" numCol="1" rtlCol="0" anchor="t" anchorCtr="0" compatLnSpc="1">
+            <a:noAutofit/>
+          </a:bodyPr>
+          <a:p>
+            <a:pPr marL="0" marR="0" lvl="0" indent="0" algn="ctr" defTabSz="914400" rtl="0" eaLnBrk="1" fontAlgn="auto" latinLnBrk="0" hangingPunct="1">
+              <a:lnSpc>
+                <a:spcPct val="100000"/>
+              </a:lnSpc>
+              <a:spcBef>
+                <a:spcPts val="0"/>
+              </a:spcBef>
+              <a:spcAft>
+                <a:spcPts val="0"/>
+              </a:spcAft>
+              <a:buClrTx/>
+              <a:buSzTx/>
+              <a:buFontTx/>
+              <a:buNone/>
+              <a:defRPr/>
+            </a:pPr>
+            <a:endParaRPr kumimoji="0" lang="zh-CN" altLang="en-US" sz="1800" b="0" i="0" u="none" strike="noStrike" kern="1200" cap="none" spc="0" normalizeH="0" baseline="0" noProof="0" dirty="0">
+              <a:ln>
+                <a:noFill/>
+              </a:ln>
+              <a:solidFill>
+                <a:srgbClr val="262626"/>
+              </a:solidFill>
+              <a:effectLst/>
+              <a:uLnTx/>
+              <a:uFillTx/>
+              <a:latin typeface="Arial" panose="020B0604020202020204"/>
+              <a:ea typeface="黑体" panose="02010609060101010101" charset="-122"/>
+              <a:cs typeface="+mn-cs"/>
+            </a:endParaRPr>
+          </a:p>
+        </p:txBody>
+      </p:sp>
+      <p:sp>
+        <p:nvSpPr>
+          <p:cNvPr id="128" name="TextBox 7"/>
+          <p:cNvSpPr txBox="1"/>
+          <p:nvPr/>
+        </p:nvSpPr>
+        <p:spPr>
+          <a:xfrm>
+            <a:off x="944880" y="1296035"/>
+            <a:ext cx="2021840" cy="306705"/>
+          </a:xfrm>
+          <a:prstGeom prst="rect">
+            <a:avLst/>
+          </a:prstGeom>
+          <a:noFill/>
+        </p:spPr>
+        <p:txBody>
+          <a:bodyPr wrap="square">
+            <a:spAutoFit/>
+          </a:bodyPr>
+          <a:p>
+            <a:pPr marL="0" marR="0" lvl="0" indent="0" algn="ctr" defTabSz="914400" rtl="0" eaLnBrk="1" fontAlgn="auto" latinLnBrk="0" hangingPunct="1">
+              <a:lnSpc>
+                <a:spcPct val="100000"/>
+              </a:lnSpc>
+              <a:spcBef>
+                <a:spcPts val="0"/>
+              </a:spcBef>
+              <a:spcAft>
+                <a:spcPts val="0"/>
+              </a:spcAft>
+              <a:buClrTx/>
+              <a:buSzTx/>
+              <a:buFontTx/>
+              <a:buNone/>
+              <a:defRPr/>
+            </a:pPr>
+            <a:r>
+              <a:rPr kumimoji="0" lang="zh-CN" altLang="en-US" sz="1400" b="1" i="0" u="none" strike="noStrike" kern="1200" cap="none" spc="0" normalizeH="0" baseline="0" noProof="0" dirty="0">
+                <a:ln>
+                  <a:noFill/>
+                </a:ln>
+                <a:solidFill>
+                  <a:srgbClr val="0369CB"/>
+                </a:solidFill>
+                <a:effectLst/>
+                <a:uLnTx/>
+                <a:uFillTx/>
+                <a:latin typeface="微软雅黑" panose="020B0503020204020204" charset="-122"/>
+                <a:ea typeface="微软雅黑" panose="020B0503020204020204" charset="-122"/>
+                <a:cs typeface="+mn-ea"/>
+                <a:sym typeface="+mn-lt"/>
+              </a:rPr>
+              <a:t>扫描特征分析</a:t>
+            </a:r>
+            <a:r>
+              <a:rPr kumimoji="0" lang="zh-CN" altLang="en-US" sz="1400" b="1" i="0" u="none" strike="noStrike" kern="1200" cap="none" spc="0" normalizeH="0" baseline="0" noProof="0" dirty="0">
+                <a:ln>
+                  <a:noFill/>
+                </a:ln>
+                <a:solidFill>
+                  <a:srgbClr val="0369CB"/>
+                </a:solidFill>
+                <a:effectLst/>
+                <a:uLnTx/>
+                <a:uFillTx/>
+                <a:latin typeface="微软雅黑" panose="020B0503020204020204" charset="-122"/>
+                <a:ea typeface="微软雅黑" panose="020B0503020204020204" charset="-122"/>
+                <a:cs typeface="+mn-ea"/>
+                <a:sym typeface="+mn-lt"/>
+              </a:rPr>
+              <a:t>识别</a:t>
+            </a:r>
+            <a:endParaRPr kumimoji="0" lang="zh-CN" altLang="en-US" sz="1400" b="1" i="0" u="none" strike="noStrike" kern="1200" cap="none" spc="0" normalizeH="0" baseline="0" noProof="0" dirty="0">
+              <a:ln>
+                <a:noFill/>
+              </a:ln>
+              <a:solidFill>
+                <a:srgbClr val="0369CB"/>
+              </a:solidFill>
+              <a:effectLst/>
+              <a:uLnTx/>
+              <a:uFillTx/>
+              <a:latin typeface="微软雅黑" panose="020B0503020204020204" charset="-122"/>
+              <a:ea typeface="微软雅黑" panose="020B0503020204020204" charset="-122"/>
+              <a:cs typeface="+mn-ea"/>
+              <a:sym typeface="+mn-lt"/>
+            </a:endParaRPr>
+          </a:p>
+        </p:txBody>
+      </p:sp>
+      <p:sp>
+        <p:nvSpPr>
+          <p:cNvPr id="129" name="TextBox 7"/>
+          <p:cNvSpPr txBox="1"/>
+          <p:nvPr/>
+        </p:nvSpPr>
+        <p:spPr>
+          <a:xfrm>
+            <a:off x="3746500" y="1296035"/>
+            <a:ext cx="1812925" cy="306705"/>
+          </a:xfrm>
+          <a:prstGeom prst="rect">
+            <a:avLst/>
+          </a:prstGeom>
+          <a:noFill/>
+        </p:spPr>
+        <p:txBody>
+          <a:bodyPr wrap="square">
+            <a:spAutoFit/>
+          </a:bodyPr>
+          <a:p>
+            <a:pPr marL="0" marR="0" lvl="0" indent="0" algn="ctr" defTabSz="914400" rtl="0" eaLnBrk="1" fontAlgn="auto" latinLnBrk="0" hangingPunct="1">
+              <a:lnSpc>
+                <a:spcPct val="100000"/>
+              </a:lnSpc>
+              <a:spcBef>
+                <a:spcPts val="0"/>
+              </a:spcBef>
+              <a:spcAft>
+                <a:spcPts val="0"/>
+              </a:spcAft>
+              <a:buClrTx/>
+              <a:buSzTx/>
+              <a:buFontTx/>
+              <a:buNone/>
+              <a:defRPr/>
+            </a:pPr>
+            <a:r>
+              <a:rPr kumimoji="0" lang="zh-CN" altLang="en-US" sz="1400" b="1" i="0" u="none" strike="noStrike" kern="1200" cap="none" spc="0" normalizeH="0" baseline="0" noProof="0" dirty="0">
+                <a:ln>
+                  <a:noFill/>
+                </a:ln>
+                <a:solidFill>
+                  <a:srgbClr val="0369CB"/>
+                </a:solidFill>
+                <a:effectLst/>
+                <a:uLnTx/>
+                <a:uFillTx/>
+                <a:latin typeface="微软雅黑" panose="020B0503020204020204" charset="-122"/>
+                <a:ea typeface="微软雅黑" panose="020B0503020204020204" charset="-122"/>
+                <a:cs typeface="+mn-ea"/>
+                <a:sym typeface="+mn-lt"/>
+              </a:rPr>
+              <a:t>扫描行为阻断伪造</a:t>
+            </a:r>
+            <a:endParaRPr kumimoji="0" lang="zh-CN" altLang="en-US" sz="1400" b="1" i="0" u="none" strike="noStrike" kern="1200" cap="none" spc="0" normalizeH="0" baseline="0" noProof="0" dirty="0">
+              <a:ln>
+                <a:noFill/>
+              </a:ln>
+              <a:solidFill>
+                <a:srgbClr val="0369CB"/>
+              </a:solidFill>
+              <a:effectLst/>
+              <a:uLnTx/>
+              <a:uFillTx/>
+              <a:latin typeface="微软雅黑" panose="020B0503020204020204" charset="-122"/>
+              <a:ea typeface="微软雅黑" panose="020B0503020204020204" charset="-122"/>
+              <a:cs typeface="+mn-ea"/>
+              <a:sym typeface="+mn-lt"/>
+            </a:endParaRPr>
+          </a:p>
+        </p:txBody>
+      </p:sp>
+      <p:sp>
+        <p:nvSpPr>
+          <p:cNvPr id="98" name="Freeform 9"/>
+          <p:cNvSpPr>
+            <a:spLocks noEditPoints="1"/>
+          </p:cNvSpPr>
+          <p:nvPr/>
+        </p:nvSpPr>
+        <p:spPr bwMode="auto">
+          <a:xfrm>
+            <a:off x="5626735" y="1309370"/>
+            <a:ext cx="374650" cy="294640"/>
+          </a:xfrm>
+          <a:custGeom>
+            <a:avLst/>
+            <a:gdLst>
+              <a:gd name="T0" fmla="*/ 1373 w 3209"/>
+              <a:gd name="T1" fmla="*/ 3042 h 3192"/>
+              <a:gd name="T2" fmla="*/ 1419 w 3209"/>
+              <a:gd name="T3" fmla="*/ 2712 h 3192"/>
+              <a:gd name="T4" fmla="*/ 1454 w 3209"/>
+              <a:gd name="T5" fmla="*/ 2443 h 3192"/>
+              <a:gd name="T6" fmla="*/ 1479 w 3209"/>
+              <a:gd name="T7" fmla="*/ 2216 h 3192"/>
+              <a:gd name="T8" fmla="*/ 1433 w 3209"/>
+              <a:gd name="T9" fmla="*/ 2008 h 3192"/>
+              <a:gd name="T10" fmla="*/ 1767 w 3209"/>
+              <a:gd name="T11" fmla="*/ 1988 h 3192"/>
+              <a:gd name="T12" fmla="*/ 1751 w 3209"/>
+              <a:gd name="T13" fmla="*/ 2116 h 3192"/>
+              <a:gd name="T14" fmla="*/ 1749 w 3209"/>
+              <a:gd name="T15" fmla="*/ 2310 h 3192"/>
+              <a:gd name="T16" fmla="*/ 1776 w 3209"/>
+              <a:gd name="T17" fmla="*/ 2575 h 3192"/>
+              <a:gd name="T18" fmla="*/ 1821 w 3209"/>
+              <a:gd name="T19" fmla="*/ 2905 h 3192"/>
+              <a:gd name="T20" fmla="*/ 1848 w 3209"/>
+              <a:gd name="T21" fmla="*/ 3153 h 3192"/>
+              <a:gd name="T22" fmla="*/ 1906 w 3209"/>
+              <a:gd name="T23" fmla="*/ 3021 h 3192"/>
+              <a:gd name="T24" fmla="*/ 1977 w 3209"/>
+              <a:gd name="T25" fmla="*/ 2769 h 3192"/>
+              <a:gd name="T26" fmla="*/ 2036 w 3209"/>
+              <a:gd name="T27" fmla="*/ 2553 h 3192"/>
+              <a:gd name="T28" fmla="*/ 2096 w 3209"/>
+              <a:gd name="T29" fmla="*/ 2339 h 3192"/>
+              <a:gd name="T30" fmla="*/ 2155 w 3209"/>
+              <a:gd name="T31" fmla="*/ 2116 h 3192"/>
+              <a:gd name="T32" fmla="*/ 2214 w 3209"/>
+              <a:gd name="T33" fmla="*/ 1905 h 3192"/>
+              <a:gd name="T34" fmla="*/ 2278 w 3209"/>
+              <a:gd name="T35" fmla="*/ 1849 h 3192"/>
+              <a:gd name="T36" fmla="*/ 2664 w 3209"/>
+              <a:gd name="T37" fmla="*/ 1998 h 3192"/>
+              <a:gd name="T38" fmla="*/ 3007 w 3209"/>
+              <a:gd name="T39" fmla="*/ 2159 h 3192"/>
+              <a:gd name="T40" fmla="*/ 3138 w 3209"/>
+              <a:gd name="T41" fmla="*/ 2387 h 3192"/>
+              <a:gd name="T42" fmla="*/ 3173 w 3209"/>
+              <a:gd name="T43" fmla="*/ 2729 h 3192"/>
+              <a:gd name="T44" fmla="*/ 3188 w 3209"/>
+              <a:gd name="T45" fmla="*/ 2924 h 3192"/>
+              <a:gd name="T46" fmla="*/ 3062 w 3209"/>
+              <a:gd name="T47" fmla="*/ 3191 h 3192"/>
+              <a:gd name="T48" fmla="*/ 160 w 3209"/>
+              <a:gd name="T49" fmla="*/ 3190 h 3192"/>
+              <a:gd name="T50" fmla="*/ 14 w 3209"/>
+              <a:gd name="T51" fmla="*/ 2979 h 3192"/>
+              <a:gd name="T52" fmla="*/ 33 w 3209"/>
+              <a:gd name="T53" fmla="*/ 2780 h 3192"/>
+              <a:gd name="T54" fmla="*/ 54 w 3209"/>
+              <a:gd name="T55" fmla="*/ 2615 h 3192"/>
+              <a:gd name="T56" fmla="*/ 111 w 3209"/>
+              <a:gd name="T57" fmla="*/ 2258 h 3192"/>
+              <a:gd name="T58" fmla="*/ 527 w 3209"/>
+              <a:gd name="T59" fmla="*/ 2008 h 3192"/>
+              <a:gd name="T60" fmla="*/ 931 w 3209"/>
+              <a:gd name="T61" fmla="*/ 1849 h 3192"/>
+              <a:gd name="T62" fmla="*/ 1025 w 3209"/>
+              <a:gd name="T63" fmla="*/ 2001 h 3192"/>
+              <a:gd name="T64" fmla="*/ 1084 w 3209"/>
+              <a:gd name="T65" fmla="*/ 2218 h 3192"/>
+              <a:gd name="T66" fmla="*/ 1155 w 3209"/>
+              <a:gd name="T67" fmla="*/ 2478 h 3192"/>
+              <a:gd name="T68" fmla="*/ 1215 w 3209"/>
+              <a:gd name="T69" fmla="*/ 2694 h 3192"/>
+              <a:gd name="T70" fmla="*/ 1273 w 3209"/>
+              <a:gd name="T71" fmla="*/ 2911 h 3192"/>
+              <a:gd name="T72" fmla="*/ 1338 w 3209"/>
+              <a:gd name="T73" fmla="*/ 3159 h 3192"/>
+              <a:gd name="T74" fmla="*/ 857 w 3209"/>
+              <a:gd name="T75" fmla="*/ 800 h 3192"/>
+              <a:gd name="T76" fmla="*/ 1004 w 3209"/>
+              <a:gd name="T77" fmla="*/ 342 h 3192"/>
+              <a:gd name="T78" fmla="*/ 1464 w 3209"/>
+              <a:gd name="T79" fmla="*/ 19 h 3192"/>
+              <a:gd name="T80" fmla="*/ 1741 w 3209"/>
+              <a:gd name="T81" fmla="*/ 17 h 3192"/>
+              <a:gd name="T82" fmla="*/ 2159 w 3209"/>
+              <a:gd name="T83" fmla="*/ 270 h 3192"/>
+              <a:gd name="T84" fmla="*/ 2333 w 3209"/>
+              <a:gd name="T85" fmla="*/ 648 h 3192"/>
+              <a:gd name="T86" fmla="*/ 2334 w 3209"/>
+              <a:gd name="T87" fmla="*/ 976 h 3192"/>
+              <a:gd name="T88" fmla="*/ 2229 w 3209"/>
+              <a:gd name="T89" fmla="*/ 1284 h 3192"/>
+              <a:gd name="T90" fmla="*/ 1793 w 3209"/>
+              <a:gd name="T91" fmla="*/ 1675 h 3192"/>
+              <a:gd name="T92" fmla="*/ 1266 w 3209"/>
+              <a:gd name="T93" fmla="*/ 1599 h 3192"/>
+              <a:gd name="T94" fmla="*/ 947 w 3209"/>
+              <a:gd name="T95" fmla="*/ 1203 h 3192"/>
+              <a:gd name="T96" fmla="*/ 874 w 3209"/>
+              <a:gd name="T97" fmla="*/ 942 h 3192"/>
+            </a:gdLst>
+            <a:ahLst/>
+            <a:cxnLst>
+              <a:cxn ang="0">
+                <a:pos x="T0" y="T1"/>
+              </a:cxn>
+              <a:cxn ang="0">
+                <a:pos x="T2" y="T3"/>
+              </a:cxn>
+              <a:cxn ang="0">
+                <a:pos x="T4" y="T5"/>
+              </a:cxn>
+              <a:cxn ang="0">
+                <a:pos x="T6" y="T7"/>
+              </a:cxn>
+              <a:cxn ang="0">
+                <a:pos x="T8" y="T9"/>
+              </a:cxn>
+              <a:cxn ang="0">
+                <a:pos x="T10" y="T11"/>
+              </a:cxn>
+              <a:cxn ang="0">
+                <a:pos x="T12" y="T13"/>
+              </a:cxn>
+              <a:cxn ang="0">
+                <a:pos x="T14" y="T15"/>
+              </a:cxn>
+              <a:cxn ang="0">
+                <a:pos x="T16" y="T17"/>
+              </a:cxn>
+              <a:cxn ang="0">
+                <a:pos x="T18" y="T19"/>
+              </a:cxn>
+              <a:cxn ang="0">
+                <a:pos x="T20" y="T21"/>
+              </a:cxn>
+              <a:cxn ang="0">
+                <a:pos x="T22" y="T23"/>
+              </a:cxn>
+              <a:cxn ang="0">
+                <a:pos x="T24" y="T25"/>
+              </a:cxn>
+              <a:cxn ang="0">
+                <a:pos x="T26" y="T27"/>
+              </a:cxn>
+              <a:cxn ang="0">
+                <a:pos x="T28" y="T29"/>
+              </a:cxn>
+              <a:cxn ang="0">
+                <a:pos x="T30" y="T31"/>
+              </a:cxn>
+              <a:cxn ang="0">
+                <a:pos x="T32" y="T33"/>
+              </a:cxn>
+              <a:cxn ang="0">
+                <a:pos x="T34" y="T35"/>
+              </a:cxn>
+              <a:cxn ang="0">
+                <a:pos x="T36" y="T37"/>
+              </a:cxn>
+              <a:cxn ang="0">
+                <a:pos x="T38" y="T39"/>
+              </a:cxn>
+              <a:cxn ang="0">
+                <a:pos x="T40" y="T41"/>
+              </a:cxn>
+              <a:cxn ang="0">
+                <a:pos x="T42" y="T43"/>
+              </a:cxn>
+              <a:cxn ang="0">
+                <a:pos x="T44" y="T45"/>
+              </a:cxn>
+              <a:cxn ang="0">
+                <a:pos x="T46" y="T47"/>
+              </a:cxn>
+              <a:cxn ang="0">
+                <a:pos x="T48" y="T49"/>
+              </a:cxn>
+              <a:cxn ang="0">
+                <a:pos x="T50" y="T51"/>
+              </a:cxn>
+              <a:cxn ang="0">
+                <a:pos x="T52" y="T53"/>
+              </a:cxn>
+              <a:cxn ang="0">
+                <a:pos x="T54" y="T55"/>
+              </a:cxn>
+              <a:cxn ang="0">
+                <a:pos x="T56" y="T57"/>
+              </a:cxn>
+              <a:cxn ang="0">
+                <a:pos x="T58" y="T59"/>
+              </a:cxn>
+              <a:cxn ang="0">
+                <a:pos x="T60" y="T61"/>
+              </a:cxn>
+              <a:cxn ang="0">
+                <a:pos x="T62" y="T63"/>
+              </a:cxn>
+              <a:cxn ang="0">
+                <a:pos x="T64" y="T65"/>
+              </a:cxn>
+              <a:cxn ang="0">
+                <a:pos x="T66" y="T67"/>
+              </a:cxn>
+              <a:cxn ang="0">
+                <a:pos x="T68" y="T69"/>
+              </a:cxn>
+              <a:cxn ang="0">
+                <a:pos x="T70" y="T71"/>
+              </a:cxn>
+              <a:cxn ang="0">
+                <a:pos x="T72" y="T73"/>
+              </a:cxn>
+              <a:cxn ang="0">
+                <a:pos x="T74" y="T75"/>
+              </a:cxn>
+              <a:cxn ang="0">
+                <a:pos x="T76" y="T77"/>
+              </a:cxn>
+              <a:cxn ang="0">
+                <a:pos x="T78" y="T79"/>
+              </a:cxn>
+              <a:cxn ang="0">
+                <a:pos x="T80" y="T81"/>
+              </a:cxn>
+              <a:cxn ang="0">
+                <a:pos x="T82" y="T83"/>
+              </a:cxn>
+              <a:cxn ang="0">
+                <a:pos x="T84" y="T85"/>
+              </a:cxn>
+              <a:cxn ang="0">
+                <a:pos x="T86" y="T87"/>
+              </a:cxn>
+              <a:cxn ang="0">
+                <a:pos x="T88" y="T89"/>
+              </a:cxn>
+              <a:cxn ang="0">
+                <a:pos x="T90" y="T91"/>
+              </a:cxn>
+              <a:cxn ang="0">
+                <a:pos x="T92" y="T93"/>
+              </a:cxn>
+              <a:cxn ang="0">
+                <a:pos x="T94" y="T95"/>
+              </a:cxn>
+              <a:cxn ang="0">
+                <a:pos x="T96" y="T97"/>
+              </a:cxn>
+            </a:cxnLst>
+            <a:rect l="0" t="0" r="r" b="b"/>
+            <a:pathLst>
+              <a:path w="3209" h="3192">
+                <a:moveTo>
+                  <a:pt x="1359" y="3176"/>
+                </a:moveTo>
+                <a:cubicBezTo>
+                  <a:pt x="1364" y="3127"/>
+                  <a:pt x="1367" y="3085"/>
+                  <a:pt x="1373" y="3042"/>
+                </a:cubicBezTo>
+                <a:cubicBezTo>
+                  <a:pt x="1383" y="2969"/>
+                  <a:pt x="1395" y="2896"/>
+                  <a:pt x="1406" y="2822"/>
+                </a:cubicBezTo>
+                <a:cubicBezTo>
+                  <a:pt x="1411" y="2786"/>
+                  <a:pt x="1414" y="2749"/>
+                  <a:pt x="1419" y="2712"/>
+                </a:cubicBezTo>
+                <a:lnTo>
+                  <a:pt x="1441" y="2542"/>
+                </a:lnTo>
+                <a:cubicBezTo>
+                  <a:pt x="1446" y="2509"/>
+                  <a:pt x="1450" y="2476"/>
+                  <a:pt x="1454" y="2443"/>
+                </a:cubicBezTo>
+                <a:cubicBezTo>
+                  <a:pt x="1459" y="2394"/>
+                  <a:pt x="1462" y="2344"/>
+                  <a:pt x="1468" y="2295"/>
+                </a:cubicBezTo>
+                <a:cubicBezTo>
+                  <a:pt x="1471" y="2268"/>
+                  <a:pt x="1476" y="2242"/>
+                  <a:pt x="1479" y="2216"/>
+                </a:cubicBezTo>
+                <a:cubicBezTo>
+                  <a:pt x="1484" y="2161"/>
+                  <a:pt x="1462" y="2112"/>
+                  <a:pt x="1447" y="2062"/>
+                </a:cubicBezTo>
+                <a:cubicBezTo>
+                  <a:pt x="1443" y="2044"/>
+                  <a:pt x="1436" y="2026"/>
+                  <a:pt x="1433" y="2008"/>
+                </a:cubicBezTo>
+                <a:cubicBezTo>
+                  <a:pt x="1433" y="2002"/>
+                  <a:pt x="1444" y="1989"/>
+                  <a:pt x="1450" y="1989"/>
+                </a:cubicBezTo>
+                <a:cubicBezTo>
+                  <a:pt x="1556" y="1988"/>
+                  <a:pt x="1662" y="1988"/>
+                  <a:pt x="1767" y="1988"/>
+                </a:cubicBezTo>
+                <a:cubicBezTo>
+                  <a:pt x="1782" y="1988"/>
+                  <a:pt x="1788" y="1992"/>
+                  <a:pt x="1782" y="2009"/>
+                </a:cubicBezTo>
+                <a:cubicBezTo>
+                  <a:pt x="1770" y="2044"/>
+                  <a:pt x="1761" y="2080"/>
+                  <a:pt x="1751" y="2116"/>
+                </a:cubicBezTo>
+                <a:cubicBezTo>
+                  <a:pt x="1747" y="2131"/>
+                  <a:pt x="1742" y="2145"/>
+                  <a:pt x="1740" y="2160"/>
+                </a:cubicBezTo>
+                <a:cubicBezTo>
+                  <a:pt x="1731" y="2210"/>
+                  <a:pt x="1739" y="2260"/>
+                  <a:pt x="1749" y="2310"/>
+                </a:cubicBezTo>
+                <a:cubicBezTo>
+                  <a:pt x="1757" y="2345"/>
+                  <a:pt x="1759" y="2382"/>
+                  <a:pt x="1762" y="2418"/>
+                </a:cubicBezTo>
+                <a:cubicBezTo>
+                  <a:pt x="1767" y="2470"/>
+                  <a:pt x="1770" y="2523"/>
+                  <a:pt x="1776" y="2575"/>
+                </a:cubicBezTo>
+                <a:cubicBezTo>
+                  <a:pt x="1786" y="2651"/>
+                  <a:pt x="1798" y="2727"/>
+                  <a:pt x="1809" y="2803"/>
+                </a:cubicBezTo>
+                <a:cubicBezTo>
+                  <a:pt x="1814" y="2837"/>
+                  <a:pt x="1818" y="2871"/>
+                  <a:pt x="1821" y="2905"/>
+                </a:cubicBezTo>
+                <a:cubicBezTo>
+                  <a:pt x="1827" y="2957"/>
+                  <a:pt x="1830" y="3008"/>
+                  <a:pt x="1835" y="3059"/>
+                </a:cubicBezTo>
+                <a:cubicBezTo>
+                  <a:pt x="1838" y="3091"/>
+                  <a:pt x="1843" y="3122"/>
+                  <a:pt x="1848" y="3153"/>
+                </a:cubicBezTo>
+                <a:cubicBezTo>
+                  <a:pt x="1848" y="3159"/>
+                  <a:pt x="1856" y="3164"/>
+                  <a:pt x="1866" y="3175"/>
+                </a:cubicBezTo>
+                <a:cubicBezTo>
+                  <a:pt x="1881" y="3118"/>
+                  <a:pt x="1893" y="3069"/>
+                  <a:pt x="1906" y="3021"/>
+                </a:cubicBezTo>
+                <a:cubicBezTo>
+                  <a:pt x="1920" y="2971"/>
+                  <a:pt x="1936" y="2922"/>
+                  <a:pt x="1950" y="2873"/>
+                </a:cubicBezTo>
+                <a:cubicBezTo>
+                  <a:pt x="1960" y="2839"/>
+                  <a:pt x="1968" y="2804"/>
+                  <a:pt x="1977" y="2769"/>
+                </a:cubicBezTo>
+                <a:cubicBezTo>
+                  <a:pt x="1988" y="2731"/>
+                  <a:pt x="1999" y="2694"/>
+                  <a:pt x="2009" y="2656"/>
+                </a:cubicBezTo>
+                <a:cubicBezTo>
+                  <a:pt x="2019" y="2622"/>
+                  <a:pt x="2027" y="2587"/>
+                  <a:pt x="2036" y="2553"/>
+                </a:cubicBezTo>
+                <a:cubicBezTo>
+                  <a:pt x="2046" y="2516"/>
+                  <a:pt x="2057" y="2479"/>
+                  <a:pt x="2068" y="2442"/>
+                </a:cubicBezTo>
+                <a:cubicBezTo>
+                  <a:pt x="2077" y="2408"/>
+                  <a:pt x="2086" y="2373"/>
+                  <a:pt x="2096" y="2339"/>
+                </a:cubicBezTo>
+                <a:cubicBezTo>
+                  <a:pt x="2106" y="2300"/>
+                  <a:pt x="2118" y="2262"/>
+                  <a:pt x="2128" y="2223"/>
+                </a:cubicBezTo>
+                <a:cubicBezTo>
+                  <a:pt x="2138" y="2187"/>
+                  <a:pt x="2146" y="2152"/>
+                  <a:pt x="2155" y="2116"/>
+                </a:cubicBezTo>
+                <a:cubicBezTo>
+                  <a:pt x="2165" y="2079"/>
+                  <a:pt x="2177" y="2043"/>
+                  <a:pt x="2187" y="2006"/>
+                </a:cubicBezTo>
+                <a:cubicBezTo>
+                  <a:pt x="2196" y="1973"/>
+                  <a:pt x="2205" y="1939"/>
+                  <a:pt x="2214" y="1905"/>
+                </a:cubicBezTo>
+                <a:cubicBezTo>
+                  <a:pt x="2218" y="1890"/>
+                  <a:pt x="2218" y="1869"/>
+                  <a:pt x="2228" y="1861"/>
+                </a:cubicBezTo>
+                <a:cubicBezTo>
+                  <a:pt x="2240" y="1851"/>
+                  <a:pt x="2264" y="1845"/>
+                  <a:pt x="2278" y="1849"/>
+                </a:cubicBezTo>
+                <a:cubicBezTo>
+                  <a:pt x="2342" y="1872"/>
+                  <a:pt x="2404" y="1900"/>
+                  <a:pt x="2467" y="1925"/>
+                </a:cubicBezTo>
+                <a:cubicBezTo>
+                  <a:pt x="2532" y="1950"/>
+                  <a:pt x="2598" y="1974"/>
+                  <a:pt x="2664" y="1998"/>
+                </a:cubicBezTo>
+                <a:cubicBezTo>
+                  <a:pt x="2716" y="2018"/>
+                  <a:pt x="2767" y="2038"/>
+                  <a:pt x="2819" y="2059"/>
+                </a:cubicBezTo>
+                <a:cubicBezTo>
+                  <a:pt x="2886" y="2085"/>
+                  <a:pt x="2949" y="2117"/>
+                  <a:pt x="3007" y="2159"/>
+                </a:cubicBezTo>
+                <a:cubicBezTo>
+                  <a:pt x="3060" y="2197"/>
+                  <a:pt x="3101" y="2244"/>
+                  <a:pt x="3124" y="2303"/>
+                </a:cubicBezTo>
+                <a:cubicBezTo>
+                  <a:pt x="3135" y="2329"/>
+                  <a:pt x="3135" y="2359"/>
+                  <a:pt x="3138" y="2387"/>
+                </a:cubicBezTo>
+                <a:cubicBezTo>
+                  <a:pt x="3143" y="2440"/>
+                  <a:pt x="3146" y="2492"/>
+                  <a:pt x="3151" y="2545"/>
+                </a:cubicBezTo>
+                <a:cubicBezTo>
+                  <a:pt x="3158" y="2606"/>
+                  <a:pt x="3166" y="2667"/>
+                  <a:pt x="3173" y="2729"/>
+                </a:cubicBezTo>
+                <a:lnTo>
+                  <a:pt x="3174" y="2737"/>
+                </a:lnTo>
+                <a:cubicBezTo>
+                  <a:pt x="3178" y="2800"/>
+                  <a:pt x="3183" y="2862"/>
+                  <a:pt x="3188" y="2924"/>
+                </a:cubicBezTo>
+                <a:cubicBezTo>
+                  <a:pt x="3191" y="2967"/>
+                  <a:pt x="3195" y="3010"/>
+                  <a:pt x="3200" y="3052"/>
+                </a:cubicBezTo>
+                <a:cubicBezTo>
+                  <a:pt x="3209" y="3120"/>
+                  <a:pt x="3135" y="3192"/>
+                  <a:pt x="3062" y="3191"/>
+                </a:cubicBezTo>
+                <a:cubicBezTo>
+                  <a:pt x="2660" y="3188"/>
+                  <a:pt x="2257" y="3189"/>
+                  <a:pt x="1855" y="3189"/>
+                </a:cubicBezTo>
+                <a:cubicBezTo>
+                  <a:pt x="1290" y="3189"/>
+                  <a:pt x="725" y="3189"/>
+                  <a:pt x="160" y="3190"/>
+                </a:cubicBezTo>
+                <a:cubicBezTo>
+                  <a:pt x="110" y="3190"/>
+                  <a:pt x="66" y="3180"/>
+                  <a:pt x="38" y="3140"/>
+                </a:cubicBezTo>
+                <a:cubicBezTo>
+                  <a:pt x="5" y="3091"/>
+                  <a:pt x="0" y="3036"/>
+                  <a:pt x="14" y="2979"/>
+                </a:cubicBezTo>
+                <a:cubicBezTo>
+                  <a:pt x="15" y="2974"/>
+                  <a:pt x="18" y="2968"/>
+                  <a:pt x="18" y="2963"/>
+                </a:cubicBezTo>
+                <a:cubicBezTo>
+                  <a:pt x="23" y="2902"/>
+                  <a:pt x="27" y="2841"/>
+                  <a:pt x="33" y="2780"/>
+                </a:cubicBezTo>
+                <a:cubicBezTo>
+                  <a:pt x="38" y="2728"/>
+                  <a:pt x="47" y="2676"/>
+                  <a:pt x="53" y="2624"/>
+                </a:cubicBezTo>
+                <a:lnTo>
+                  <a:pt x="54" y="2615"/>
+                </a:lnTo>
+                <a:cubicBezTo>
+                  <a:pt x="59" y="2555"/>
+                  <a:pt x="58" y="2492"/>
+                  <a:pt x="69" y="2433"/>
+                </a:cubicBezTo>
+                <a:cubicBezTo>
+                  <a:pt x="80" y="2374"/>
+                  <a:pt x="71" y="2313"/>
+                  <a:pt x="111" y="2258"/>
+                </a:cubicBezTo>
+                <a:cubicBezTo>
+                  <a:pt x="151" y="2205"/>
+                  <a:pt x="198" y="2161"/>
+                  <a:pt x="253" y="2126"/>
+                </a:cubicBezTo>
+                <a:cubicBezTo>
+                  <a:pt x="338" y="2073"/>
+                  <a:pt x="434" y="2043"/>
+                  <a:pt x="527" y="2008"/>
+                </a:cubicBezTo>
+                <a:cubicBezTo>
+                  <a:pt x="600" y="1980"/>
+                  <a:pt x="672" y="1949"/>
+                  <a:pt x="746" y="1920"/>
+                </a:cubicBezTo>
+                <a:cubicBezTo>
+                  <a:pt x="807" y="1896"/>
+                  <a:pt x="869" y="1872"/>
+                  <a:pt x="931" y="1849"/>
+                </a:cubicBezTo>
+                <a:cubicBezTo>
+                  <a:pt x="960" y="1838"/>
+                  <a:pt x="986" y="1858"/>
+                  <a:pt x="993" y="1887"/>
+                </a:cubicBezTo>
+                <a:cubicBezTo>
+                  <a:pt x="1002" y="1925"/>
+                  <a:pt x="1015" y="1963"/>
+                  <a:pt x="1025" y="2001"/>
+                </a:cubicBezTo>
+                <a:cubicBezTo>
+                  <a:pt x="1034" y="2035"/>
+                  <a:pt x="1042" y="2070"/>
+                  <a:pt x="1052" y="2104"/>
+                </a:cubicBezTo>
+                <a:cubicBezTo>
+                  <a:pt x="1062" y="2142"/>
+                  <a:pt x="1074" y="2180"/>
+                  <a:pt x="1084" y="2218"/>
+                </a:cubicBezTo>
+                <a:cubicBezTo>
+                  <a:pt x="1093" y="2251"/>
+                  <a:pt x="1101" y="2285"/>
+                  <a:pt x="1111" y="2318"/>
+                </a:cubicBezTo>
+                <a:cubicBezTo>
+                  <a:pt x="1125" y="2372"/>
+                  <a:pt x="1141" y="2424"/>
+                  <a:pt x="1155" y="2478"/>
+                </a:cubicBezTo>
+                <a:cubicBezTo>
+                  <a:pt x="1165" y="2511"/>
+                  <a:pt x="1173" y="2545"/>
+                  <a:pt x="1182" y="2578"/>
+                </a:cubicBezTo>
+                <a:cubicBezTo>
+                  <a:pt x="1192" y="2617"/>
+                  <a:pt x="1204" y="2655"/>
+                  <a:pt x="1215" y="2694"/>
+                </a:cubicBezTo>
+                <a:cubicBezTo>
+                  <a:pt x="1224" y="2729"/>
+                  <a:pt x="1232" y="2764"/>
+                  <a:pt x="1241" y="2798"/>
+                </a:cubicBezTo>
+                <a:cubicBezTo>
+                  <a:pt x="1252" y="2836"/>
+                  <a:pt x="1263" y="2873"/>
+                  <a:pt x="1273" y="2911"/>
+                </a:cubicBezTo>
+                <a:cubicBezTo>
+                  <a:pt x="1283" y="2946"/>
+                  <a:pt x="1292" y="2980"/>
+                  <a:pt x="1301" y="3015"/>
+                </a:cubicBezTo>
+                <a:cubicBezTo>
+                  <a:pt x="1313" y="3063"/>
+                  <a:pt x="1325" y="3111"/>
+                  <a:pt x="1338" y="3159"/>
+                </a:cubicBezTo>
+                <a:cubicBezTo>
+                  <a:pt x="1340" y="3165"/>
+                  <a:pt x="1349" y="3168"/>
+                  <a:pt x="1359" y="3176"/>
+                </a:cubicBezTo>
+                <a:close/>
+                <a:moveTo>
+                  <a:pt x="857" y="800"/>
+                </a:moveTo>
+                <a:cubicBezTo>
+                  <a:pt x="869" y="739"/>
+                  <a:pt x="882" y="664"/>
+                  <a:pt x="897" y="588"/>
+                </a:cubicBezTo>
+                <a:cubicBezTo>
+                  <a:pt x="914" y="499"/>
+                  <a:pt x="955" y="418"/>
+                  <a:pt x="1004" y="342"/>
+                </a:cubicBezTo>
+                <a:cubicBezTo>
+                  <a:pt x="1075" y="231"/>
+                  <a:pt x="1175" y="140"/>
+                  <a:pt x="1292" y="79"/>
+                </a:cubicBezTo>
+                <a:cubicBezTo>
+                  <a:pt x="1346" y="51"/>
+                  <a:pt x="1403" y="28"/>
+                  <a:pt x="1464" y="19"/>
+                </a:cubicBezTo>
+                <a:cubicBezTo>
+                  <a:pt x="1509" y="13"/>
+                  <a:pt x="1555" y="1"/>
+                  <a:pt x="1600" y="1"/>
+                </a:cubicBezTo>
+                <a:cubicBezTo>
+                  <a:pt x="1647" y="0"/>
+                  <a:pt x="1695" y="8"/>
+                  <a:pt x="1741" y="17"/>
+                </a:cubicBezTo>
+                <a:cubicBezTo>
+                  <a:pt x="1785" y="26"/>
+                  <a:pt x="1829" y="38"/>
+                  <a:pt x="1870" y="55"/>
+                </a:cubicBezTo>
+                <a:cubicBezTo>
+                  <a:pt x="1983" y="101"/>
+                  <a:pt x="2082" y="175"/>
+                  <a:pt x="2159" y="270"/>
+                </a:cubicBezTo>
+                <a:cubicBezTo>
+                  <a:pt x="2216" y="341"/>
+                  <a:pt x="2261" y="417"/>
+                  <a:pt x="2294" y="499"/>
+                </a:cubicBezTo>
+                <a:cubicBezTo>
+                  <a:pt x="2313" y="547"/>
+                  <a:pt x="2322" y="598"/>
+                  <a:pt x="2333" y="648"/>
+                </a:cubicBezTo>
+                <a:cubicBezTo>
+                  <a:pt x="2342" y="694"/>
+                  <a:pt x="2353" y="740"/>
+                  <a:pt x="2353" y="786"/>
+                </a:cubicBezTo>
+                <a:cubicBezTo>
+                  <a:pt x="2351" y="850"/>
+                  <a:pt x="2344" y="913"/>
+                  <a:pt x="2334" y="976"/>
+                </a:cubicBezTo>
+                <a:cubicBezTo>
+                  <a:pt x="2329" y="1013"/>
+                  <a:pt x="2318" y="1050"/>
+                  <a:pt x="2310" y="1086"/>
+                </a:cubicBezTo>
+                <a:cubicBezTo>
+                  <a:pt x="2294" y="1156"/>
+                  <a:pt x="2263" y="1220"/>
+                  <a:pt x="2229" y="1284"/>
+                </a:cubicBezTo>
+                <a:cubicBezTo>
+                  <a:pt x="2173" y="1392"/>
+                  <a:pt x="2096" y="1483"/>
+                  <a:pt x="2001" y="1560"/>
+                </a:cubicBezTo>
+                <a:cubicBezTo>
+                  <a:pt x="1939" y="1611"/>
+                  <a:pt x="1869" y="1650"/>
+                  <a:pt x="1793" y="1675"/>
+                </a:cubicBezTo>
+                <a:cubicBezTo>
+                  <a:pt x="1724" y="1697"/>
+                  <a:pt x="1655" y="1712"/>
+                  <a:pt x="1584" y="1707"/>
+                </a:cubicBezTo>
+                <a:cubicBezTo>
+                  <a:pt x="1470" y="1700"/>
+                  <a:pt x="1360" y="1663"/>
+                  <a:pt x="1266" y="1599"/>
+                </a:cubicBezTo>
+                <a:cubicBezTo>
+                  <a:pt x="1181" y="1541"/>
+                  <a:pt x="1107" y="1473"/>
+                  <a:pt x="1052" y="1387"/>
+                </a:cubicBezTo>
+                <a:cubicBezTo>
+                  <a:pt x="1013" y="1328"/>
+                  <a:pt x="978" y="1266"/>
+                  <a:pt x="947" y="1203"/>
+                </a:cubicBezTo>
+                <a:cubicBezTo>
+                  <a:pt x="921" y="1148"/>
+                  <a:pt x="905" y="1089"/>
+                  <a:pt x="888" y="1032"/>
+                </a:cubicBezTo>
+                <a:cubicBezTo>
+                  <a:pt x="879" y="1003"/>
+                  <a:pt x="878" y="972"/>
+                  <a:pt x="874" y="942"/>
+                </a:cubicBezTo>
+                <a:cubicBezTo>
+                  <a:pt x="869" y="900"/>
+                  <a:pt x="864" y="858"/>
+                  <a:pt x="857" y="800"/>
+                </a:cubicBezTo>
+                <a:close/>
+              </a:path>
+            </a:pathLst>
+          </a:custGeom>
+          <a:gradFill>
+            <a:gsLst>
+              <a:gs pos="10000">
+                <a:schemeClr val="accent2">
+                  <a:alpha val="30000"/>
+                </a:schemeClr>
+              </a:gs>
+              <a:gs pos="100000">
+                <a:schemeClr val="bg1"/>
+              </a:gs>
+            </a:gsLst>
+            <a:lin ang="2700000" scaled="1"/>
+          </a:gradFill>
+          <a:ln w="0">
+            <a:noFill/>
+            <a:prstDash val="solid"/>
+            <a:round/>
+          </a:ln>
+        </p:spPr>
+        <p:txBody>
+          <a:bodyPr vert="horz" wrap="square" lIns="91440" tIns="45720" rIns="91440" bIns="45720" numCol="1" anchor="t" anchorCtr="0" compatLnSpc="1"/>
+          <a:p>
+            <a:pPr marL="0" marR="0" lvl="0" indent="0" algn="l" defTabSz="914400" rtl="0" eaLnBrk="1" fontAlgn="auto" latinLnBrk="0" hangingPunct="1">
+              <a:lnSpc>
+                <a:spcPct val="100000"/>
+              </a:lnSpc>
+              <a:spcBef>
+                <a:spcPts val="0"/>
+              </a:spcBef>
+              <a:spcAft>
+                <a:spcPts val="0"/>
+              </a:spcAft>
+              <a:buClrTx/>
+              <a:buSzTx/>
+              <a:buFontTx/>
+              <a:buNone/>
+              <a:defRPr/>
+            </a:pPr>
+            <a:endParaRPr kumimoji="0" lang="zh-CN" altLang="en-US" sz="1800" b="0" i="0" u="none" strike="noStrike" kern="1200" cap="none" spc="0" normalizeH="0" baseline="0" noProof="0">
+              <a:ln>
+                <a:noFill/>
+              </a:ln>
+              <a:solidFill>
+                <a:prstClr val="black">
+                  <a:lumMod val="75000"/>
+                  <a:lumOff val="25000"/>
+                </a:prstClr>
+              </a:solidFill>
+              <a:effectLst/>
+              <a:uLnTx/>
+              <a:uFillTx/>
+              <a:latin typeface="Roboto Regular"/>
+              <a:ea typeface="思源黑体 CN Regular"/>
+              <a:cs typeface="+mn-cs"/>
+            </a:endParaRPr>
+          </a:p>
+        </p:txBody>
+      </p:sp>
+      <p:sp>
+        <p:nvSpPr>
+          <p:cNvPr id="114" name="Freeform 5"/>
+          <p:cNvSpPr>
+            <a:spLocks noEditPoints="1"/>
+          </p:cNvSpPr>
+          <p:nvPr/>
+        </p:nvSpPr>
+        <p:spPr bwMode="auto">
+          <a:xfrm>
+            <a:off x="2881630" y="1288415"/>
+            <a:ext cx="269240" cy="298450"/>
+          </a:xfrm>
+          <a:custGeom>
+            <a:avLst/>
+            <a:gdLst>
+              <a:gd name="T0" fmla="*/ 801 w 2344"/>
+              <a:gd name="T1" fmla="*/ 144 h 2344"/>
+              <a:gd name="T2" fmla="*/ 200 w 2344"/>
+              <a:gd name="T3" fmla="*/ 144 h 2344"/>
+              <a:gd name="T4" fmla="*/ 0 w 2344"/>
+              <a:gd name="T5" fmla="*/ 344 h 2344"/>
+              <a:gd name="T6" fmla="*/ 0 w 2344"/>
+              <a:gd name="T7" fmla="*/ 944 h 2344"/>
+              <a:gd name="T8" fmla="*/ 200 w 2344"/>
+              <a:gd name="T9" fmla="*/ 1144 h 2344"/>
+              <a:gd name="T10" fmla="*/ 801 w 2344"/>
+              <a:gd name="T11" fmla="*/ 1144 h 2344"/>
+              <a:gd name="T12" fmla="*/ 1000 w 2344"/>
+              <a:gd name="T13" fmla="*/ 944 h 2344"/>
+              <a:gd name="T14" fmla="*/ 1000 w 2344"/>
+              <a:gd name="T15" fmla="*/ 344 h 2344"/>
+              <a:gd name="T16" fmla="*/ 801 w 2344"/>
+              <a:gd name="T17" fmla="*/ 144 h 2344"/>
+              <a:gd name="T18" fmla="*/ 2266 w 2344"/>
+              <a:gd name="T19" fmla="*/ 503 h 2344"/>
+              <a:gd name="T20" fmla="*/ 1842 w 2344"/>
+              <a:gd name="T21" fmla="*/ 78 h 2344"/>
+              <a:gd name="T22" fmla="*/ 1559 w 2344"/>
+              <a:gd name="T23" fmla="*/ 78 h 2344"/>
+              <a:gd name="T24" fmla="*/ 1500 w 2344"/>
+              <a:gd name="T25" fmla="*/ 137 h 2344"/>
+              <a:gd name="T26" fmla="*/ 1135 w 2344"/>
+              <a:gd name="T27" fmla="*/ 503 h 2344"/>
+              <a:gd name="T28" fmla="*/ 1076 w 2344"/>
+              <a:gd name="T29" fmla="*/ 644 h 2344"/>
+              <a:gd name="T30" fmla="*/ 1135 w 2344"/>
+              <a:gd name="T31" fmla="*/ 785 h 2344"/>
+              <a:gd name="T32" fmla="*/ 1193 w 2344"/>
+              <a:gd name="T33" fmla="*/ 844 h 2344"/>
+              <a:gd name="T34" fmla="*/ 1500 w 2344"/>
+              <a:gd name="T35" fmla="*/ 1151 h 2344"/>
+              <a:gd name="T36" fmla="*/ 1559 w 2344"/>
+              <a:gd name="T37" fmla="*/ 1210 h 2344"/>
+              <a:gd name="T38" fmla="*/ 1842 w 2344"/>
+              <a:gd name="T39" fmla="*/ 1210 h 2344"/>
+              <a:gd name="T40" fmla="*/ 2208 w 2344"/>
+              <a:gd name="T41" fmla="*/ 844 h 2344"/>
+              <a:gd name="T42" fmla="*/ 2266 w 2344"/>
+              <a:gd name="T43" fmla="*/ 785 h 2344"/>
+              <a:gd name="T44" fmla="*/ 2266 w 2344"/>
+              <a:gd name="T45" fmla="*/ 503 h 2344"/>
+              <a:gd name="T46" fmla="*/ 801 w 2344"/>
+              <a:gd name="T47" fmla="*/ 1344 h 2344"/>
+              <a:gd name="T48" fmla="*/ 200 w 2344"/>
+              <a:gd name="T49" fmla="*/ 1344 h 2344"/>
+              <a:gd name="T50" fmla="*/ 0 w 2344"/>
+              <a:gd name="T51" fmla="*/ 1544 h 2344"/>
+              <a:gd name="T52" fmla="*/ 0 w 2344"/>
+              <a:gd name="T53" fmla="*/ 2144 h 2344"/>
+              <a:gd name="T54" fmla="*/ 200 w 2344"/>
+              <a:gd name="T55" fmla="*/ 2344 h 2344"/>
+              <a:gd name="T56" fmla="*/ 801 w 2344"/>
+              <a:gd name="T57" fmla="*/ 2344 h 2344"/>
+              <a:gd name="T58" fmla="*/ 1000 w 2344"/>
+              <a:gd name="T59" fmla="*/ 2144 h 2344"/>
+              <a:gd name="T60" fmla="*/ 1000 w 2344"/>
+              <a:gd name="T61" fmla="*/ 1544 h 2344"/>
+              <a:gd name="T62" fmla="*/ 801 w 2344"/>
+              <a:gd name="T63" fmla="*/ 1344 h 2344"/>
+              <a:gd name="T64" fmla="*/ 2001 w 2344"/>
+              <a:gd name="T65" fmla="*/ 1344 h 2344"/>
+              <a:gd name="T66" fmla="*/ 1400 w 2344"/>
+              <a:gd name="T67" fmla="*/ 1344 h 2344"/>
+              <a:gd name="T68" fmla="*/ 1200 w 2344"/>
+              <a:gd name="T69" fmla="*/ 1544 h 2344"/>
+              <a:gd name="T70" fmla="*/ 1200 w 2344"/>
+              <a:gd name="T71" fmla="*/ 2144 h 2344"/>
+              <a:gd name="T72" fmla="*/ 1400 w 2344"/>
+              <a:gd name="T73" fmla="*/ 2344 h 2344"/>
+              <a:gd name="T74" fmla="*/ 2001 w 2344"/>
+              <a:gd name="T75" fmla="*/ 2344 h 2344"/>
+              <a:gd name="T76" fmla="*/ 2200 w 2344"/>
+              <a:gd name="T77" fmla="*/ 2144 h 2344"/>
+              <a:gd name="T78" fmla="*/ 2200 w 2344"/>
+              <a:gd name="T79" fmla="*/ 1544 h 2344"/>
+              <a:gd name="T80" fmla="*/ 2001 w 2344"/>
+              <a:gd name="T81" fmla="*/ 1344 h 2344"/>
+            </a:gdLst>
+            <a:ahLst/>
+            <a:cxnLst>
+              <a:cxn ang="0">
+                <a:pos x="T0" y="T1"/>
+              </a:cxn>
+              <a:cxn ang="0">
+                <a:pos x="T2" y="T3"/>
+              </a:cxn>
+              <a:cxn ang="0">
+                <a:pos x="T4" y="T5"/>
+              </a:cxn>
+              <a:cxn ang="0">
+                <a:pos x="T6" y="T7"/>
+              </a:cxn>
+              <a:cxn ang="0">
+                <a:pos x="T8" y="T9"/>
+              </a:cxn>
+              <a:cxn ang="0">
+                <a:pos x="T10" y="T11"/>
+              </a:cxn>
+              <a:cxn ang="0">
+                <a:pos x="T12" y="T13"/>
+              </a:cxn>
+              <a:cxn ang="0">
+                <a:pos x="T14" y="T15"/>
+              </a:cxn>
+              <a:cxn ang="0">
+                <a:pos x="T16" y="T17"/>
+              </a:cxn>
+              <a:cxn ang="0">
+                <a:pos x="T18" y="T19"/>
+              </a:cxn>
+              <a:cxn ang="0">
+                <a:pos x="T20" y="T21"/>
+              </a:cxn>
+              <a:cxn ang="0">
+                <a:pos x="T22" y="T23"/>
+              </a:cxn>
+              <a:cxn ang="0">
+                <a:pos x="T24" y="T25"/>
+              </a:cxn>
+              <a:cxn ang="0">
+                <a:pos x="T26" y="T27"/>
+              </a:cxn>
+              <a:cxn ang="0">
+                <a:pos x="T28" y="T29"/>
+              </a:cxn>
+              <a:cxn ang="0">
+                <a:pos x="T30" y="T31"/>
+              </a:cxn>
+              <a:cxn ang="0">
+                <a:pos x="T32" y="T33"/>
+              </a:cxn>
+              <a:cxn ang="0">
+                <a:pos x="T34" y="T35"/>
+              </a:cxn>
+              <a:cxn ang="0">
+                <a:pos x="T36" y="T37"/>
+              </a:cxn>
+              <a:cxn ang="0">
+                <a:pos x="T38" y="T39"/>
+              </a:cxn>
+              <a:cxn ang="0">
+                <a:pos x="T40" y="T41"/>
+              </a:cxn>
+              <a:cxn ang="0">
+                <a:pos x="T42" y="T43"/>
+              </a:cxn>
+              <a:cxn ang="0">
+                <a:pos x="T44" y="T45"/>
+              </a:cxn>
+              <a:cxn ang="0">
+                <a:pos x="T46" y="T47"/>
+              </a:cxn>
+              <a:cxn ang="0">
+                <a:pos x="T48" y="T49"/>
+              </a:cxn>
+              <a:cxn ang="0">
+                <a:pos x="T50" y="T51"/>
+              </a:cxn>
+              <a:cxn ang="0">
+                <a:pos x="T52" y="T53"/>
+              </a:cxn>
+              <a:cxn ang="0">
+                <a:pos x="T54" y="T55"/>
+              </a:cxn>
+              <a:cxn ang="0">
+                <a:pos x="T56" y="T57"/>
+              </a:cxn>
+              <a:cxn ang="0">
+                <a:pos x="T58" y="T59"/>
+              </a:cxn>
+              <a:cxn ang="0">
+                <a:pos x="T60" y="T61"/>
+              </a:cxn>
+              <a:cxn ang="0">
+                <a:pos x="T62" y="T63"/>
+              </a:cxn>
+              <a:cxn ang="0">
+                <a:pos x="T64" y="T65"/>
+              </a:cxn>
+              <a:cxn ang="0">
+                <a:pos x="T66" y="T67"/>
+              </a:cxn>
+              <a:cxn ang="0">
+                <a:pos x="T68" y="T69"/>
+              </a:cxn>
+              <a:cxn ang="0">
+                <a:pos x="T70" y="T71"/>
+              </a:cxn>
+              <a:cxn ang="0">
+                <a:pos x="T72" y="T73"/>
+              </a:cxn>
+              <a:cxn ang="0">
+                <a:pos x="T74" y="T75"/>
+              </a:cxn>
+              <a:cxn ang="0">
+                <a:pos x="T76" y="T77"/>
+              </a:cxn>
+              <a:cxn ang="0">
+                <a:pos x="T78" y="T79"/>
+              </a:cxn>
+              <a:cxn ang="0">
+                <a:pos x="T80" y="T81"/>
+              </a:cxn>
+            </a:cxnLst>
+            <a:rect l="0" t="0" r="r" b="b"/>
+            <a:pathLst>
+              <a:path w="2344" h="2344">
+                <a:moveTo>
+                  <a:pt x="801" y="144"/>
+                </a:moveTo>
+                <a:lnTo>
+                  <a:pt x="200" y="144"/>
+                </a:lnTo>
+                <a:cubicBezTo>
+                  <a:pt x="90" y="144"/>
+                  <a:pt x="0" y="233"/>
+                  <a:pt x="0" y="344"/>
+                </a:cubicBezTo>
+                <a:lnTo>
+                  <a:pt x="0" y="944"/>
+                </a:lnTo>
+                <a:cubicBezTo>
+                  <a:pt x="1" y="1054"/>
+                  <a:pt x="90" y="1144"/>
+                  <a:pt x="200" y="1144"/>
+                </a:cubicBezTo>
+                <a:lnTo>
+                  <a:pt x="801" y="1144"/>
+                </a:lnTo>
+                <a:cubicBezTo>
+                  <a:pt x="911" y="1144"/>
+                  <a:pt x="1000" y="1054"/>
+                  <a:pt x="1000" y="944"/>
+                </a:cubicBezTo>
+                <a:lnTo>
+                  <a:pt x="1000" y="344"/>
+                </a:lnTo>
+                <a:cubicBezTo>
+                  <a:pt x="1000" y="233"/>
+                  <a:pt x="911" y="144"/>
+                  <a:pt x="801" y="144"/>
+                </a:cubicBezTo>
+                <a:moveTo>
+                  <a:pt x="2266" y="503"/>
+                </a:moveTo>
+                <a:lnTo>
+                  <a:pt x="1842" y="78"/>
+                </a:lnTo>
+                <a:cubicBezTo>
+                  <a:pt x="1764" y="0"/>
+                  <a:pt x="1637" y="0"/>
+                  <a:pt x="1559" y="78"/>
+                </a:cubicBezTo>
+                <a:lnTo>
+                  <a:pt x="1500" y="137"/>
+                </a:lnTo>
+                <a:lnTo>
+                  <a:pt x="1135" y="503"/>
+                </a:lnTo>
+                <a:cubicBezTo>
+                  <a:pt x="1097" y="540"/>
+                  <a:pt x="1076" y="591"/>
+                  <a:pt x="1076" y="644"/>
+                </a:cubicBezTo>
+                <a:cubicBezTo>
+                  <a:pt x="1076" y="697"/>
+                  <a:pt x="1097" y="748"/>
+                  <a:pt x="1135" y="785"/>
+                </a:cubicBezTo>
+                <a:lnTo>
+                  <a:pt x="1193" y="844"/>
+                </a:lnTo>
+                <a:lnTo>
+                  <a:pt x="1500" y="1151"/>
+                </a:lnTo>
+                <a:lnTo>
+                  <a:pt x="1559" y="1210"/>
+                </a:lnTo>
+                <a:cubicBezTo>
+                  <a:pt x="1637" y="1288"/>
+                  <a:pt x="1764" y="1288"/>
+                  <a:pt x="1842" y="1210"/>
+                </a:cubicBezTo>
+                <a:lnTo>
+                  <a:pt x="2208" y="844"/>
+                </a:lnTo>
+                <a:lnTo>
+                  <a:pt x="2266" y="785"/>
+                </a:lnTo>
+                <a:cubicBezTo>
+                  <a:pt x="2344" y="707"/>
+                  <a:pt x="2344" y="581"/>
+                  <a:pt x="2266" y="503"/>
+                </a:cubicBezTo>
+                <a:moveTo>
+                  <a:pt x="801" y="1344"/>
+                </a:moveTo>
+                <a:lnTo>
+                  <a:pt x="200" y="1344"/>
+                </a:lnTo>
+                <a:cubicBezTo>
+                  <a:pt x="90" y="1344"/>
+                  <a:pt x="0" y="1433"/>
+                  <a:pt x="0" y="1544"/>
+                </a:cubicBezTo>
+                <a:lnTo>
+                  <a:pt x="0" y="2144"/>
+                </a:lnTo>
+                <a:cubicBezTo>
+                  <a:pt x="1" y="2254"/>
+                  <a:pt x="90" y="2344"/>
+                  <a:pt x="200" y="2344"/>
+                </a:cubicBezTo>
+                <a:lnTo>
+                  <a:pt x="801" y="2344"/>
+                </a:lnTo>
+                <a:cubicBezTo>
+                  <a:pt x="911" y="2344"/>
+                  <a:pt x="1000" y="2254"/>
+                  <a:pt x="1000" y="2144"/>
+                </a:cubicBezTo>
+                <a:lnTo>
+                  <a:pt x="1000" y="1544"/>
+                </a:lnTo>
+                <a:cubicBezTo>
+                  <a:pt x="1000" y="1433"/>
+                  <a:pt x="911" y="1344"/>
+                  <a:pt x="801" y="1344"/>
+                </a:cubicBezTo>
+                <a:moveTo>
+                  <a:pt x="2001" y="1344"/>
+                </a:moveTo>
+                <a:lnTo>
+                  <a:pt x="1400" y="1344"/>
+                </a:lnTo>
+                <a:cubicBezTo>
+                  <a:pt x="1290" y="1344"/>
+                  <a:pt x="1200" y="1433"/>
+                  <a:pt x="1200" y="1544"/>
+                </a:cubicBezTo>
+                <a:lnTo>
+                  <a:pt x="1200" y="2144"/>
+                </a:lnTo>
+                <a:cubicBezTo>
+                  <a:pt x="1201" y="2254"/>
+                  <a:pt x="1290" y="2344"/>
+                  <a:pt x="1400" y="2344"/>
+                </a:cubicBezTo>
+                <a:lnTo>
+                  <a:pt x="2001" y="2344"/>
+                </a:lnTo>
+                <a:cubicBezTo>
+                  <a:pt x="2111" y="2344"/>
+                  <a:pt x="2200" y="2254"/>
+                  <a:pt x="2200" y="2144"/>
+                </a:cubicBezTo>
+                <a:lnTo>
+                  <a:pt x="2200" y="1544"/>
+                </a:lnTo>
+                <a:cubicBezTo>
+                  <a:pt x="2200" y="1433"/>
+                  <a:pt x="2111" y="1344"/>
+                  <a:pt x="2001" y="1344"/>
+                </a:cubicBezTo>
+              </a:path>
+            </a:pathLst>
+          </a:custGeom>
+          <a:gradFill>
+            <a:gsLst>
+              <a:gs pos="10000">
+                <a:schemeClr val="bg1">
+                  <a:alpha val="37034"/>
+                </a:schemeClr>
+              </a:gs>
+              <a:gs pos="99000">
+                <a:schemeClr val="bg1"/>
+              </a:gs>
+            </a:gsLst>
+            <a:lin ang="2700000" scaled="1"/>
+          </a:gradFill>
+          <a:ln w="0">
+            <a:noFill/>
+            <a:prstDash val="solid"/>
+            <a:round/>
+          </a:ln>
+        </p:spPr>
+        <p:txBody>
+          <a:bodyPr vert="horz" wrap="square" lIns="91440" tIns="45720" rIns="91440" bIns="45720" numCol="1" anchor="t" anchorCtr="0" compatLnSpc="1"/>
+          <a:p>
+            <a:pPr marL="0" marR="0" lvl="0" indent="0" algn="l" defTabSz="914400" rtl="0" eaLnBrk="1" fontAlgn="auto" latinLnBrk="0" hangingPunct="1">
+              <a:lnSpc>
+                <a:spcPct val="100000"/>
+              </a:lnSpc>
+              <a:spcBef>
+                <a:spcPts val="0"/>
+              </a:spcBef>
+              <a:spcAft>
+                <a:spcPts val="0"/>
+              </a:spcAft>
+              <a:buClrTx/>
+              <a:buSzTx/>
+              <a:buFontTx/>
+              <a:buNone/>
+              <a:defRPr/>
+            </a:pPr>
+            <a:endParaRPr kumimoji="0" lang="zh-CN" altLang="en-US" sz="1800" b="0" i="0" u="none" strike="noStrike" kern="1200" cap="none" spc="0" normalizeH="0" baseline="0" noProof="0">
+              <a:ln>
+                <a:noFill/>
+              </a:ln>
+              <a:solidFill>
+                <a:srgbClr val="000000"/>
+              </a:solidFill>
+              <a:effectLst/>
+              <a:uLnTx/>
+              <a:uFillTx/>
+              <a:latin typeface="Roboto Regular"/>
+              <a:ea typeface="思源黑体 CN Regular"/>
+              <a:cs typeface="+mn-cs"/>
+            </a:endParaRPr>
+          </a:p>
+        </p:txBody>
+      </p:sp>
+      <p:sp>
+        <p:nvSpPr>
+          <p:cNvPr id="9" name="文本框 8"/>
+          <p:cNvSpPr txBox="1"/>
+          <p:nvPr/>
+        </p:nvSpPr>
+        <p:spPr>
+          <a:xfrm>
+            <a:off x="1190625" y="2640965"/>
+            <a:ext cx="1692275" cy="368300"/>
+          </a:xfrm>
+          <a:prstGeom prst="rect">
+            <a:avLst/>
+          </a:prstGeom>
+          <a:noFill/>
+          <a:ln>
+            <a:solidFill>
+              <a:schemeClr val="accent1"/>
+            </a:solidFill>
+          </a:ln>
+        </p:spPr>
+        <p:txBody>
+          <a:bodyPr wrap="square" rtlCol="0" anchor="t">
+            <a:spAutoFit/>
+          </a:bodyPr>
+          <a:p>
+            <a:pPr algn="ctr"/>
+            <a:r>
+              <a:rPr lang="zh-CN" altLang="en-US" b="1">
+                <a:solidFill>
+                  <a:srgbClr val="4F7FBD"/>
+                </a:solidFill>
+                <a:latin typeface="Times New Roman" panose="02020603050405020304" pitchFamily="18" charset="0"/>
+                <a:sym typeface="+mn-ea"/>
+              </a:rPr>
+              <a:t>扫描器指纹库</a:t>
+            </a:r>
+            <a:endParaRPr lang="zh-CN" altLang="en-US" b="1">
+              <a:solidFill>
+                <a:srgbClr val="4F7FBD"/>
+              </a:solidFill>
+              <a:latin typeface="Times New Roman" panose="02020603050405020304" pitchFamily="18" charset="0"/>
+              <a:sym typeface="+mn-ea"/>
+            </a:endParaRPr>
+          </a:p>
+        </p:txBody>
+      </p:sp>
+      <p:grpSp>
+        <p:nvGrpSpPr>
+          <p:cNvPr id="10" name="组合 9"/>
+          <p:cNvGrpSpPr/>
+          <p:nvPr/>
+        </p:nvGrpSpPr>
+        <p:grpSpPr>
+          <a:xfrm>
+            <a:off x="6699885" y="1299210"/>
+            <a:ext cx="1997075" cy="3420110"/>
+            <a:chOff x="4353420" y="1947168"/>
+            <a:chExt cx="3487810" cy="4430199"/>
+          </a:xfrm>
+        </p:grpSpPr>
+        <p:sp>
+          <p:nvSpPr>
+            <p:cNvPr id="11" name="矩形: 圆角 3"/>
+            <p:cNvSpPr/>
+            <p:nvPr/>
+          </p:nvSpPr>
+          <p:spPr>
+            <a:xfrm>
+              <a:off x="4353420" y="1947168"/>
+              <a:ext cx="3487810" cy="4426600"/>
+            </a:xfrm>
+            <a:prstGeom prst="roundRect">
+              <a:avLst>
+                <a:gd name="adj" fmla="val 0"/>
+              </a:avLst>
+            </a:prstGeom>
+            <a:ln w="12700" cap="rnd">
+              <a:gradFill flip="none" rotWithShape="1">
+                <a:gsLst>
+                  <a:gs pos="0">
+                    <a:schemeClr val="accent4"/>
+                  </a:gs>
+                  <a:gs pos="46000">
+                    <a:schemeClr val="accent5"/>
+                  </a:gs>
+                  <a:gs pos="100000">
+                    <a:schemeClr val="accent6"/>
+                  </a:gs>
+                </a:gsLst>
+                <a:lin ang="13500000" scaled="1"/>
+                <a:tileRect/>
+              </a:gradFill>
+            </a:ln>
+          </p:spPr>
+          <p:style>
+            <a:lnRef idx="1">
+              <a:schemeClr val="accent1"/>
+            </a:lnRef>
+            <a:fillRef idx="0">
+              <a:schemeClr val="accent1"/>
+            </a:fillRef>
+            <a:effectRef idx="0">
+              <a:schemeClr val="accent1"/>
+            </a:effectRef>
+            <a:fontRef idx="minor">
+              <a:schemeClr val="tx1"/>
+            </a:fontRef>
+          </p:style>
+          <p:txBody>
+            <a:bodyPr rtlCol="0" anchor="ctr"/>
+            <a:p>
+              <a:pPr marL="0" marR="0" lvl="0" indent="0" algn="ctr" defTabSz="914400" rtl="0" eaLnBrk="1" fontAlgn="auto" latinLnBrk="0" hangingPunct="1">
+                <a:lnSpc>
+                  <a:spcPct val="100000"/>
+                </a:lnSpc>
+                <a:spcBef>
+                  <a:spcPts val="0"/>
+                </a:spcBef>
+                <a:spcAft>
+                  <a:spcPts val="0"/>
+                </a:spcAft>
+                <a:buClrTx/>
+                <a:buSzTx/>
+                <a:buFontTx/>
+                <a:buNone/>
+                <a:defRPr/>
+              </a:pPr>
+              <a:endParaRPr kumimoji="0" lang="zh-CN" altLang="en-US" sz="1800" b="0" i="0" u="none" strike="noStrike" kern="1200" cap="none" spc="0" normalizeH="0" baseline="0" noProof="0">
+                <a:ln>
+                  <a:noFill/>
+                </a:ln>
+                <a:solidFill>
+                  <a:prstClr val="white"/>
+                </a:solidFill>
+                <a:effectLst/>
+                <a:uLnTx/>
+                <a:uFillTx/>
+                <a:latin typeface="Roboto Regular"/>
+                <a:ea typeface="思源黑体 CN Regular"/>
+                <a:cs typeface="+mn-cs"/>
+              </a:endParaRPr>
+            </a:p>
+          </p:txBody>
+        </p:sp>
+        <p:sp>
+          <p:nvSpPr>
+            <p:cNvPr id="12" name="Rectangle 3"/>
+            <p:cNvSpPr/>
+            <p:nvPr/>
+          </p:nvSpPr>
+          <p:spPr>
+            <a:xfrm>
+              <a:off x="4353420" y="6331648"/>
+              <a:ext cx="3487810" cy="45719"/>
+            </a:xfrm>
+            <a:prstGeom prst="rect">
+              <a:avLst/>
+            </a:prstGeom>
+            <a:gradFill flip="none" rotWithShape="1">
+              <a:gsLst>
+                <a:gs pos="63000">
+                  <a:schemeClr val="accent5"/>
+                </a:gs>
+                <a:gs pos="99000">
+                  <a:schemeClr val="accent6"/>
+                </a:gs>
+                <a:gs pos="0">
+                  <a:schemeClr val="accent4"/>
+                </a:gs>
+              </a:gsLst>
+              <a:lin ang="10800000" scaled="1"/>
+              <a:tileRect/>
+            </a:gradFill>
+            <a:ln>
+              <a:noFill/>
+            </a:ln>
+          </p:spPr>
+          <p:style>
+            <a:lnRef idx="2">
+              <a:schemeClr val="accent1">
+                <a:shade val="50000"/>
+              </a:schemeClr>
+            </a:lnRef>
+            <a:fillRef idx="1">
+              <a:schemeClr val="accent1"/>
+            </a:fillRef>
+            <a:effectRef idx="0">
+              <a:schemeClr val="accent1"/>
+            </a:effectRef>
+            <a:fontRef idx="minor">
+              <a:schemeClr val="lt1"/>
+            </a:fontRef>
+          </p:style>
+          <p:txBody>
+            <a:bodyPr rtlCol="0" anchor="ctr"/>
+            <a:p>
+              <a:pPr marL="0" marR="0" lvl="0" indent="0" algn="ctr" defTabSz="914400" rtl="0" eaLnBrk="1" fontAlgn="auto" latinLnBrk="0" hangingPunct="1">
+                <a:lnSpc>
+                  <a:spcPct val="100000"/>
+                </a:lnSpc>
+                <a:spcBef>
+                  <a:spcPts val="0"/>
+                </a:spcBef>
+                <a:spcAft>
+                  <a:spcPts val="0"/>
+                </a:spcAft>
+                <a:buClrTx/>
+                <a:buSzTx/>
+                <a:buFontTx/>
+                <a:buNone/>
+                <a:defRPr/>
+              </a:pPr>
+              <a:endParaRPr kumimoji="0" lang="id-ID" sz="1800" b="0" i="0" u="none" strike="noStrike" kern="1200" cap="none" spc="0" normalizeH="0" baseline="0" noProof="0">
+                <a:ln>
+                  <a:noFill/>
+                </a:ln>
+                <a:solidFill>
+                  <a:prstClr val="white"/>
+                </a:solidFill>
+                <a:effectLst/>
+                <a:uLnTx/>
+                <a:uFillTx/>
+                <a:latin typeface="Roboto Regular"/>
+                <a:ea typeface="+mn-ea"/>
+                <a:cs typeface="+mn-cs"/>
+              </a:endParaRPr>
+            </a:p>
+          </p:txBody>
+        </p:sp>
+      </p:grpSp>
+      <p:sp>
+        <p:nvSpPr>
+          <p:cNvPr id="13" name="流程图: 手动输入 1"/>
+          <p:cNvSpPr/>
+          <p:nvPr/>
+        </p:nvSpPr>
+        <p:spPr bwMode="auto">
+          <a:xfrm rot="16200000">
+            <a:off x="8101330" y="1107440"/>
+            <a:ext cx="354330" cy="734060"/>
+          </a:xfrm>
+          <a:prstGeom prst="flowChartManualInput">
+            <a:avLst/>
+          </a:prstGeom>
+          <a:gradFill flip="none" rotWithShape="1">
+            <a:gsLst>
+              <a:gs pos="0">
+                <a:srgbClr val="007BD3"/>
+              </a:gs>
+              <a:gs pos="100000">
+                <a:srgbClr val="034373"/>
+              </a:gs>
+            </a:gsLst>
+            <a:lin ang="2700000" scaled="0"/>
+          </a:gradFill>
+          <a:ln>
+            <a:noFill/>
+          </a:ln>
+          <a:effectLst/>
+        </p:spPr>
+        <p:txBody>
+          <a:bodyPr vert="horz" wrap="square" lIns="91440" tIns="45720" rIns="91440" bIns="45720" numCol="1" rtlCol="0" anchor="t" anchorCtr="0" compatLnSpc="1">
+            <a:noAutofit/>
+          </a:bodyPr>
+          <a:p>
+            <a:pPr marL="0" marR="0" lvl="0" indent="0" algn="ctr" defTabSz="914400" rtl="0" eaLnBrk="1" fontAlgn="auto" latinLnBrk="0" hangingPunct="1">
+              <a:lnSpc>
+                <a:spcPct val="100000"/>
+              </a:lnSpc>
+              <a:spcBef>
+                <a:spcPts val="0"/>
+              </a:spcBef>
+              <a:spcAft>
+                <a:spcPts val="0"/>
+              </a:spcAft>
+              <a:buClrTx/>
+              <a:buSzTx/>
+              <a:buFontTx/>
+              <a:buNone/>
+              <a:defRPr/>
+            </a:pPr>
+            <a:endParaRPr kumimoji="0" lang="zh-CN" altLang="en-US" sz="1800" b="0" i="0" u="none" strike="noStrike" kern="1200" cap="none" spc="0" normalizeH="0" baseline="0" noProof="0" dirty="0">
+              <a:ln>
+                <a:noFill/>
+              </a:ln>
+              <a:solidFill>
+                <a:srgbClr val="262626"/>
+              </a:solidFill>
+              <a:effectLst/>
+              <a:uLnTx/>
+              <a:uFillTx/>
+              <a:latin typeface="Arial" panose="020B0604020202020204"/>
+              <a:ea typeface="黑体" panose="02010609060101010101" charset="-122"/>
+              <a:cs typeface="+mn-cs"/>
+            </a:endParaRPr>
+          </a:p>
+        </p:txBody>
+      </p:sp>
+      <p:sp>
+        <p:nvSpPr>
+          <p:cNvPr id="14" name="TextBox 7"/>
+          <p:cNvSpPr txBox="1"/>
+          <p:nvPr/>
+        </p:nvSpPr>
+        <p:spPr>
+          <a:xfrm>
+            <a:off x="6517005" y="1320165"/>
+            <a:ext cx="1606550" cy="306705"/>
+          </a:xfrm>
+          <a:prstGeom prst="rect">
+            <a:avLst/>
+          </a:prstGeom>
+          <a:noFill/>
+        </p:spPr>
+        <p:txBody>
+          <a:bodyPr wrap="square">
+            <a:spAutoFit/>
+          </a:bodyPr>
+          <a:p>
+            <a:pPr marL="0" marR="0" lvl="0" algn="ctr" defTabSz="914400" rtl="0" eaLnBrk="1" fontAlgn="auto" latinLnBrk="0" hangingPunct="1">
+              <a:lnSpc>
+                <a:spcPct val="100000"/>
+              </a:lnSpc>
+              <a:spcBef>
+                <a:spcPts val="0"/>
+              </a:spcBef>
+              <a:spcAft>
+                <a:spcPts val="0"/>
+              </a:spcAft>
+              <a:buClrTx/>
+              <a:buSzTx/>
+              <a:buFontTx/>
+              <a:buNone/>
+              <a:defRPr/>
+            </a:pPr>
+            <a:r>
+              <a:rPr lang="zh-CN" altLang="en-US" sz="1400" b="1" noProof="0" dirty="0">
+                <a:ln>
+                  <a:noFill/>
+                </a:ln>
+                <a:solidFill>
+                  <a:srgbClr val="0369CB"/>
+                </a:solidFill>
+                <a:effectLst/>
+                <a:uLnTx/>
+                <a:uFillTx/>
+                <a:latin typeface="微软雅黑" panose="020B0503020204020204" charset="-122"/>
+                <a:ea typeface="微软雅黑" panose="020B0503020204020204" charset="-122"/>
+                <a:cs typeface="+mn-ea"/>
+                <a:sym typeface="+mn-ea"/>
+              </a:rPr>
+              <a:t>工程实现</a:t>
+            </a:r>
+            <a:endParaRPr kumimoji="0" lang="zh-CN" altLang="en-US" sz="1400" b="1" i="0" u="none" strike="noStrike" kern="1200" cap="none" spc="0" normalizeH="0" baseline="0" noProof="0" dirty="0">
+              <a:ln>
+                <a:noFill/>
+              </a:ln>
+              <a:solidFill>
+                <a:srgbClr val="0369CB"/>
+              </a:solidFill>
+              <a:effectLst/>
+              <a:uLnTx/>
+              <a:uFillTx/>
+              <a:latin typeface="微软雅黑" panose="020B0503020204020204" charset="-122"/>
+              <a:ea typeface="微软雅黑" panose="020B0503020204020204" charset="-122"/>
+              <a:cs typeface="+mn-ea"/>
+              <a:sym typeface="+mn-lt"/>
+            </a:endParaRPr>
+          </a:p>
+        </p:txBody>
+      </p:sp>
+      <p:sp>
+        <p:nvSpPr>
+          <p:cNvPr id="115" name="Freeform 13"/>
+          <p:cNvSpPr>
+            <a:spLocks noEditPoints="1"/>
+          </p:cNvSpPr>
+          <p:nvPr/>
+        </p:nvSpPr>
+        <p:spPr bwMode="auto">
+          <a:xfrm>
+            <a:off x="8157845" y="1320165"/>
+            <a:ext cx="295275" cy="331470"/>
+          </a:xfrm>
+          <a:custGeom>
+            <a:avLst/>
+            <a:gdLst>
+              <a:gd name="T0" fmla="*/ 2078 w 3198"/>
+              <a:gd name="T1" fmla="*/ 3199 h 3199"/>
+              <a:gd name="T2" fmla="*/ 1927 w 3198"/>
+              <a:gd name="T3" fmla="*/ 3131 h 3199"/>
+              <a:gd name="T4" fmla="*/ 1590 w 3198"/>
+              <a:gd name="T5" fmla="*/ 2923 h 3199"/>
+              <a:gd name="T6" fmla="*/ 1256 w 3198"/>
+              <a:gd name="T7" fmla="*/ 3127 h 3199"/>
+              <a:gd name="T8" fmla="*/ 1106 w 3198"/>
+              <a:gd name="T9" fmla="*/ 3194 h 3199"/>
+              <a:gd name="T10" fmla="*/ 1029 w 3198"/>
+              <a:gd name="T11" fmla="*/ 3177 h 3199"/>
+              <a:gd name="T12" fmla="*/ 1025 w 3198"/>
+              <a:gd name="T13" fmla="*/ 3175 h 3199"/>
+              <a:gd name="T14" fmla="*/ 633 w 3198"/>
+              <a:gd name="T15" fmla="*/ 2943 h 3199"/>
+              <a:gd name="T16" fmla="*/ 629 w 3198"/>
+              <a:gd name="T17" fmla="*/ 2940 h 3199"/>
+              <a:gd name="T18" fmla="*/ 565 w 3198"/>
+              <a:gd name="T19" fmla="*/ 2699 h 3199"/>
+              <a:gd name="T20" fmla="*/ 602 w 3198"/>
+              <a:gd name="T21" fmla="*/ 2531 h 3199"/>
+              <a:gd name="T22" fmla="*/ 186 w 3198"/>
+              <a:gd name="T23" fmla="*/ 2090 h 3199"/>
+              <a:gd name="T24" fmla="*/ 169 w 3198"/>
+              <a:gd name="T25" fmla="*/ 2090 h 3199"/>
+              <a:gd name="T26" fmla="*/ 33 w 3198"/>
+              <a:gd name="T27" fmla="*/ 1933 h 3199"/>
+              <a:gd name="T28" fmla="*/ 0 w 3198"/>
+              <a:gd name="T29" fmla="*/ 1601 h 3199"/>
+              <a:gd name="T30" fmla="*/ 33 w 3198"/>
+              <a:gd name="T31" fmla="*/ 1269 h 3199"/>
+              <a:gd name="T32" fmla="*/ 172 w 3198"/>
+              <a:gd name="T33" fmla="*/ 1112 h 3199"/>
+              <a:gd name="T34" fmla="*/ 186 w 3198"/>
+              <a:gd name="T35" fmla="*/ 1112 h 3199"/>
+              <a:gd name="T36" fmla="*/ 602 w 3198"/>
+              <a:gd name="T37" fmla="*/ 671 h 3199"/>
+              <a:gd name="T38" fmla="*/ 565 w 3198"/>
+              <a:gd name="T39" fmla="*/ 503 h 3199"/>
+              <a:gd name="T40" fmla="*/ 629 w 3198"/>
+              <a:gd name="T41" fmla="*/ 262 h 3199"/>
+              <a:gd name="T42" fmla="*/ 633 w 3198"/>
+              <a:gd name="T43" fmla="*/ 259 h 3199"/>
+              <a:gd name="T44" fmla="*/ 1047 w 3198"/>
+              <a:gd name="T45" fmla="*/ 18 h 3199"/>
+              <a:gd name="T46" fmla="*/ 1052 w 3198"/>
+              <a:gd name="T47" fmla="*/ 16 h 3199"/>
+              <a:gd name="T48" fmla="*/ 1127 w 3198"/>
+              <a:gd name="T49" fmla="*/ 0 h 3199"/>
+              <a:gd name="T50" fmla="*/ 1278 w 3198"/>
+              <a:gd name="T51" fmla="*/ 66 h 3199"/>
+              <a:gd name="T52" fmla="*/ 1607 w 3198"/>
+              <a:gd name="T53" fmla="*/ 262 h 3199"/>
+              <a:gd name="T54" fmla="*/ 1934 w 3198"/>
+              <a:gd name="T55" fmla="*/ 70 h 3199"/>
+              <a:gd name="T56" fmla="*/ 2084 w 3198"/>
+              <a:gd name="T57" fmla="*/ 5 h 3199"/>
+              <a:gd name="T58" fmla="*/ 2161 w 3198"/>
+              <a:gd name="T59" fmla="*/ 22 h 3199"/>
+              <a:gd name="T60" fmla="*/ 2165 w 3198"/>
+              <a:gd name="T61" fmla="*/ 24 h 3199"/>
+              <a:gd name="T62" fmla="*/ 2565 w 3198"/>
+              <a:gd name="T63" fmla="*/ 259 h 3199"/>
+              <a:gd name="T64" fmla="*/ 2569 w 3198"/>
+              <a:gd name="T65" fmla="*/ 262 h 3199"/>
+              <a:gd name="T66" fmla="*/ 2632 w 3198"/>
+              <a:gd name="T67" fmla="*/ 503 h 3199"/>
+              <a:gd name="T68" fmla="*/ 2596 w 3198"/>
+              <a:gd name="T69" fmla="*/ 671 h 3199"/>
+              <a:gd name="T70" fmla="*/ 3012 w 3198"/>
+              <a:gd name="T71" fmla="*/ 1112 h 3199"/>
+              <a:gd name="T72" fmla="*/ 3026 w 3198"/>
+              <a:gd name="T73" fmla="*/ 1112 h 3199"/>
+              <a:gd name="T74" fmla="*/ 3165 w 3198"/>
+              <a:gd name="T75" fmla="*/ 1269 h 3199"/>
+              <a:gd name="T76" fmla="*/ 3198 w 3198"/>
+              <a:gd name="T77" fmla="*/ 1601 h 3199"/>
+              <a:gd name="T78" fmla="*/ 3165 w 3198"/>
+              <a:gd name="T79" fmla="*/ 1933 h 3199"/>
+              <a:gd name="T80" fmla="*/ 3026 w 3198"/>
+              <a:gd name="T81" fmla="*/ 2090 h 3199"/>
+              <a:gd name="T82" fmla="*/ 3012 w 3198"/>
+              <a:gd name="T83" fmla="*/ 2090 h 3199"/>
+              <a:gd name="T84" fmla="*/ 2596 w 3198"/>
+              <a:gd name="T85" fmla="*/ 2531 h 3199"/>
+              <a:gd name="T86" fmla="*/ 2632 w 3198"/>
+              <a:gd name="T87" fmla="*/ 2699 h 3199"/>
+              <a:gd name="T88" fmla="*/ 2569 w 3198"/>
+              <a:gd name="T89" fmla="*/ 2940 h 3199"/>
+              <a:gd name="T90" fmla="*/ 2565 w 3198"/>
+              <a:gd name="T91" fmla="*/ 2943 h 3199"/>
+              <a:gd name="T92" fmla="*/ 2158 w 3198"/>
+              <a:gd name="T93" fmla="*/ 3181 h 3199"/>
+              <a:gd name="T94" fmla="*/ 2154 w 3198"/>
+              <a:gd name="T95" fmla="*/ 3183 h 3199"/>
+              <a:gd name="T96" fmla="*/ 2078 w 3198"/>
+              <a:gd name="T97" fmla="*/ 3199 h 3199"/>
+              <a:gd name="T98" fmla="*/ 1592 w 3198"/>
+              <a:gd name="T99" fmla="*/ 2185 h 3199"/>
+              <a:gd name="T100" fmla="*/ 2146 w 3198"/>
+              <a:gd name="T101" fmla="*/ 1599 h 3199"/>
+              <a:gd name="T102" fmla="*/ 1592 w 3198"/>
+              <a:gd name="T103" fmla="*/ 1012 h 3199"/>
+              <a:gd name="T104" fmla="*/ 1038 w 3198"/>
+              <a:gd name="T105" fmla="*/ 1599 h 3199"/>
+              <a:gd name="T106" fmla="*/ 1592 w 3198"/>
+              <a:gd name="T107" fmla="*/ 2185 h 3199"/>
+            </a:gdLst>
+            <a:ahLst/>
+            <a:cxnLst>
+              <a:cxn ang="0">
+                <a:pos x="T0" y="T1"/>
+              </a:cxn>
+              <a:cxn ang="0">
+                <a:pos x="T2" y="T3"/>
+              </a:cxn>
+              <a:cxn ang="0">
+                <a:pos x="T4" y="T5"/>
+              </a:cxn>
+              <a:cxn ang="0">
+                <a:pos x="T6" y="T7"/>
+              </a:cxn>
+              <a:cxn ang="0">
+                <a:pos x="T8" y="T9"/>
+              </a:cxn>
+              <a:cxn ang="0">
+                <a:pos x="T10" y="T11"/>
+              </a:cxn>
+              <a:cxn ang="0">
+                <a:pos x="T12" y="T13"/>
+              </a:cxn>
+              <a:cxn ang="0">
+                <a:pos x="T14" y="T15"/>
+              </a:cxn>
+              <a:cxn ang="0">
+                <a:pos x="T16" y="T17"/>
+              </a:cxn>
+              <a:cxn ang="0">
+                <a:pos x="T18" y="T19"/>
+              </a:cxn>
+              <a:cxn ang="0">
+                <a:pos x="T20" y="T21"/>
+              </a:cxn>
+              <a:cxn ang="0">
+                <a:pos x="T22" y="T23"/>
+              </a:cxn>
+              <a:cxn ang="0">
+                <a:pos x="T24" y="T25"/>
+              </a:cxn>
+              <a:cxn ang="0">
+                <a:pos x="T26" y="T27"/>
+              </a:cxn>
+              <a:cxn ang="0">
+                <a:pos x="T28" y="T29"/>
+              </a:cxn>
+              <a:cxn ang="0">
+                <a:pos x="T30" y="T31"/>
+              </a:cxn>
+              <a:cxn ang="0">
+                <a:pos x="T32" y="T33"/>
+              </a:cxn>
+              <a:cxn ang="0">
+                <a:pos x="T34" y="T35"/>
+              </a:cxn>
+              <a:cxn ang="0">
+                <a:pos x="T36" y="T37"/>
+              </a:cxn>
+              <a:cxn ang="0">
+                <a:pos x="T38" y="T39"/>
+              </a:cxn>
+              <a:cxn ang="0">
+                <a:pos x="T40" y="T41"/>
+              </a:cxn>
+              <a:cxn ang="0">
+                <a:pos x="T42" y="T43"/>
+              </a:cxn>
+              <a:cxn ang="0">
+                <a:pos x="T44" y="T45"/>
+              </a:cxn>
+              <a:cxn ang="0">
+                <a:pos x="T46" y="T47"/>
+              </a:cxn>
+              <a:cxn ang="0">
+                <a:pos x="T48" y="T49"/>
+              </a:cxn>
+              <a:cxn ang="0">
+                <a:pos x="T50" y="T51"/>
+              </a:cxn>
+              <a:cxn ang="0">
+                <a:pos x="T52" y="T53"/>
+              </a:cxn>
+              <a:cxn ang="0">
+                <a:pos x="T54" y="T55"/>
+              </a:cxn>
+              <a:cxn ang="0">
+                <a:pos x="T56" y="T57"/>
+              </a:cxn>
+              <a:cxn ang="0">
+                <a:pos x="T58" y="T59"/>
+              </a:cxn>
+              <a:cxn ang="0">
+                <a:pos x="T60" y="T61"/>
+              </a:cxn>
+              <a:cxn ang="0">
+                <a:pos x="T62" y="T63"/>
+              </a:cxn>
+              <a:cxn ang="0">
+                <a:pos x="T64" y="T65"/>
+              </a:cxn>
+              <a:cxn ang="0">
+                <a:pos x="T66" y="T67"/>
+              </a:cxn>
+              <a:cxn ang="0">
+                <a:pos x="T68" y="T69"/>
+              </a:cxn>
+              <a:cxn ang="0">
+                <a:pos x="T70" y="T71"/>
+              </a:cxn>
+              <a:cxn ang="0">
+                <a:pos x="T72" y="T73"/>
+              </a:cxn>
+              <a:cxn ang="0">
+                <a:pos x="T74" y="T75"/>
+              </a:cxn>
+              <a:cxn ang="0">
+                <a:pos x="T76" y="T77"/>
+              </a:cxn>
+              <a:cxn ang="0">
+                <a:pos x="T78" y="T79"/>
+              </a:cxn>
+              <a:cxn ang="0">
+                <a:pos x="T80" y="T81"/>
+              </a:cxn>
+              <a:cxn ang="0">
+                <a:pos x="T82" y="T83"/>
+              </a:cxn>
+              <a:cxn ang="0">
+                <a:pos x="T84" y="T85"/>
+              </a:cxn>
+              <a:cxn ang="0">
+                <a:pos x="T86" y="T87"/>
+              </a:cxn>
+              <a:cxn ang="0">
+                <a:pos x="T88" y="T89"/>
+              </a:cxn>
+              <a:cxn ang="0">
+                <a:pos x="T90" y="T91"/>
+              </a:cxn>
+              <a:cxn ang="0">
+                <a:pos x="T92" y="T93"/>
+              </a:cxn>
+              <a:cxn ang="0">
+                <a:pos x="T94" y="T95"/>
+              </a:cxn>
+              <a:cxn ang="0">
+                <a:pos x="T96" y="T97"/>
+              </a:cxn>
+              <a:cxn ang="0">
+                <a:pos x="T98" y="T99"/>
+              </a:cxn>
+              <a:cxn ang="0">
+                <a:pos x="T100" y="T101"/>
+              </a:cxn>
+              <a:cxn ang="0">
+                <a:pos x="T102" y="T103"/>
+              </a:cxn>
+              <a:cxn ang="0">
+                <a:pos x="T104" y="T105"/>
+              </a:cxn>
+              <a:cxn ang="0">
+                <a:pos x="T106" y="T107"/>
+              </a:cxn>
+            </a:cxnLst>
+            <a:rect l="0" t="0" r="r" b="b"/>
+            <a:pathLst>
+              <a:path w="3198" h="3199">
+                <a:moveTo>
+                  <a:pt x="2078" y="3199"/>
+                </a:moveTo>
+                <a:cubicBezTo>
+                  <a:pt x="2020" y="3199"/>
+                  <a:pt x="1964" y="3174"/>
+                  <a:pt x="1927" y="3131"/>
+                </a:cubicBezTo>
+                <a:cubicBezTo>
+                  <a:pt x="1877" y="3073"/>
+                  <a:pt x="1720" y="2923"/>
+                  <a:pt x="1590" y="2923"/>
+                </a:cubicBezTo>
+                <a:cubicBezTo>
+                  <a:pt x="1462" y="2923"/>
+                  <a:pt x="1302" y="3074"/>
+                  <a:pt x="1256" y="3127"/>
+                </a:cubicBezTo>
+                <a:cubicBezTo>
+                  <a:pt x="1218" y="3170"/>
+                  <a:pt x="1163" y="3194"/>
+                  <a:pt x="1106" y="3194"/>
+                </a:cubicBezTo>
+                <a:cubicBezTo>
+                  <a:pt x="1079" y="3194"/>
+                  <a:pt x="1053" y="3188"/>
+                  <a:pt x="1029" y="3177"/>
+                </a:cubicBezTo>
+                <a:lnTo>
+                  <a:pt x="1025" y="3175"/>
+                </a:lnTo>
+                <a:lnTo>
+                  <a:pt x="633" y="2943"/>
+                </a:lnTo>
+                <a:lnTo>
+                  <a:pt x="629" y="2940"/>
+                </a:lnTo>
+                <a:cubicBezTo>
+                  <a:pt x="557" y="2887"/>
+                  <a:pt x="530" y="2784"/>
+                  <a:pt x="565" y="2699"/>
+                </a:cubicBezTo>
+                <a:cubicBezTo>
+                  <a:pt x="566" y="2699"/>
+                  <a:pt x="602" y="2611"/>
+                  <a:pt x="602" y="2531"/>
+                </a:cubicBezTo>
+                <a:cubicBezTo>
+                  <a:pt x="602" y="2288"/>
+                  <a:pt x="415" y="2090"/>
+                  <a:pt x="186" y="2090"/>
+                </a:cubicBezTo>
+                <a:lnTo>
+                  <a:pt x="169" y="2090"/>
+                </a:lnTo>
+                <a:cubicBezTo>
+                  <a:pt x="104" y="2090"/>
+                  <a:pt x="50" y="2029"/>
+                  <a:pt x="33" y="1933"/>
+                </a:cubicBezTo>
+                <a:cubicBezTo>
+                  <a:pt x="32" y="1925"/>
+                  <a:pt x="0" y="1744"/>
+                  <a:pt x="0" y="1601"/>
+                </a:cubicBezTo>
+                <a:cubicBezTo>
+                  <a:pt x="0" y="1458"/>
+                  <a:pt x="32" y="1277"/>
+                  <a:pt x="33" y="1269"/>
+                </a:cubicBezTo>
+                <a:cubicBezTo>
+                  <a:pt x="50" y="1172"/>
+                  <a:pt x="105" y="1110"/>
+                  <a:pt x="172" y="1112"/>
+                </a:cubicBezTo>
+                <a:lnTo>
+                  <a:pt x="186" y="1112"/>
+                </a:lnTo>
+                <a:cubicBezTo>
+                  <a:pt x="415" y="1112"/>
+                  <a:pt x="602" y="914"/>
+                  <a:pt x="602" y="671"/>
+                </a:cubicBezTo>
+                <a:cubicBezTo>
+                  <a:pt x="602" y="591"/>
+                  <a:pt x="566" y="504"/>
+                  <a:pt x="565" y="503"/>
+                </a:cubicBezTo>
+                <a:cubicBezTo>
+                  <a:pt x="530" y="418"/>
+                  <a:pt x="557" y="315"/>
+                  <a:pt x="629" y="262"/>
+                </a:cubicBezTo>
+                <a:lnTo>
+                  <a:pt x="633" y="259"/>
+                </a:lnTo>
+                <a:lnTo>
+                  <a:pt x="1047" y="18"/>
+                </a:lnTo>
+                <a:lnTo>
+                  <a:pt x="1052" y="16"/>
+                </a:lnTo>
+                <a:cubicBezTo>
+                  <a:pt x="1075" y="6"/>
+                  <a:pt x="1100" y="0"/>
+                  <a:pt x="1127" y="0"/>
+                </a:cubicBezTo>
+                <a:cubicBezTo>
+                  <a:pt x="1185" y="0"/>
+                  <a:pt x="1241" y="25"/>
+                  <a:pt x="1278" y="66"/>
+                </a:cubicBezTo>
+                <a:cubicBezTo>
+                  <a:pt x="1327" y="120"/>
+                  <a:pt x="1482" y="262"/>
+                  <a:pt x="1607" y="262"/>
+                </a:cubicBezTo>
+                <a:cubicBezTo>
+                  <a:pt x="1731" y="262"/>
+                  <a:pt x="1885" y="123"/>
+                  <a:pt x="1934" y="70"/>
+                </a:cubicBezTo>
+                <a:cubicBezTo>
+                  <a:pt x="1973" y="29"/>
+                  <a:pt x="2027" y="5"/>
+                  <a:pt x="2084" y="5"/>
+                </a:cubicBezTo>
+                <a:cubicBezTo>
+                  <a:pt x="2111" y="5"/>
+                  <a:pt x="2137" y="11"/>
+                  <a:pt x="2161" y="22"/>
+                </a:cubicBezTo>
+                <a:lnTo>
+                  <a:pt x="2165" y="24"/>
+                </a:lnTo>
+                <a:lnTo>
+                  <a:pt x="2565" y="259"/>
+                </a:lnTo>
+                <a:lnTo>
+                  <a:pt x="2569" y="262"/>
+                </a:lnTo>
+                <a:cubicBezTo>
+                  <a:pt x="2641" y="315"/>
+                  <a:pt x="2668" y="419"/>
+                  <a:pt x="2632" y="503"/>
+                </a:cubicBezTo>
+                <a:cubicBezTo>
+                  <a:pt x="2632" y="504"/>
+                  <a:pt x="2596" y="591"/>
+                  <a:pt x="2596" y="671"/>
+                </a:cubicBezTo>
+                <a:cubicBezTo>
+                  <a:pt x="2596" y="914"/>
+                  <a:pt x="2783" y="1112"/>
+                  <a:pt x="3012" y="1112"/>
+                </a:cubicBezTo>
+                <a:lnTo>
+                  <a:pt x="3026" y="1112"/>
+                </a:lnTo>
+                <a:cubicBezTo>
+                  <a:pt x="3093" y="1110"/>
+                  <a:pt x="3147" y="1172"/>
+                  <a:pt x="3165" y="1269"/>
+                </a:cubicBezTo>
+                <a:cubicBezTo>
+                  <a:pt x="3166" y="1277"/>
+                  <a:pt x="3198" y="1458"/>
+                  <a:pt x="3198" y="1601"/>
+                </a:cubicBezTo>
+                <a:cubicBezTo>
+                  <a:pt x="3198" y="1744"/>
+                  <a:pt x="3166" y="1925"/>
+                  <a:pt x="3165" y="1933"/>
+                </a:cubicBezTo>
+                <a:cubicBezTo>
+                  <a:pt x="3147" y="2030"/>
+                  <a:pt x="3093" y="2092"/>
+                  <a:pt x="3026" y="2090"/>
+                </a:cubicBezTo>
+                <a:lnTo>
+                  <a:pt x="3012" y="2090"/>
+                </a:lnTo>
+                <a:cubicBezTo>
+                  <a:pt x="2783" y="2090"/>
+                  <a:pt x="2596" y="2288"/>
+                  <a:pt x="2596" y="2531"/>
+                </a:cubicBezTo>
+                <a:cubicBezTo>
+                  <a:pt x="2596" y="2611"/>
+                  <a:pt x="2632" y="2699"/>
+                  <a:pt x="2632" y="2699"/>
+                </a:cubicBezTo>
+                <a:cubicBezTo>
+                  <a:pt x="2668" y="2784"/>
+                  <a:pt x="2640" y="2887"/>
+                  <a:pt x="2569" y="2940"/>
+                </a:cubicBezTo>
+                <a:lnTo>
+                  <a:pt x="2565" y="2943"/>
+                </a:lnTo>
+                <a:lnTo>
+                  <a:pt x="2158" y="3181"/>
+                </a:lnTo>
+                <a:lnTo>
+                  <a:pt x="2154" y="3183"/>
+                </a:lnTo>
+                <a:cubicBezTo>
+                  <a:pt x="2131" y="3194"/>
+                  <a:pt x="2105" y="3199"/>
+                  <a:pt x="2078" y="3199"/>
+                </a:cubicBezTo>
+                <a:close/>
+                <a:moveTo>
+                  <a:pt x="1592" y="2185"/>
+                </a:moveTo>
+                <a:cubicBezTo>
+                  <a:pt x="1897" y="2185"/>
+                  <a:pt x="2146" y="1922"/>
+                  <a:pt x="2146" y="1599"/>
+                </a:cubicBezTo>
+                <a:cubicBezTo>
+                  <a:pt x="2146" y="1275"/>
+                  <a:pt x="1897" y="1012"/>
+                  <a:pt x="1592" y="1012"/>
+                </a:cubicBezTo>
+                <a:cubicBezTo>
+                  <a:pt x="1286" y="1012"/>
+                  <a:pt x="1038" y="1275"/>
+                  <a:pt x="1038" y="1599"/>
+                </a:cubicBezTo>
+                <a:cubicBezTo>
+                  <a:pt x="1038" y="1922"/>
+                  <a:pt x="1286" y="2185"/>
+                  <a:pt x="1592" y="2185"/>
+                </a:cubicBezTo>
+                <a:close/>
+              </a:path>
+            </a:pathLst>
+          </a:custGeom>
+          <a:gradFill>
+            <a:gsLst>
+              <a:gs pos="15000">
+                <a:schemeClr val="bg1">
+                  <a:alpha val="29000"/>
+                </a:schemeClr>
+              </a:gs>
+              <a:gs pos="100000">
+                <a:schemeClr val="bg1"/>
+              </a:gs>
+            </a:gsLst>
+            <a:lin ang="2700000" scaled="1"/>
+          </a:gradFill>
+          <a:ln w="0">
+            <a:noFill/>
+            <a:prstDash val="solid"/>
+            <a:round/>
+          </a:ln>
+        </p:spPr>
+        <p:txBody>
+          <a:bodyPr vert="horz" wrap="square" lIns="91440" tIns="45720" rIns="91440" bIns="45720" numCol="1" anchor="t" anchorCtr="0" compatLnSpc="1"/>
+          <a:p>
+            <a:pPr marL="0" marR="0" lvl="0" indent="0" algn="l" defTabSz="914400" rtl="0" eaLnBrk="1" fontAlgn="auto" latinLnBrk="0" hangingPunct="1">
+              <a:lnSpc>
+                <a:spcPct val="100000"/>
+              </a:lnSpc>
+              <a:spcBef>
+                <a:spcPts val="0"/>
+              </a:spcBef>
+              <a:spcAft>
+                <a:spcPts val="0"/>
+              </a:spcAft>
+              <a:buClrTx/>
+              <a:buSzTx/>
+              <a:buFontTx/>
+              <a:buNone/>
+              <a:defRPr/>
+            </a:pPr>
+            <a:endParaRPr kumimoji="0" lang="zh-CN" altLang="en-US" sz="1800" b="0" i="0" u="none" strike="noStrike" kern="1200" cap="none" spc="0" normalizeH="0" baseline="0" noProof="0">
+              <a:ln>
+                <a:noFill/>
+              </a:ln>
+              <a:solidFill>
+                <a:prstClr val="black">
+                  <a:lumMod val="75000"/>
+                  <a:lumOff val="25000"/>
+                </a:prstClr>
+              </a:solidFill>
+              <a:effectLst/>
+              <a:uLnTx/>
+              <a:uFillTx/>
+              <a:latin typeface="Roboto Regular"/>
+              <a:ea typeface="思源黑体 CN Regular"/>
+              <a:cs typeface="+mn-cs"/>
+            </a:endParaRPr>
+          </a:p>
+        </p:txBody>
+      </p:sp>
+      <p:sp>
+        <p:nvSpPr>
+          <p:cNvPr id="16" name="文本框 15"/>
+          <p:cNvSpPr txBox="1"/>
+          <p:nvPr/>
+        </p:nvSpPr>
+        <p:spPr>
+          <a:xfrm>
+            <a:off x="1191260" y="2085340"/>
+            <a:ext cx="1691005" cy="368300"/>
+          </a:xfrm>
+          <a:prstGeom prst="rect">
+            <a:avLst/>
+          </a:prstGeom>
+          <a:noFill/>
+          <a:ln>
+            <a:solidFill>
+              <a:schemeClr val="accent1"/>
+            </a:solidFill>
+          </a:ln>
+        </p:spPr>
+        <p:txBody>
+          <a:bodyPr wrap="square" rtlCol="0" anchor="t">
+            <a:spAutoFit/>
+          </a:bodyPr>
+          <a:p>
+            <a:pPr algn="ctr"/>
+            <a:r>
+              <a:rPr lang="zh-CN" altLang="en-US" b="1">
+                <a:solidFill>
+                  <a:srgbClr val="4F7FBD"/>
+                </a:solidFill>
+                <a:latin typeface="Times New Roman" panose="02020603050405020304" pitchFamily="18" charset="0"/>
+                <a:sym typeface="+mn-ea"/>
+              </a:rPr>
+              <a:t>IP地理位置库</a:t>
+            </a:r>
+            <a:endParaRPr lang="zh-CN" altLang="en-US" b="1">
+              <a:solidFill>
+                <a:srgbClr val="4F7FBD"/>
+              </a:solidFill>
+              <a:latin typeface="Times New Roman" panose="02020603050405020304" pitchFamily="18" charset="0"/>
+              <a:sym typeface="+mn-ea"/>
+            </a:endParaRPr>
+          </a:p>
+        </p:txBody>
+      </p:sp>
+      <p:sp>
+        <p:nvSpPr>
+          <p:cNvPr id="17" name="文本框 16"/>
+          <p:cNvSpPr txBox="1"/>
+          <p:nvPr/>
+        </p:nvSpPr>
+        <p:spPr>
+          <a:xfrm>
+            <a:off x="1191260" y="3195955"/>
+            <a:ext cx="1691640" cy="368300"/>
+          </a:xfrm>
+          <a:prstGeom prst="rect">
+            <a:avLst/>
+          </a:prstGeom>
+          <a:noFill/>
+          <a:ln>
+            <a:solidFill>
+              <a:schemeClr val="accent1"/>
+            </a:solidFill>
+          </a:ln>
+        </p:spPr>
+        <p:txBody>
+          <a:bodyPr wrap="square" rtlCol="0" anchor="t">
+            <a:spAutoFit/>
+          </a:bodyPr>
+          <a:p>
+            <a:pPr algn="ctr"/>
+            <a:r>
+              <a:rPr lang="zh-CN" altLang="en-US" b="1">
+                <a:solidFill>
+                  <a:srgbClr val="4F7FBD"/>
+                </a:solidFill>
+                <a:latin typeface="Times New Roman" panose="02020603050405020304" pitchFamily="18" charset="0"/>
+                <a:sym typeface="+mn-ea"/>
+              </a:rPr>
+              <a:t>爬虫指纹库</a:t>
+            </a:r>
+            <a:endParaRPr lang="zh-CN" altLang="en-US" b="1">
+              <a:solidFill>
+                <a:srgbClr val="4F7FBD"/>
+              </a:solidFill>
+              <a:latin typeface="Times New Roman" panose="02020603050405020304" pitchFamily="18" charset="0"/>
+              <a:sym typeface="+mn-ea"/>
+            </a:endParaRPr>
+          </a:p>
+        </p:txBody>
+      </p:sp>
+      <p:sp>
+        <p:nvSpPr>
+          <p:cNvPr id="18" name="文本框 17"/>
+          <p:cNvSpPr txBox="1"/>
+          <p:nvPr/>
+        </p:nvSpPr>
+        <p:spPr>
+          <a:xfrm>
+            <a:off x="1190625" y="3750945"/>
+            <a:ext cx="1692275" cy="368300"/>
+          </a:xfrm>
+          <a:prstGeom prst="rect">
+            <a:avLst/>
+          </a:prstGeom>
+          <a:noFill/>
+          <a:ln>
+            <a:solidFill>
+              <a:schemeClr val="accent1"/>
+            </a:solidFill>
+          </a:ln>
+        </p:spPr>
+        <p:txBody>
+          <a:bodyPr wrap="square" rtlCol="0" anchor="t">
+            <a:spAutoFit/>
+          </a:bodyPr>
+          <a:p>
+            <a:pPr algn="ctr"/>
+            <a:r>
+              <a:rPr lang="zh-CN" altLang="en-US" b="1">
+                <a:solidFill>
+                  <a:srgbClr val="4F7FBD"/>
+                </a:solidFill>
+                <a:latin typeface="Times New Roman" panose="02020603050405020304" pitchFamily="18" charset="0"/>
+                <a:sym typeface="+mn-ea"/>
+              </a:rPr>
+              <a:t>流量行为分析</a:t>
+            </a:r>
+            <a:endParaRPr lang="zh-CN" altLang="en-US" b="1">
+              <a:solidFill>
+                <a:srgbClr val="4F7FBD"/>
+              </a:solidFill>
+              <a:latin typeface="Times New Roman" panose="02020603050405020304" pitchFamily="18" charset="0"/>
+              <a:sym typeface="+mn-ea"/>
+            </a:endParaRPr>
+          </a:p>
+        </p:txBody>
+      </p:sp>
+      <p:sp>
+        <p:nvSpPr>
+          <p:cNvPr id="20" name="文本框 19"/>
+          <p:cNvSpPr txBox="1"/>
+          <p:nvPr/>
+        </p:nvSpPr>
+        <p:spPr>
+          <a:xfrm>
+            <a:off x="4004945" y="3028950"/>
+            <a:ext cx="1699260" cy="368300"/>
+          </a:xfrm>
+          <a:prstGeom prst="rect">
+            <a:avLst/>
+          </a:prstGeom>
+          <a:noFill/>
+          <a:ln>
+            <a:solidFill>
+              <a:schemeClr val="accent1"/>
+            </a:solidFill>
+          </a:ln>
+        </p:spPr>
+        <p:txBody>
+          <a:bodyPr wrap="square" rtlCol="0" anchor="t">
+            <a:spAutoFit/>
+          </a:bodyPr>
+          <a:p>
+            <a:pPr algn="ctr"/>
+            <a:r>
+              <a:rPr lang="zh-CN" altLang="en-US" b="1">
+                <a:solidFill>
+                  <a:srgbClr val="4F7FBD"/>
+                </a:solidFill>
+                <a:latin typeface="Times New Roman" panose="02020603050405020304" pitchFamily="18" charset="0"/>
+                <a:sym typeface="+mn-ea"/>
+              </a:rPr>
+              <a:t>虚假指纹模型</a:t>
+            </a:r>
+            <a:endParaRPr lang="zh-CN" altLang="en-US" b="1">
+              <a:solidFill>
+                <a:srgbClr val="4F7FBD"/>
+              </a:solidFill>
+              <a:latin typeface="Times New Roman" panose="02020603050405020304" pitchFamily="18" charset="0"/>
+              <a:sym typeface="+mn-ea"/>
+            </a:endParaRPr>
+          </a:p>
+        </p:txBody>
+      </p:sp>
+      <p:sp>
+        <p:nvSpPr>
+          <p:cNvPr id="21" name="文本框 20"/>
+          <p:cNvSpPr txBox="1"/>
+          <p:nvPr/>
+        </p:nvSpPr>
+        <p:spPr>
+          <a:xfrm>
+            <a:off x="4005580" y="2473325"/>
+            <a:ext cx="1710690" cy="368300"/>
+          </a:xfrm>
+          <a:prstGeom prst="rect">
+            <a:avLst/>
+          </a:prstGeom>
+          <a:noFill/>
+          <a:ln>
+            <a:solidFill>
+              <a:schemeClr val="accent1"/>
+            </a:solidFill>
+          </a:ln>
+        </p:spPr>
+        <p:txBody>
+          <a:bodyPr wrap="square" rtlCol="0" anchor="t">
+            <a:spAutoFit/>
+          </a:bodyPr>
+          <a:p>
+            <a:pPr algn="ctr"/>
+            <a:r>
+              <a:rPr lang="zh-CN" altLang="en-US" b="1">
+                <a:solidFill>
+                  <a:srgbClr val="4F7FBD"/>
+                </a:solidFill>
+                <a:latin typeface="Times New Roman" panose="02020603050405020304" pitchFamily="18" charset="0"/>
+                <a:sym typeface="+mn-ea"/>
+              </a:rPr>
+              <a:t>虚假</a:t>
+            </a:r>
+            <a:r>
+              <a:rPr lang="zh-CN" altLang="en-US" b="1">
+                <a:solidFill>
+                  <a:srgbClr val="4F7FBD"/>
+                </a:solidFill>
+                <a:latin typeface="Times New Roman" panose="02020603050405020304" pitchFamily="18" charset="0"/>
+                <a:sym typeface="+mn-ea"/>
+              </a:rPr>
+              <a:t>响应模型</a:t>
+            </a:r>
+            <a:endParaRPr lang="zh-CN" altLang="en-US" b="1">
+              <a:solidFill>
+                <a:srgbClr val="4F7FBD"/>
+              </a:solidFill>
+              <a:latin typeface="Times New Roman" panose="02020603050405020304" pitchFamily="18" charset="0"/>
+              <a:sym typeface="+mn-ea"/>
+            </a:endParaRPr>
+          </a:p>
+        </p:txBody>
+      </p:sp>
+      <p:sp>
+        <p:nvSpPr>
+          <p:cNvPr id="22" name="文本框 21"/>
+          <p:cNvSpPr txBox="1"/>
+          <p:nvPr/>
+        </p:nvSpPr>
+        <p:spPr>
+          <a:xfrm>
+            <a:off x="6765925" y="3032760"/>
+            <a:ext cx="1702435" cy="368300"/>
+          </a:xfrm>
+          <a:prstGeom prst="rect">
+            <a:avLst/>
+          </a:prstGeom>
+          <a:noFill/>
+          <a:ln>
+            <a:solidFill>
+              <a:schemeClr val="accent1"/>
+            </a:solidFill>
+          </a:ln>
+        </p:spPr>
+        <p:txBody>
+          <a:bodyPr wrap="square" rtlCol="0" anchor="t">
+            <a:spAutoFit/>
+          </a:bodyPr>
+          <a:p>
+            <a:pPr algn="ctr"/>
+            <a:r>
+              <a:rPr lang="zh-CN" altLang="en-US" b="1">
+                <a:solidFill>
+                  <a:srgbClr val="4F7FBD"/>
+                </a:solidFill>
+                <a:latin typeface="Times New Roman" panose="02020603050405020304" pitchFamily="18" charset="0"/>
+                <a:sym typeface="+mn-ea"/>
+              </a:rPr>
+              <a:t>虚假指纹模型</a:t>
+            </a:r>
+            <a:endParaRPr lang="zh-CN" altLang="en-US" b="1">
+              <a:solidFill>
+                <a:srgbClr val="4F7FBD"/>
+              </a:solidFill>
+              <a:latin typeface="Times New Roman" panose="02020603050405020304" pitchFamily="18" charset="0"/>
+              <a:sym typeface="+mn-ea"/>
+            </a:endParaRPr>
+          </a:p>
+        </p:txBody>
+      </p:sp>
+      <p:sp>
+        <p:nvSpPr>
+          <p:cNvPr id="23" name="文本框 22"/>
+          <p:cNvSpPr txBox="1"/>
+          <p:nvPr/>
+        </p:nvSpPr>
+        <p:spPr>
+          <a:xfrm>
+            <a:off x="6776720" y="2477135"/>
+            <a:ext cx="1674495" cy="368300"/>
+          </a:xfrm>
+          <a:prstGeom prst="rect">
+            <a:avLst/>
+          </a:prstGeom>
+          <a:noFill/>
+          <a:ln>
+            <a:solidFill>
+              <a:schemeClr val="accent1"/>
+            </a:solidFill>
+          </a:ln>
+        </p:spPr>
+        <p:txBody>
+          <a:bodyPr wrap="square" rtlCol="0" anchor="t">
+            <a:spAutoFit/>
+          </a:bodyPr>
+          <a:p>
+            <a:pPr algn="ctr"/>
+            <a:r>
+              <a:rPr lang="zh-CN" altLang="en-US" b="1">
+                <a:solidFill>
+                  <a:srgbClr val="4F7FBD"/>
+                </a:solidFill>
+                <a:latin typeface="Times New Roman" panose="02020603050405020304" pitchFamily="18" charset="0"/>
+                <a:sym typeface="+mn-ea"/>
+              </a:rPr>
+              <a:t>流量审计平台</a:t>
+            </a:r>
+            <a:endParaRPr lang="zh-CN" altLang="en-US" b="1">
+              <a:gradFill>
+                <a:gsLst>
+                  <a:gs pos="0">
+                    <a:srgbClr val="007BD3"/>
+                  </a:gs>
+                  <a:gs pos="100000">
+                    <a:srgbClr val="034373"/>
+                  </a:gs>
+                </a:gsLst>
+                <a:lin ang="5400000" scaled="0"/>
+              </a:gradFill>
+              <a:latin typeface="Times New Roman" panose="02020603050405020304" pitchFamily="18" charset="0"/>
+              <a:sym typeface="+mn-ea"/>
+            </a:endParaRPr>
+          </a:p>
+        </p:txBody>
+      </p:sp>
+      <p:sp>
+        <p:nvSpPr>
+          <p:cNvPr id="25" name="右箭头 24"/>
+          <p:cNvSpPr/>
+          <p:nvPr/>
+        </p:nvSpPr>
+        <p:spPr>
+          <a:xfrm>
+            <a:off x="6260465" y="2453640"/>
+            <a:ext cx="361950" cy="793115"/>
+          </a:xfrm>
+          <a:prstGeom prst="rightArrow">
+            <a:avLst/>
+          </a:prstGeom>
+        </p:spPr>
+        <p:style>
+          <a:lnRef idx="2">
+            <a:schemeClr val="accent1">
+              <a:shade val="50000"/>
+            </a:schemeClr>
+          </a:lnRef>
+          <a:fillRef idx="1">
+            <a:schemeClr val="accent1"/>
+          </a:fillRef>
+          <a:effectRef idx="0">
+            <a:schemeClr val="accent1"/>
+          </a:effectRef>
+          <a:fontRef idx="minor">
+            <a:schemeClr val="lt1"/>
+          </a:fontRef>
+        </p:style>
+        <p:txBody>
+          <a:bodyPr rtlCol="0" anchor="ctr"/>
+          <a:p>
+            <a:pPr algn="ctr"/>
+            <a:endParaRPr lang="zh-CN" altLang="en-US"/>
+          </a:p>
+        </p:txBody>
+      </p:sp>
+      <p:sp>
+        <p:nvSpPr>
+          <p:cNvPr id="26" name="右箭头 25"/>
+          <p:cNvSpPr/>
+          <p:nvPr/>
+        </p:nvSpPr>
+        <p:spPr>
+          <a:xfrm>
+            <a:off x="3449320" y="2461895"/>
+            <a:ext cx="361950" cy="793115"/>
+          </a:xfrm>
+          <a:prstGeom prst="rightArrow">
+            <a:avLst/>
+          </a:prstGeom>
+        </p:spPr>
+        <p:style>
+          <a:lnRef idx="2">
+            <a:schemeClr val="accent1">
+              <a:shade val="50000"/>
+            </a:schemeClr>
+          </a:lnRef>
+          <a:fillRef idx="1">
+            <a:schemeClr val="accent1"/>
+          </a:fillRef>
+          <a:effectRef idx="0">
+            <a:schemeClr val="accent1"/>
+          </a:effectRef>
+          <a:fontRef idx="minor">
+            <a:schemeClr val="lt1"/>
+          </a:fontRef>
+        </p:style>
+        <p:txBody>
+          <a:bodyPr rtlCol="0" anchor="ctr"/>
+          <a:p>
+            <a:pPr algn="ctr"/>
+            <a:endParaRPr lang="zh-CN" altLang="en-US"/>
+          </a:p>
+        </p:txBody>
+      </p:sp>
+    </p:spTree>
+  </p:cSld>
+  <p:clrMapOvr>
+    <a:masterClrMapping/>
+  </p:clrMapOvr>
+</p:sld>
+</file>
+
+<file path=ppt/slides/slide6.xml><?xml version="1.0" encoding="utf-8"?>
+<p:sld xmlns:a="http://schemas.openxmlformats.org/drawingml/2006/main" xmlns:r="http://schemas.openxmlformats.org/officeDocument/2006/relationships" xmlns:p="http://schemas.openxmlformats.org/presentationml/2006/main">
+  <p:cSld>
+    <p:spTree>
+      <p:nvGrpSpPr>
+        <p:cNvPr id="1" name=""/>
+        <p:cNvGrpSpPr/>
+        <p:nvPr/>
+      </p:nvGrpSpPr>
+      <p:grpSpPr/>
+      <p:sp>
+        <p:nvSpPr>
+          <p:cNvPr id="21" name="矩形 20"/>
+          <p:cNvSpPr/>
+          <p:nvPr/>
+        </p:nvSpPr>
+        <p:spPr>
+          <a:xfrm>
+            <a:off x="2223770" y="1781810"/>
+            <a:ext cx="2198370" cy="1182370"/>
+          </a:xfrm>
+          <a:prstGeom prst="rect">
+            <a:avLst/>
+          </a:prstGeom>
+        </p:spPr>
+        <p:style>
+          <a:lnRef idx="2">
+            <a:schemeClr val="accent1">
+              <a:shade val="50000"/>
+            </a:schemeClr>
+          </a:lnRef>
+          <a:fillRef idx="1">
+            <a:schemeClr val="accent1"/>
+          </a:fillRef>
+          <a:effectRef idx="0">
+            <a:schemeClr val="accent1"/>
+          </a:effectRef>
+          <a:fontRef idx="minor">
+            <a:schemeClr val="lt1"/>
+          </a:fontRef>
+        </p:style>
+        <p:txBody>
+          <a:bodyPr rtlCol="0" anchor="ctr"/>
+          <a:p>
+            <a:pPr algn="ctr"/>
+            <a:r>
+              <a:rPr lang="zh-CN" altLang="en-US"/>
+              <a:t>特定扫描工具的指纹特征分析和流量行为分析，实现扫描行为的</a:t>
+            </a:r>
+            <a:r>
+              <a:rPr lang="zh-CN" altLang="en-US"/>
+              <a:t>识别</a:t>
+            </a:r>
+            <a:endParaRPr lang="zh-CN" altLang="en-US"/>
+          </a:p>
+        </p:txBody>
+      </p:sp>
+      <p:sp>
+        <p:nvSpPr>
+          <p:cNvPr id="22" name="矩形 21"/>
+          <p:cNvSpPr/>
+          <p:nvPr/>
+        </p:nvSpPr>
+        <p:spPr>
+          <a:xfrm>
+            <a:off x="4887595" y="1781810"/>
+            <a:ext cx="2028825" cy="1182370"/>
+          </a:xfrm>
+          <a:prstGeom prst="rect">
+            <a:avLst/>
+          </a:prstGeom>
+        </p:spPr>
+        <p:style>
+          <a:lnRef idx="2">
+            <a:schemeClr val="accent1">
+              <a:shade val="50000"/>
+            </a:schemeClr>
+          </a:lnRef>
+          <a:fillRef idx="1">
+            <a:schemeClr val="accent1"/>
+          </a:fillRef>
+          <a:effectRef idx="0">
+            <a:schemeClr val="accent1"/>
+          </a:effectRef>
+          <a:fontRef idx="minor">
+            <a:schemeClr val="lt1"/>
+          </a:fontRef>
+        </p:style>
+        <p:txBody>
+          <a:bodyPr rtlCol="0" anchor="ctr"/>
+          <a:p>
+            <a:pPr algn="ctr"/>
+            <a:r>
+              <a:rPr lang="zh-CN" altLang="en-US">
+                <a:sym typeface="+mn-ea"/>
+              </a:rPr>
+              <a:t>研究积累伪造阻断技术，实现对扫描结果的混淆或</a:t>
+            </a:r>
+            <a:r>
+              <a:rPr lang="zh-CN" altLang="en-US">
+                <a:sym typeface="+mn-ea"/>
+              </a:rPr>
+              <a:t>隐藏</a:t>
+            </a:r>
+            <a:endParaRPr lang="zh-CN" altLang="en-US">
+              <a:sym typeface="+mn-ea"/>
+            </a:endParaRPr>
+          </a:p>
+        </p:txBody>
+      </p:sp>
+      <p:sp>
+        <p:nvSpPr>
+          <p:cNvPr id="23" name="矩形 22"/>
+          <p:cNvSpPr/>
+          <p:nvPr/>
+        </p:nvSpPr>
+        <p:spPr>
+          <a:xfrm>
+            <a:off x="7312660" y="1781810"/>
+            <a:ext cx="1949450" cy="1182370"/>
+          </a:xfrm>
+          <a:prstGeom prst="rect">
+            <a:avLst/>
+          </a:prstGeom>
+        </p:spPr>
+        <p:style>
+          <a:lnRef idx="2">
+            <a:schemeClr val="accent1">
+              <a:shade val="50000"/>
+            </a:schemeClr>
+          </a:lnRef>
+          <a:fillRef idx="1">
+            <a:schemeClr val="accent1"/>
+          </a:fillRef>
+          <a:effectRef idx="0">
+            <a:schemeClr val="accent1"/>
+          </a:effectRef>
+          <a:fontRef idx="minor">
+            <a:schemeClr val="lt1"/>
+          </a:fontRef>
+        </p:style>
+        <p:txBody>
+          <a:bodyPr rtlCol="0" anchor="ctr"/>
+          <a:p>
+            <a:pPr algn="ctr"/>
+            <a:r>
+              <a:rPr lang="zh-CN" altLang="en-US">
+                <a:sym typeface="+mn-ea"/>
+              </a:rPr>
+              <a:t>工程实现，搭建流量审计平台及反测绘系统</a:t>
+            </a:r>
+            <a:r>
+              <a:rPr lang="zh-CN" altLang="en-US">
+                <a:sym typeface="+mn-ea"/>
+              </a:rPr>
+              <a:t>工具</a:t>
+            </a:r>
+            <a:endParaRPr lang="zh-CN" altLang="en-US">
+              <a:sym typeface="+mn-ea"/>
+            </a:endParaRPr>
+          </a:p>
+        </p:txBody>
+      </p:sp>
+      <p:sp>
+        <p:nvSpPr>
+          <p:cNvPr id="25" name="右箭头 24"/>
+          <p:cNvSpPr/>
+          <p:nvPr/>
+        </p:nvSpPr>
+        <p:spPr>
+          <a:xfrm>
+            <a:off x="6988175" y="2184400"/>
+            <a:ext cx="322580" cy="485775"/>
+          </a:xfrm>
+          <a:prstGeom prst="rightArrow">
+            <a:avLst/>
+          </a:prstGeom>
+        </p:spPr>
+        <p:style>
+          <a:lnRef idx="2">
+            <a:schemeClr val="accent1">
+              <a:shade val="50000"/>
+            </a:schemeClr>
+          </a:lnRef>
+          <a:fillRef idx="1">
+            <a:schemeClr val="accent1"/>
+          </a:fillRef>
+          <a:effectRef idx="0">
+            <a:schemeClr val="accent1"/>
+          </a:effectRef>
+          <a:fontRef idx="minor">
+            <a:schemeClr val="lt1"/>
+          </a:fontRef>
+        </p:style>
+        <p:txBody>
+          <a:bodyPr rtlCol="0" anchor="ctr"/>
+          <a:p>
+            <a:pPr algn="ctr"/>
+            <a:endParaRPr lang="zh-CN" altLang="en-US"/>
+          </a:p>
+        </p:txBody>
+      </p:sp>
+      <p:sp>
+        <p:nvSpPr>
+          <p:cNvPr id="26" name="右箭头 25"/>
+          <p:cNvSpPr/>
+          <p:nvPr/>
+        </p:nvSpPr>
+        <p:spPr>
+          <a:xfrm>
+            <a:off x="4493260" y="2186940"/>
+            <a:ext cx="322580" cy="485775"/>
+          </a:xfrm>
+          <a:prstGeom prst="rightArrow">
+            <a:avLst/>
+          </a:prstGeom>
+        </p:spPr>
+        <p:style>
+          <a:lnRef idx="2">
+            <a:schemeClr val="accent1">
+              <a:shade val="50000"/>
+            </a:schemeClr>
+          </a:lnRef>
+          <a:fillRef idx="1">
+            <a:schemeClr val="accent1"/>
+          </a:fillRef>
+          <a:effectRef idx="0">
+            <a:schemeClr val="accent1"/>
+          </a:effectRef>
+          <a:fontRef idx="minor">
+            <a:schemeClr val="lt1"/>
+          </a:fontRef>
+        </p:style>
+        <p:txBody>
+          <a:bodyPr rtlCol="0" anchor="ctr"/>
+          <a:p>
+            <a:pPr algn="ctr"/>
+            <a:endParaRPr lang="zh-CN" altLang="en-US"/>
+          </a:p>
+        </p:txBody>
+      </p:sp>
+    </p:spTree>
+  </p:cSld>
+  <p:clrMapOvr>
+    <a:masterClrMapping/>
+  </p:clrMapOvr>
+</p:sld>
+</file>
+
+<file path=ppt/slides/slide7.xml><?xml version="1.0" encoding="utf-8"?>
+<p:sld xmlns:a="http://schemas.openxmlformats.org/drawingml/2006/main" xmlns:r="http://schemas.openxmlformats.org/officeDocument/2006/relationships" xmlns:p="http://schemas.openxmlformats.org/presentationml/2006/main">
+  <p:cSld>
+    <p:spTree>
+      <p:nvGrpSpPr>
+        <p:cNvPr id="1" name=""/>
+        <p:cNvGrpSpPr/>
+        <p:nvPr/>
+      </p:nvGrpSpPr>
+      <p:grpSpPr/>
+      <p:graphicFrame>
+        <p:nvGraphicFramePr>
+          <p:cNvPr id="3" name="表格 2"/>
+          <p:cNvGraphicFramePr/>
+          <p:nvPr>
+            <p:custDataLst>
+              <p:tags r:id="rId1"/>
+            </p:custDataLst>
+          </p:nvPr>
+        </p:nvGraphicFramePr>
+        <p:xfrm>
+          <a:off x="986790" y="631825"/>
+          <a:ext cx="10166350" cy="5058410"/>
+        </p:xfrm>
+        <a:graphic>
+          <a:graphicData uri="http://schemas.openxmlformats.org/drawingml/2006/table">
+            <a:tbl>
+              <a:tblPr firstRow="1" bandRow="1">
+                <a:tableStyleId>{5C22544A-7EE6-4342-B048-85BDC9FD1C3A}</a:tableStyleId>
+              </a:tblPr>
+              <a:tblGrid>
+                <a:gridCol w="2478405"/>
+                <a:gridCol w="4105910"/>
+                <a:gridCol w="3582035"/>
+              </a:tblGrid>
+              <a:tr h="556260">
+                <a:tc>
+                  <a:txBody>
+                    <a:bodyPr/>
+                    <a:p>
+                      <a:pPr algn="ctr">
+                        <a:buNone/>
+                      </a:pPr>
+                      <a:r>
+                        <a:rPr lang="zh-CN" altLang="en-US"/>
+                        <a:t>日程</a:t>
+                      </a:r>
+                      <a:endParaRPr lang="zh-CN" altLang="en-US"/>
+                    </a:p>
+                  </a:txBody>
+                  <a:tcPr/>
+                </a:tc>
+                <a:tc>
+                  <a:txBody>
+                    <a:bodyPr/>
+                    <a:p>
+                      <a:pPr algn="ctr">
+                        <a:buNone/>
+                      </a:pPr>
+                      <a:r>
+                        <a:rPr lang="zh-CN" altLang="en-US"/>
+                        <a:t>工作内容</a:t>
+                      </a:r>
+                      <a:endParaRPr lang="zh-CN" altLang="en-US"/>
+                    </a:p>
+                  </a:txBody>
+                  <a:tcPr/>
+                </a:tc>
+                <a:tc>
+                  <a:txBody>
+                    <a:bodyPr/>
+                    <a:p>
+                      <a:pPr algn="ctr">
+                        <a:buNone/>
+                      </a:pPr>
+                      <a:r>
+                        <a:rPr lang="zh-CN" altLang="en-US"/>
+                        <a:t>产出</a:t>
+                      </a:r>
+                      <a:endParaRPr lang="zh-CN" altLang="en-US"/>
+                    </a:p>
+                  </a:txBody>
+                  <a:tcPr/>
+                </a:tc>
+              </a:tr>
+              <a:tr h="1008380">
+                <a:tc>
+                  <a:txBody>
+                    <a:bodyPr/>
+                    <a:p>
+                      <a:pPr algn="ctr">
+                        <a:buNone/>
+                      </a:pPr>
+                      <a:r>
+                        <a:rPr lang="en-US" altLang="zh-CN"/>
+                        <a:t>5.15~6.30</a:t>
+                      </a:r>
+                      <a:endParaRPr lang="en-US" altLang="zh-CN"/>
+                    </a:p>
+                  </a:txBody>
+                  <a:tcPr/>
+                </a:tc>
+                <a:tc>
+                  <a:txBody>
+                    <a:bodyPr/>
+                    <a:p>
+                      <a:pPr algn="ctr">
+                        <a:buNone/>
+                      </a:pPr>
+                      <a:r>
+                        <a:rPr lang="zh-CN" altLang="en-US" sz="1800">
+                          <a:sym typeface="+mn-ea"/>
+                        </a:rPr>
+                        <a:t>完成全流量的采集与存储功能</a:t>
+                      </a:r>
+                      <a:endParaRPr lang="zh-CN" altLang="en-US" sz="1800">
+                        <a:sym typeface="+mn-ea"/>
+                      </a:endParaRPr>
+                    </a:p>
+                    <a:p>
+                      <a:pPr algn="ctr">
+                        <a:buNone/>
+                      </a:pPr>
+                      <a:r>
+                        <a:rPr lang="zh-CN" altLang="en-US" sz="1800">
+                          <a:sym typeface="+mn-ea"/>
+                        </a:rPr>
+                        <a:t>完成</a:t>
+                      </a:r>
+                      <a:r>
+                        <a:rPr lang="zh-CN" altLang="en-US" sz="1800">
+                          <a:sym typeface="+mn-ea"/>
+                        </a:rPr>
+                        <a:t>入侵检测系统框架搭建</a:t>
+                      </a:r>
+                      <a:endParaRPr lang="en-US" altLang="zh-CN"/>
+                    </a:p>
+                  </a:txBody>
+                  <a:tcPr/>
+                </a:tc>
+                <a:tc>
+                  <a:txBody>
+                    <a:bodyPr/>
+                    <a:p>
+                      <a:pPr algn="ctr">
+                        <a:buNone/>
+                      </a:pPr>
+                      <a:r>
+                        <a:rPr lang="en-US" altLang="zh-CN" sz="1800">
+                          <a:sym typeface="+mn-ea"/>
+                        </a:rPr>
+                        <a:t>1.</a:t>
+                      </a:r>
+                      <a:r>
+                        <a:rPr lang="zh-CN" altLang="en-US" sz="1800">
+                          <a:sym typeface="+mn-ea"/>
+                        </a:rPr>
+                        <a:t>流量采集</a:t>
+                      </a:r>
+                      <a:r>
+                        <a:rPr lang="zh-CN" altLang="en-US" sz="1800">
+                          <a:sym typeface="+mn-ea"/>
+                        </a:rPr>
+                        <a:t>代码一套</a:t>
+                      </a:r>
+                      <a:endParaRPr lang="zh-CN" altLang="en-US" sz="1800">
+                        <a:sym typeface="+mn-ea"/>
+                      </a:endParaRPr>
+                    </a:p>
+                    <a:p>
+                      <a:pPr algn="ctr">
+                        <a:buNone/>
+                      </a:pPr>
+                      <a:r>
+                        <a:rPr lang="en-US" altLang="zh-CN" sz="1800">
+                          <a:sym typeface="+mn-ea"/>
+                        </a:rPr>
+                        <a:t>2.</a:t>
+                      </a:r>
+                      <a:r>
+                        <a:rPr lang="zh-CN" altLang="en-US" sz="1800">
+                          <a:sym typeface="+mn-ea"/>
+                        </a:rPr>
+                        <a:t>入侵检测代码</a:t>
+                      </a:r>
+                      <a:r>
+                        <a:rPr lang="zh-CN" altLang="en-US" sz="1800">
+                          <a:sym typeface="+mn-ea"/>
+                        </a:rPr>
+                        <a:t>一套</a:t>
+                      </a:r>
+                      <a:endParaRPr lang="zh-CN" altLang="en-US" sz="1800">
+                        <a:sym typeface="+mn-ea"/>
+                      </a:endParaRPr>
+                    </a:p>
+                  </a:txBody>
+                  <a:tcPr/>
+                </a:tc>
+              </a:tr>
+              <a:tr h="370840">
+                <a:tc>
+                  <a:txBody>
+                    <a:bodyPr/>
+                    <a:p>
+                      <a:pPr algn="ctr">
+                        <a:buNone/>
+                      </a:pPr>
+                      <a:r>
+                        <a:rPr lang="en-US" altLang="zh-CN"/>
+                        <a:t>6.30~7.7</a:t>
+                      </a:r>
+                      <a:endParaRPr lang="en-US" altLang="zh-CN"/>
+                    </a:p>
+                  </a:txBody>
+                  <a:tcPr/>
+                </a:tc>
+                <a:tc>
+                  <a:txBody>
+                    <a:bodyPr/>
+                    <a:p>
+                      <a:pPr algn="ctr">
+                        <a:buNone/>
+                      </a:pPr>
+                      <a:r>
+                        <a:rPr lang="zh-CN" altLang="en-US" sz="1800">
+                          <a:sym typeface="+mn-ea"/>
+                        </a:rPr>
+                        <a:t>反测绘系统方案设计</a:t>
+                      </a:r>
+                      <a:endParaRPr lang="en-US" altLang="zh-CN"/>
+                    </a:p>
+                  </a:txBody>
+                  <a:tcPr/>
+                </a:tc>
+                <a:tc>
+                  <a:txBody>
+                    <a:bodyPr/>
+                    <a:p>
+                      <a:pPr algn="ctr">
+                        <a:buNone/>
+                      </a:pPr>
+                      <a:r>
+                        <a:rPr lang="zh-CN" altLang="en-US" sz="1800">
+                          <a:sym typeface="+mn-ea"/>
+                        </a:rPr>
+                        <a:t>反测绘系统方案设计报告</a:t>
+                      </a:r>
+                      <a:endParaRPr lang="zh-CN" altLang="en-US" sz="1800">
+                        <a:sym typeface="+mn-ea"/>
+                      </a:endParaRPr>
+                    </a:p>
+                  </a:txBody>
+                  <a:tcPr/>
+                </a:tc>
+              </a:tr>
+              <a:tr h="441325">
+                <a:tc>
+                  <a:txBody>
+                    <a:bodyPr/>
+                    <a:p>
+                      <a:pPr algn="ctr">
+                        <a:buNone/>
+                      </a:pPr>
+                      <a:r>
+                        <a:rPr lang="en-US" altLang="zh-CN"/>
+                        <a:t>7.7~7.31</a:t>
+                      </a:r>
+                      <a:endParaRPr lang="en-US" altLang="zh-CN"/>
+                    </a:p>
+                  </a:txBody>
+                  <a:tcPr/>
+                </a:tc>
+                <a:tc>
+                  <a:txBody>
+                    <a:bodyPr/>
+                    <a:p>
+                      <a:pPr algn="ctr">
+                        <a:buNone/>
+                      </a:pPr>
+                      <a:r>
+                        <a:rPr lang="zh-CN" altLang="en-US" sz="1800">
+                          <a:sym typeface="+mn-ea"/>
+                        </a:rPr>
+                        <a:t>欺骗与混淆技术方案调研</a:t>
+                      </a:r>
+                      <a:endParaRPr lang="zh-CN" altLang="en-US" sz="1800">
+                        <a:sym typeface="+mn-ea"/>
+                      </a:endParaRPr>
+                    </a:p>
+                    <a:p>
+                      <a:pPr algn="ctr">
+                        <a:buNone/>
+                      </a:pPr>
+                      <a:r>
+                        <a:rPr lang="zh-CN" altLang="en-US" sz="1800">
+                          <a:sym typeface="+mn-ea"/>
+                        </a:rPr>
+                        <a:t>欺骗与混淆技术实现</a:t>
+                      </a:r>
+                      <a:endParaRPr lang="zh-CN" altLang="en-US" sz="1800">
+                        <a:sym typeface="+mn-ea"/>
+                      </a:endParaRPr>
+                    </a:p>
+                    <a:p>
+                      <a:pPr algn="ctr">
+                        <a:buNone/>
+                      </a:pPr>
+                      <a:endParaRPr lang="en-US" altLang="zh-CN"/>
+                    </a:p>
+                  </a:txBody>
+                  <a:tcPr/>
+                </a:tc>
+                <a:tc>
+                  <a:txBody>
+                    <a:bodyPr/>
+                    <a:p>
+                      <a:pPr algn="ctr">
+                        <a:buNone/>
+                      </a:pPr>
+                      <a:r>
+                        <a:rPr lang="en-US" altLang="zh-CN" sz="1800">
+                          <a:sym typeface="+mn-ea"/>
+                        </a:rPr>
+                        <a:t>1.</a:t>
+                      </a:r>
+                      <a:r>
+                        <a:rPr lang="zh-CN" altLang="en-US" sz="1800">
+                          <a:sym typeface="+mn-ea"/>
+                        </a:rPr>
+                        <a:t>欺骗与混淆技术调研报告</a:t>
+                      </a:r>
+                      <a:endParaRPr lang="zh-CN" altLang="en-US" sz="1800">
+                        <a:sym typeface="+mn-ea"/>
+                      </a:endParaRPr>
+                    </a:p>
+                    <a:p>
+                      <a:pPr algn="ctr">
+                        <a:buNone/>
+                      </a:pPr>
+                      <a:r>
+                        <a:rPr lang="en-US" altLang="zh-CN" sz="1800">
+                          <a:sym typeface="+mn-ea"/>
+                        </a:rPr>
+                        <a:t>2.</a:t>
+                      </a:r>
+                      <a:r>
+                        <a:rPr lang="zh-CN" altLang="en-US" sz="1800">
+                          <a:sym typeface="+mn-ea"/>
+                        </a:rPr>
+                        <a:t>欺骗与混淆模块代码</a:t>
+                      </a:r>
+                      <a:endParaRPr lang="zh-CN" altLang="en-US" sz="1800">
+                        <a:sym typeface="+mn-ea"/>
+                      </a:endParaRPr>
+                    </a:p>
+                  </a:txBody>
+                  <a:tcPr/>
+                </a:tc>
+              </a:tr>
+              <a:tr h="688975">
+                <a:tc>
+                  <a:txBody>
+                    <a:bodyPr/>
+                    <a:p>
+                      <a:pPr algn="ctr">
+                        <a:buNone/>
+                      </a:pPr>
+                      <a:r>
+                        <a:rPr lang="en-US" altLang="zh-CN" sz="1800">
+                          <a:sym typeface="+mn-ea"/>
+                        </a:rPr>
+                        <a:t>8.1~8.15</a:t>
+                      </a:r>
+                      <a:endParaRPr lang="en-US" altLang="zh-CN"/>
+                    </a:p>
+                  </a:txBody>
+                  <a:tcPr/>
+                </a:tc>
+                <a:tc>
+                  <a:txBody>
+                    <a:bodyPr/>
+                    <a:p>
+                      <a:pPr algn="ctr">
+                        <a:buNone/>
+                      </a:pPr>
+                      <a:r>
+                        <a:rPr lang="zh-CN" altLang="en-US" sz="1800">
+                          <a:sym typeface="+mn-ea"/>
+                        </a:rPr>
+                        <a:t>系统逻辑代码编写</a:t>
+                      </a:r>
+                      <a:endParaRPr lang="zh-CN" altLang="en-US" sz="1800">
+                        <a:sym typeface="+mn-ea"/>
+                      </a:endParaRPr>
+                    </a:p>
+                  </a:txBody>
+                  <a:tcPr/>
+                </a:tc>
+                <a:tc>
+                  <a:txBody>
+                    <a:bodyPr/>
+                    <a:p>
+                      <a:pPr algn="ctr">
+                        <a:buNone/>
+                      </a:pPr>
+                      <a:r>
+                        <a:rPr lang="zh-CN" altLang="en-US" sz="1800">
+                          <a:sym typeface="+mn-ea"/>
+                        </a:rPr>
+                        <a:t>反测绘系统逻辑代码</a:t>
+                      </a:r>
+                      <a:r>
+                        <a:rPr lang="zh-CN" altLang="en-US" sz="1800">
+                          <a:sym typeface="+mn-ea"/>
+                        </a:rPr>
+                        <a:t>一套</a:t>
+                      </a:r>
+                      <a:endParaRPr lang="zh-CN" altLang="en-US" sz="1800">
+                        <a:sym typeface="+mn-ea"/>
+                      </a:endParaRPr>
+                    </a:p>
+                  </a:txBody>
+                  <a:tcPr/>
+                </a:tc>
+              </a:tr>
+              <a:tr h="585470">
+                <a:tc>
+                  <a:txBody>
+                    <a:bodyPr/>
+                    <a:p>
+                      <a:pPr algn="ctr">
+                        <a:buNone/>
+                      </a:pPr>
+                      <a:r>
+                        <a:rPr lang="en-US" altLang="zh-CN" sz="1800">
+                          <a:sym typeface="+mn-ea"/>
+                        </a:rPr>
+                        <a:t>8.15~8.31</a:t>
+                      </a:r>
+                      <a:endParaRPr lang="en-US" altLang="zh-CN"/>
+                    </a:p>
+                  </a:txBody>
+                  <a:tcPr/>
+                </a:tc>
+                <a:tc>
+                  <a:txBody>
+                    <a:bodyPr/>
+                    <a:p>
+                      <a:pPr algn="ctr">
+                        <a:buNone/>
+                      </a:pPr>
+                      <a:r>
+                        <a:rPr lang="zh-CN" altLang="en-US"/>
+                        <a:t>反测绘系统模块测试</a:t>
+                      </a:r>
+                      <a:r>
+                        <a:rPr lang="zh-CN" altLang="en-US"/>
+                        <a:t>和功能测试</a:t>
+                      </a:r>
+                      <a:endParaRPr lang="zh-CN" altLang="en-US"/>
+                    </a:p>
+                  </a:txBody>
+                  <a:tcPr/>
+                </a:tc>
+                <a:tc>
+                  <a:txBody>
+                    <a:bodyPr/>
+                    <a:p>
+                      <a:pPr algn="ctr">
+                        <a:buNone/>
+                      </a:pPr>
+                      <a:r>
+                        <a:rPr lang="zh-CN" altLang="en-US" sz="1800">
+                          <a:sym typeface="+mn-ea"/>
+                        </a:rPr>
+                        <a:t>测试报告</a:t>
+                      </a:r>
+                      <a:r>
+                        <a:rPr lang="zh-CN" altLang="en-US" sz="1800">
+                          <a:sym typeface="+mn-ea"/>
+                        </a:rPr>
+                        <a:t>一份</a:t>
+                      </a:r>
+                      <a:endParaRPr lang="zh-CN" altLang="en-US" sz="1800">
+                        <a:sym typeface="+mn-ea"/>
+                      </a:endParaRPr>
+                    </a:p>
+                  </a:txBody>
+                  <a:tcPr/>
+                </a:tc>
+              </a:tr>
+              <a:tr h="934085">
+                <a:tc>
+                  <a:txBody>
+                    <a:bodyPr/>
+                    <a:p>
+                      <a:pPr algn="ctr">
+                        <a:buNone/>
+                      </a:pPr>
+                      <a:r>
+                        <a:rPr lang="en-US" altLang="zh-CN"/>
+                        <a:t>8.31~9.15</a:t>
+                      </a:r>
+                      <a:endParaRPr lang="en-US" altLang="zh-CN"/>
+                    </a:p>
+                  </a:txBody>
+                  <a:tcPr/>
+                </a:tc>
+                <a:tc>
+                  <a:txBody>
+                    <a:bodyPr/>
+                    <a:p>
+                      <a:pPr algn="ctr">
+                        <a:buNone/>
+                      </a:pPr>
+                      <a:r>
+                        <a:rPr lang="zh-CN" altLang="en-US"/>
+                        <a:t>项目总结</a:t>
+                      </a:r>
+                      <a:endParaRPr lang="zh-CN" altLang="en-US"/>
+                    </a:p>
+                  </a:txBody>
+                  <a:tcPr/>
+                </a:tc>
+                <a:tc>
+                  <a:txBody>
+                    <a:bodyPr/>
+                    <a:p>
+                      <a:pPr algn="ctr">
+                        <a:buNone/>
+                      </a:pPr>
+                      <a:r>
+                        <a:rPr lang="zh-CN" altLang="en-US"/>
+                        <a:t>总结报告</a:t>
+                      </a:r>
+                      <a:endParaRPr lang="zh-CN" altLang="en-US"/>
+                    </a:p>
+                  </a:txBody>
+                  <a:tcPr/>
+                </a:tc>
+              </a:tr>
+            </a:tbl>
+          </a:graphicData>
+        </a:graphic>
+      </p:graphicFrame>
+    </p:spTree>
+  </p:cSld>
+  <p:clrMapOvr>
+    <a:masterClrMapping/>
+  </p:clrMapOvr>
+</p:sld>
+</file>
+
+<file path=ppt/tags/tag1.xml><?xml version="1.0" encoding="utf-8"?>
+<p:tagLst xmlns:p="http://schemas.openxmlformats.org/presentationml/2006/main">
+  <p:tag name="TABLE_ENDDRAG_ORIGIN_RECT" val="800*412"/>
+  <p:tag name="TABLE_ENDDRAG_RECT" val="77*49*800*412"/>
+</p:tagLst>
 </file>
 
 <file path=ppt/theme/theme1.xml><?xml version="1.0" encoding="utf-8"?>

--- a/反测绘/绘图相关.pptx
+++ b/反测绘/绘图相关.pptx
@@ -5,19 +5,20 @@
     <p:sldMasterId id="2147483648" r:id="rId1"/>
   </p:sldMasterIdLst>
   <p:notesMasterIdLst>
-    <p:notesMasterId r:id="rId10"/>
+    <p:notesMasterId r:id="rId11"/>
   </p:notesMasterIdLst>
   <p:handoutMasterIdLst>
-    <p:handoutMasterId r:id="rId11"/>
+    <p:handoutMasterId r:id="rId12"/>
   </p:handoutMasterIdLst>
   <p:sldIdLst>
     <p:sldId id="256" r:id="rId3"/>
     <p:sldId id="257" r:id="rId4"/>
     <p:sldId id="258" r:id="rId5"/>
     <p:sldId id="260" r:id="rId6"/>
-    <p:sldId id="261" r:id="rId7"/>
-    <p:sldId id="262" r:id="rId8"/>
-    <p:sldId id="263" r:id="rId9"/>
+    <p:sldId id="264" r:id="rId7"/>
+    <p:sldId id="261" r:id="rId8"/>
+    <p:sldId id="262" r:id="rId9"/>
+    <p:sldId id="263" r:id="rId10"/>
   </p:sldIdLst>
   <p:sldSz cx="12192000" cy="6858000"/>
   <p:notesSz cx="7103745" cy="10234295"/>
@@ -7911,6 +7912,2148 @@
 </file>
 
 <file path=ppt/slides/slide5.xml><?xml version="1.0" encoding="utf-8"?>
+<p:sld xmlns:a="http://schemas.openxmlformats.org/drawingml/2006/main" xmlns:r="http://schemas.openxmlformats.org/officeDocument/2006/relationships" xmlns:p="http://schemas.openxmlformats.org/presentationml/2006/main">
+  <p:cSld>
+    <p:spTree>
+      <p:nvGrpSpPr>
+        <p:cNvPr id="1" name=""/>
+        <p:cNvGrpSpPr/>
+        <p:nvPr/>
+      </p:nvGrpSpPr>
+      <p:grpSpPr/>
+      <p:grpSp>
+        <p:nvGrpSpPr>
+          <p:cNvPr id="3" name="组合 2"/>
+          <p:cNvGrpSpPr/>
+          <p:nvPr/>
+        </p:nvGrpSpPr>
+        <p:grpSpPr>
+          <a:xfrm>
+            <a:off x="1457960" y="1355725"/>
+            <a:ext cx="9566275" cy="4597400"/>
+            <a:chOff x="2493645" y="1939925"/>
+            <a:chExt cx="7230110" cy="3564890"/>
+          </a:xfrm>
+        </p:grpSpPr>
+        <p:sp>
+          <p:nvSpPr>
+            <p:cNvPr id="4" name="矩形 3"/>
+            <p:cNvSpPr/>
+            <p:nvPr/>
+          </p:nvSpPr>
+          <p:spPr>
+            <a:xfrm>
+              <a:off x="2493645" y="4940300"/>
+              <a:ext cx="7204075" cy="564515"/>
+            </a:xfrm>
+            <a:prstGeom prst="rect">
+              <a:avLst/>
+            </a:prstGeom>
+            <a:ln>
+              <a:solidFill>
+                <a:srgbClr val="FF0000"/>
+              </a:solidFill>
+              <a:prstDash val="sysDot"/>
+            </a:ln>
+          </p:spPr>
+          <p:style>
+            <a:lnRef idx="2">
+              <a:schemeClr val="accent1"/>
+            </a:lnRef>
+            <a:fillRef idx="1">
+              <a:schemeClr val="lt1"/>
+            </a:fillRef>
+            <a:effectRef idx="0">
+              <a:schemeClr val="accent1"/>
+            </a:effectRef>
+            <a:fontRef idx="minor">
+              <a:schemeClr val="dk1"/>
+            </a:fontRef>
+          </p:style>
+          <p:txBody>
+            <a:bodyPr vertOverflow="overflow" horzOverflow="overflow" vert="horz" wrap="square" numCol="1" spcCol="0" rtlCol="0" fromWordArt="0" anchor="ctr" anchorCtr="0" forceAA="0" compatLnSpc="1">
+              <a:noAutofit/>
+            </a:bodyPr>
+            <a:p>
+              <a:pPr lvl="0" algn="ctr">
+                <a:buClrTx/>
+                <a:buSzTx/>
+                <a:buFontTx/>
+              </a:pPr>
+              <a:endParaRPr lang="zh-CN" altLang="en-US" sz="1000">
+                <a:sym typeface="+mn-ea"/>
+              </a:endParaRPr>
+            </a:p>
+          </p:txBody>
+        </p:sp>
+        <p:sp>
+          <p:nvSpPr>
+            <p:cNvPr id="5" name="文本框 93"/>
+            <p:cNvSpPr txBox="1"/>
+            <p:nvPr/>
+          </p:nvSpPr>
+          <p:spPr>
+            <a:xfrm>
+              <a:off x="2506979" y="5073016"/>
+              <a:ext cx="1823721" cy="165935"/>
+            </a:xfrm>
+            <a:prstGeom prst="rect">
+              <a:avLst/>
+            </a:prstGeom>
+            <a:noFill/>
+          </p:spPr>
+          <p:txBody>
+            <a:bodyPr wrap="square" rtlCol="0" anchor="t" anchorCtr="0">
+              <a:spAutoFit/>
+            </a:bodyPr>
+            <a:p>
+              <a:pPr lvl="0" algn="l">
+                <a:buClrTx/>
+                <a:buSzTx/>
+                <a:buFontTx/>
+              </a:pPr>
+              <a:r>
+                <a:rPr lang="en-US" altLang="zh-CN" sz="800" b="1" dirty="0">
+                  <a:solidFill>
+                    <a:schemeClr val="tx2">
+                      <a:lumMod val="60000"/>
+                      <a:lumOff val="40000"/>
+                    </a:schemeClr>
+                  </a:solidFill>
+                  <a:latin typeface="微软雅黑" panose="020B0503020204020204" charset="-122"/>
+                  <a:ea typeface="微软雅黑" panose="020B0503020204020204" charset="-122"/>
+                  <a:sym typeface="+mn-ea"/>
+                </a:rPr>
+                <a:t>APT</a:t>
+              </a:r>
+              <a:r>
+                <a:rPr lang="zh-CN" altLang="en-US" sz="800" b="1" dirty="0">
+                  <a:solidFill>
+                    <a:schemeClr val="tx2">
+                      <a:lumMod val="60000"/>
+                      <a:lumOff val="40000"/>
+                    </a:schemeClr>
+                  </a:solidFill>
+                  <a:latin typeface="微软雅黑" panose="020B0503020204020204" charset="-122"/>
+                  <a:ea typeface="微软雅黑" panose="020B0503020204020204" charset="-122"/>
+                  <a:sym typeface="+mn-ea"/>
+                </a:rPr>
+                <a:t>攻击测绘行为</a:t>
+              </a:r>
+              <a:endParaRPr lang="zh-CN" altLang="en-US" sz="800" b="1" dirty="0">
+                <a:solidFill>
+                  <a:schemeClr val="tx2">
+                    <a:lumMod val="60000"/>
+                    <a:lumOff val="40000"/>
+                  </a:schemeClr>
+                </a:solidFill>
+                <a:latin typeface="微软雅黑" panose="020B0503020204020204" charset="-122"/>
+                <a:ea typeface="微软雅黑" panose="020B0503020204020204" charset="-122"/>
+                <a:sym typeface="+mn-ea"/>
+              </a:endParaRPr>
+            </a:p>
+          </p:txBody>
+        </p:sp>
+        <p:sp>
+          <p:nvSpPr>
+            <p:cNvPr id="6" name="文本框 5"/>
+            <p:cNvSpPr txBox="1"/>
+            <p:nvPr/>
+          </p:nvSpPr>
+          <p:spPr>
+            <a:xfrm>
+              <a:off x="4406900" y="5163913"/>
+              <a:ext cx="1444625" cy="154117"/>
+            </a:xfrm>
+            <a:prstGeom prst="rect">
+              <a:avLst/>
+            </a:prstGeom>
+            <a:solidFill>
+              <a:schemeClr val="accent1">
+                <a:lumMod val="40000"/>
+                <a:lumOff val="60000"/>
+              </a:schemeClr>
+            </a:solidFill>
+            <a:ln>
+              <a:solidFill>
+                <a:srgbClr val="000000">
+                  <a:alpha val="0"/>
+                </a:srgbClr>
+              </a:solidFill>
+            </a:ln>
+          </p:spPr>
+          <p:txBody>
+            <a:bodyPr wrap="square" rtlCol="0" anchor="ctr" anchorCtr="0">
+              <a:spAutoFit/>
+            </a:bodyPr>
+            <a:p>
+              <a:pPr lvl="0" algn="ctr">
+                <a:buClrTx/>
+                <a:buSzTx/>
+                <a:buFontTx/>
+              </a:pPr>
+              <a:r>
+                <a:rPr lang="zh-CN" altLang="en-US" sz="700" dirty="0">
+                  <a:latin typeface="微软雅黑" panose="020B0503020204020204" charset="-122"/>
+                  <a:ea typeface="微软雅黑" panose="020B0503020204020204" charset="-122"/>
+                  <a:sym typeface="+mn-ea"/>
+                </a:rPr>
+                <a:t>网络拓扑探测</a:t>
+              </a:r>
+              <a:endParaRPr lang="zh-CN" altLang="en-US" sz="700" dirty="0">
+                <a:latin typeface="微软雅黑" panose="020B0503020204020204" charset="-122"/>
+                <a:ea typeface="微软雅黑" panose="020B0503020204020204" charset="-122"/>
+                <a:sym typeface="+mn-ea"/>
+              </a:endParaRPr>
+            </a:p>
+          </p:txBody>
+        </p:sp>
+        <p:sp>
+          <p:nvSpPr>
+            <p:cNvPr id="7" name="矩形 6"/>
+            <p:cNvSpPr/>
+            <p:nvPr/>
+          </p:nvSpPr>
+          <p:spPr>
+            <a:xfrm>
+              <a:off x="2493645" y="3876040"/>
+              <a:ext cx="7204075" cy="841375"/>
+            </a:xfrm>
+            <a:prstGeom prst="rect">
+              <a:avLst/>
+            </a:prstGeom>
+            <a:ln>
+              <a:solidFill>
+                <a:srgbClr val="FF0000"/>
+              </a:solidFill>
+              <a:prstDash val="sysDot"/>
+            </a:ln>
+          </p:spPr>
+          <p:style>
+            <a:lnRef idx="2">
+              <a:schemeClr val="accent1"/>
+            </a:lnRef>
+            <a:fillRef idx="1">
+              <a:schemeClr val="lt1"/>
+            </a:fillRef>
+            <a:effectRef idx="0">
+              <a:schemeClr val="accent1"/>
+            </a:effectRef>
+            <a:fontRef idx="minor">
+              <a:schemeClr val="dk1"/>
+            </a:fontRef>
+          </p:style>
+          <p:txBody>
+            <a:bodyPr vertOverflow="overflow" horzOverflow="overflow" vert="horz" wrap="square" numCol="1" spcCol="0" rtlCol="0" fromWordArt="0" anchor="ctr" anchorCtr="0" forceAA="0" compatLnSpc="1">
+              <a:noAutofit/>
+            </a:bodyPr>
+            <a:p>
+              <a:pPr lvl="0" algn="ctr">
+                <a:buClrTx/>
+                <a:buSzTx/>
+                <a:buFontTx/>
+              </a:pPr>
+              <a:endParaRPr lang="zh-CN" altLang="en-US" sz="1000">
+                <a:sym typeface="+mn-ea"/>
+              </a:endParaRPr>
+            </a:p>
+          </p:txBody>
+        </p:sp>
+        <p:sp>
+          <p:nvSpPr>
+            <p:cNvPr id="8" name="文本框 93"/>
+            <p:cNvSpPr txBox="1"/>
+            <p:nvPr/>
+          </p:nvSpPr>
+          <p:spPr>
+            <a:xfrm>
+              <a:off x="2498089" y="4143375"/>
+              <a:ext cx="1616710" cy="165935"/>
+            </a:xfrm>
+            <a:prstGeom prst="rect">
+              <a:avLst/>
+            </a:prstGeom>
+            <a:noFill/>
+          </p:spPr>
+          <p:txBody>
+            <a:bodyPr wrap="square" rtlCol="0" anchor="t" anchorCtr="0">
+              <a:spAutoFit/>
+            </a:bodyPr>
+            <a:p>
+              <a:pPr lvl="0" algn="l">
+                <a:buClrTx/>
+                <a:buSzTx/>
+                <a:buFontTx/>
+              </a:pPr>
+              <a:r>
+                <a:rPr lang="zh-CN" altLang="en-US" sz="800" b="1" dirty="0">
+                  <a:solidFill>
+                    <a:schemeClr val="tx2">
+                      <a:lumMod val="60000"/>
+                      <a:lumOff val="40000"/>
+                    </a:schemeClr>
+                  </a:solidFill>
+                  <a:latin typeface="微软雅黑" panose="020B0503020204020204" charset="-122"/>
+                  <a:ea typeface="微软雅黑" panose="020B0503020204020204" charset="-122"/>
+                  <a:sym typeface="+mn-ea"/>
+                </a:rPr>
+                <a:t>测绘行为识别</a:t>
+              </a:r>
+              <a:endParaRPr lang="zh-CN" altLang="en-US" sz="800" b="1" dirty="0">
+                <a:solidFill>
+                  <a:schemeClr val="tx2">
+                    <a:lumMod val="60000"/>
+                    <a:lumOff val="40000"/>
+                  </a:schemeClr>
+                </a:solidFill>
+                <a:latin typeface="微软雅黑" panose="020B0503020204020204" charset="-122"/>
+                <a:ea typeface="微软雅黑" panose="020B0503020204020204" charset="-122"/>
+                <a:sym typeface="+mn-ea"/>
+              </a:endParaRPr>
+            </a:p>
+          </p:txBody>
+        </p:sp>
+        <p:sp>
+          <p:nvSpPr>
+            <p:cNvPr id="9" name="文本框 8"/>
+            <p:cNvSpPr txBox="1"/>
+            <p:nvPr/>
+          </p:nvSpPr>
+          <p:spPr>
+            <a:xfrm>
+              <a:off x="4137661" y="4389530"/>
+              <a:ext cx="1146809" cy="154117"/>
+            </a:xfrm>
+            <a:prstGeom prst="rect">
+              <a:avLst/>
+            </a:prstGeom>
+            <a:solidFill>
+              <a:schemeClr val="accent2">
+                <a:lumMod val="40000"/>
+                <a:lumOff val="60000"/>
+              </a:schemeClr>
+            </a:solidFill>
+            <a:ln>
+              <a:solidFill>
+                <a:srgbClr val="000000">
+                  <a:alpha val="0"/>
+                </a:srgbClr>
+              </a:solidFill>
+            </a:ln>
+          </p:spPr>
+          <p:txBody>
+            <a:bodyPr wrap="square" rtlCol="0" anchor="ctr" anchorCtr="0">
+              <a:spAutoFit/>
+            </a:bodyPr>
+            <a:p>
+              <a:pPr lvl="0" algn="ctr">
+                <a:buClrTx/>
+                <a:buSzTx/>
+                <a:buFontTx/>
+              </a:pPr>
+              <a:r>
+                <a:rPr lang="zh-CN" altLang="en-US" sz="700" dirty="0">
+                  <a:latin typeface="微软雅黑" panose="020B0503020204020204" charset="-122"/>
+                  <a:ea typeface="微软雅黑" panose="020B0503020204020204" charset="-122"/>
+                  <a:sym typeface="+mn-ea"/>
+                </a:rPr>
+                <a:t>全流量监控</a:t>
+              </a:r>
+              <a:endParaRPr lang="en-US" altLang="zh-CN" sz="700" dirty="0">
+                <a:latin typeface="微软雅黑" panose="020B0503020204020204" charset="-122"/>
+                <a:ea typeface="微软雅黑" panose="020B0503020204020204" charset="-122"/>
+                <a:sym typeface="+mn-ea"/>
+              </a:endParaRPr>
+            </a:p>
+          </p:txBody>
+        </p:sp>
+        <p:sp>
+          <p:nvSpPr>
+            <p:cNvPr id="10" name="文本框 9"/>
+            <p:cNvSpPr txBox="1"/>
+            <p:nvPr/>
+          </p:nvSpPr>
+          <p:spPr>
+            <a:xfrm>
+              <a:off x="5450841" y="4381594"/>
+              <a:ext cx="1102361" cy="154117"/>
+            </a:xfrm>
+            <a:prstGeom prst="rect">
+              <a:avLst/>
+            </a:prstGeom>
+            <a:solidFill>
+              <a:schemeClr val="accent2">
+                <a:lumMod val="40000"/>
+                <a:lumOff val="60000"/>
+              </a:schemeClr>
+            </a:solidFill>
+            <a:ln>
+              <a:solidFill>
+                <a:srgbClr val="000000">
+                  <a:alpha val="0"/>
+                </a:srgbClr>
+              </a:solidFill>
+            </a:ln>
+          </p:spPr>
+          <p:txBody>
+            <a:bodyPr wrap="square" rtlCol="0" anchor="ctr" anchorCtr="0">
+              <a:spAutoFit/>
+            </a:bodyPr>
+            <a:p>
+              <a:pPr lvl="0" algn="ctr">
+                <a:buClrTx/>
+                <a:buSzTx/>
+                <a:buFontTx/>
+              </a:pPr>
+              <a:r>
+                <a:rPr lang="zh-CN" altLang="en-US" sz="700">
+                  <a:solidFill>
+                    <a:schemeClr val="tx1"/>
+                  </a:solidFill>
+                  <a:latin typeface="微软雅黑" panose="020B0503020204020204" charset="-122"/>
+                  <a:ea typeface="微软雅黑" panose="020B0503020204020204" charset="-122"/>
+                  <a:cs typeface="微软雅黑" panose="020B0503020204020204" charset="-122"/>
+                  <a:sym typeface="+mn-ea"/>
+                </a:rPr>
+                <a:t>IP地理位置库</a:t>
+              </a:r>
+              <a:endParaRPr lang="zh-CN" altLang="en-US" sz="700" dirty="0">
+                <a:solidFill>
+                  <a:schemeClr val="tx1"/>
+                </a:solidFill>
+                <a:latin typeface="微软雅黑" panose="020B0503020204020204" charset="-122"/>
+                <a:ea typeface="微软雅黑" panose="020B0503020204020204" charset="-122"/>
+                <a:cs typeface="微软雅黑" panose="020B0503020204020204" charset="-122"/>
+                <a:sym typeface="+mn-ea"/>
+              </a:endParaRPr>
+            </a:p>
+          </p:txBody>
+        </p:sp>
+        <p:sp>
+          <p:nvSpPr>
+            <p:cNvPr id="11" name="上箭头 10"/>
+            <p:cNvSpPr/>
+            <p:nvPr/>
+          </p:nvSpPr>
+          <p:spPr>
+            <a:xfrm>
+              <a:off x="4331335" y="4672330"/>
+              <a:ext cx="329565" cy="267970"/>
+            </a:xfrm>
+            <a:prstGeom prst="upArrow">
+              <a:avLst/>
+            </a:prstGeom>
+            <a:solidFill>
+              <a:schemeClr val="bg2">
+                <a:lumMod val="90000"/>
+              </a:schemeClr>
+            </a:solidFill>
+            <a:ln>
+              <a:solidFill>
+                <a:schemeClr val="bg2">
+                  <a:lumMod val="90000"/>
+                </a:schemeClr>
+              </a:solidFill>
+            </a:ln>
+          </p:spPr>
+          <p:style>
+            <a:lnRef idx="2">
+              <a:schemeClr val="accent1">
+                <a:shade val="50000"/>
+              </a:schemeClr>
+            </a:lnRef>
+            <a:fillRef idx="1">
+              <a:schemeClr val="accent1"/>
+            </a:fillRef>
+            <a:effectRef idx="0">
+              <a:schemeClr val="accent1"/>
+            </a:effectRef>
+            <a:fontRef idx="minor">
+              <a:schemeClr val="lt1"/>
+            </a:fontRef>
+          </p:style>
+          <p:txBody>
+            <a:bodyPr rtlCol="0" anchor="ctr"/>
+            <a:p>
+              <a:pPr algn="ctr"/>
+              <a:endParaRPr lang="zh-CN" altLang="en-US" sz="1000"/>
+            </a:p>
+          </p:txBody>
+        </p:sp>
+        <p:sp>
+          <p:nvSpPr>
+            <p:cNvPr id="12" name="上箭头 11"/>
+            <p:cNvSpPr/>
+            <p:nvPr/>
+          </p:nvSpPr>
+          <p:spPr>
+            <a:xfrm>
+              <a:off x="5964555" y="4672330"/>
+              <a:ext cx="329565" cy="267970"/>
+            </a:xfrm>
+            <a:prstGeom prst="upArrow">
+              <a:avLst/>
+            </a:prstGeom>
+            <a:solidFill>
+              <a:schemeClr val="bg2">
+                <a:lumMod val="90000"/>
+              </a:schemeClr>
+            </a:solidFill>
+            <a:ln>
+              <a:solidFill>
+                <a:schemeClr val="bg2">
+                  <a:lumMod val="90000"/>
+                </a:schemeClr>
+              </a:solidFill>
+            </a:ln>
+          </p:spPr>
+          <p:style>
+            <a:lnRef idx="2">
+              <a:schemeClr val="accent1">
+                <a:shade val="50000"/>
+              </a:schemeClr>
+            </a:lnRef>
+            <a:fillRef idx="1">
+              <a:schemeClr val="accent1"/>
+            </a:fillRef>
+            <a:effectRef idx="0">
+              <a:schemeClr val="accent1"/>
+            </a:effectRef>
+            <a:fontRef idx="minor">
+              <a:schemeClr val="lt1"/>
+            </a:fontRef>
+          </p:style>
+          <p:txBody>
+            <a:bodyPr rtlCol="0" anchor="ctr"/>
+            <a:p>
+              <a:pPr algn="ctr"/>
+              <a:endParaRPr lang="zh-CN" altLang="en-US" sz="1000"/>
+            </a:p>
+          </p:txBody>
+        </p:sp>
+        <p:sp>
+          <p:nvSpPr>
+            <p:cNvPr id="13" name="上箭头 12"/>
+            <p:cNvSpPr/>
+            <p:nvPr/>
+          </p:nvSpPr>
+          <p:spPr>
+            <a:xfrm>
+              <a:off x="7446645" y="4672330"/>
+              <a:ext cx="329565" cy="267970"/>
+            </a:xfrm>
+            <a:prstGeom prst="upArrow">
+              <a:avLst/>
+            </a:prstGeom>
+            <a:solidFill>
+              <a:schemeClr val="bg2">
+                <a:lumMod val="90000"/>
+              </a:schemeClr>
+            </a:solidFill>
+            <a:ln>
+              <a:solidFill>
+                <a:schemeClr val="bg2">
+                  <a:lumMod val="90000"/>
+                </a:schemeClr>
+              </a:solidFill>
+            </a:ln>
+          </p:spPr>
+          <p:style>
+            <a:lnRef idx="2">
+              <a:schemeClr val="accent1">
+                <a:shade val="50000"/>
+              </a:schemeClr>
+            </a:lnRef>
+            <a:fillRef idx="1">
+              <a:schemeClr val="accent1"/>
+            </a:fillRef>
+            <a:effectRef idx="0">
+              <a:schemeClr val="accent1"/>
+            </a:effectRef>
+            <a:fontRef idx="minor">
+              <a:schemeClr val="lt1"/>
+            </a:fontRef>
+          </p:style>
+          <p:txBody>
+            <a:bodyPr rtlCol="0" anchor="ctr"/>
+            <a:p>
+              <a:pPr algn="ctr"/>
+              <a:endParaRPr lang="zh-CN" altLang="en-US" sz="1000"/>
+            </a:p>
+          </p:txBody>
+        </p:sp>
+        <p:sp>
+          <p:nvSpPr>
+            <p:cNvPr id="14" name="上箭头 13"/>
+            <p:cNvSpPr/>
+            <p:nvPr/>
+          </p:nvSpPr>
+          <p:spPr>
+            <a:xfrm>
+              <a:off x="8735695" y="4672330"/>
+              <a:ext cx="329565" cy="267970"/>
+            </a:xfrm>
+            <a:prstGeom prst="upArrow">
+              <a:avLst/>
+            </a:prstGeom>
+            <a:solidFill>
+              <a:schemeClr val="bg2">
+                <a:lumMod val="90000"/>
+              </a:schemeClr>
+            </a:solidFill>
+            <a:ln>
+              <a:solidFill>
+                <a:schemeClr val="bg2">
+                  <a:lumMod val="90000"/>
+                </a:schemeClr>
+              </a:solidFill>
+            </a:ln>
+          </p:spPr>
+          <p:style>
+            <a:lnRef idx="2">
+              <a:schemeClr val="accent1">
+                <a:shade val="50000"/>
+              </a:schemeClr>
+            </a:lnRef>
+            <a:fillRef idx="1">
+              <a:schemeClr val="accent1"/>
+            </a:fillRef>
+            <a:effectRef idx="0">
+              <a:schemeClr val="accent1"/>
+            </a:effectRef>
+            <a:fontRef idx="minor">
+              <a:schemeClr val="lt1"/>
+            </a:fontRef>
+          </p:style>
+          <p:txBody>
+            <a:bodyPr rtlCol="0" anchor="ctr"/>
+            <a:p>
+              <a:pPr algn="ctr"/>
+              <a:endParaRPr lang="zh-CN" altLang="en-US" sz="1000"/>
+            </a:p>
+          </p:txBody>
+        </p:sp>
+        <p:sp>
+          <p:nvSpPr>
+            <p:cNvPr id="15" name="文本框 14"/>
+            <p:cNvSpPr txBox="1"/>
+            <p:nvPr/>
+          </p:nvSpPr>
+          <p:spPr>
+            <a:xfrm>
+              <a:off x="6731000" y="4315460"/>
+              <a:ext cx="1111250" cy="254000"/>
+            </a:xfrm>
+            <a:prstGeom prst="rect">
+              <a:avLst/>
+            </a:prstGeom>
+            <a:solidFill>
+              <a:schemeClr val="accent2">
+                <a:lumMod val="40000"/>
+                <a:lumOff val="60000"/>
+              </a:schemeClr>
+            </a:solidFill>
+            <a:ln>
+              <a:solidFill>
+                <a:srgbClr val="000000">
+                  <a:alpha val="0"/>
+                </a:srgbClr>
+              </a:solidFill>
+            </a:ln>
+          </p:spPr>
+          <p:txBody>
+            <a:bodyPr wrap="square" rtlCol="0" anchor="ctr" anchorCtr="0">
+              <a:noAutofit/>
+            </a:bodyPr>
+            <a:p>
+              <a:pPr lvl="0" algn="ctr">
+                <a:buClrTx/>
+                <a:buSzTx/>
+                <a:buFontTx/>
+              </a:pPr>
+              <a:r>
+                <a:rPr lang="zh-CN" altLang="en-US" sz="700">
+                  <a:latin typeface="微软雅黑" panose="020B0503020204020204" charset="-122"/>
+                  <a:ea typeface="微软雅黑" panose="020B0503020204020204" charset="-122"/>
+                  <a:cs typeface="微软雅黑" panose="020B0503020204020204" charset="-122"/>
+                  <a:sym typeface="+mn-ea"/>
+                </a:rPr>
+                <a:t>扫描器指纹库</a:t>
+              </a:r>
+              <a:endParaRPr lang="zh-CN" altLang="en-US" sz="700">
+                <a:latin typeface="微软雅黑" panose="020B0503020204020204" charset="-122"/>
+                <a:ea typeface="微软雅黑" panose="020B0503020204020204" charset="-122"/>
+                <a:cs typeface="微软雅黑" panose="020B0503020204020204" charset="-122"/>
+                <a:sym typeface="+mn-ea"/>
+              </a:endParaRPr>
+            </a:p>
+          </p:txBody>
+        </p:sp>
+        <p:sp>
+          <p:nvSpPr>
+            <p:cNvPr id="16" name="矩形 15"/>
+            <p:cNvSpPr/>
+            <p:nvPr/>
+          </p:nvSpPr>
+          <p:spPr>
+            <a:xfrm>
+              <a:off x="2497455" y="3077845"/>
+              <a:ext cx="7204075" cy="564515"/>
+            </a:xfrm>
+            <a:prstGeom prst="rect">
+              <a:avLst/>
+            </a:prstGeom>
+            <a:ln>
+              <a:solidFill>
+                <a:srgbClr val="FF0000"/>
+              </a:solidFill>
+              <a:prstDash val="sysDot"/>
+            </a:ln>
+          </p:spPr>
+          <p:style>
+            <a:lnRef idx="2">
+              <a:schemeClr val="accent1"/>
+            </a:lnRef>
+            <a:fillRef idx="1">
+              <a:schemeClr val="lt1"/>
+            </a:fillRef>
+            <a:effectRef idx="0">
+              <a:schemeClr val="accent1"/>
+            </a:effectRef>
+            <a:fontRef idx="minor">
+              <a:schemeClr val="dk1"/>
+            </a:fontRef>
+          </p:style>
+          <p:txBody>
+            <a:bodyPr vertOverflow="overflow" horzOverflow="overflow" vert="horz" wrap="square" numCol="1" spcCol="0" rtlCol="0" fromWordArt="0" anchor="ctr" anchorCtr="0" forceAA="0" compatLnSpc="1">
+              <a:noAutofit/>
+            </a:bodyPr>
+            <a:p>
+              <a:pPr lvl="0" algn="ctr">
+                <a:buClrTx/>
+                <a:buSzTx/>
+                <a:buFontTx/>
+              </a:pPr>
+              <a:endParaRPr lang="zh-CN" altLang="en-US" sz="1000">
+                <a:sym typeface="+mn-ea"/>
+              </a:endParaRPr>
+            </a:p>
+          </p:txBody>
+        </p:sp>
+        <p:sp>
+          <p:nvSpPr>
+            <p:cNvPr id="17" name="文本框 93"/>
+            <p:cNvSpPr txBox="1"/>
+            <p:nvPr/>
+          </p:nvSpPr>
+          <p:spPr>
+            <a:xfrm>
+              <a:off x="2497456" y="3210560"/>
+              <a:ext cx="1630045" cy="165935"/>
+            </a:xfrm>
+            <a:prstGeom prst="rect">
+              <a:avLst/>
+            </a:prstGeom>
+            <a:noFill/>
+          </p:spPr>
+          <p:txBody>
+            <a:bodyPr wrap="square" rtlCol="0" anchor="t" anchorCtr="0">
+              <a:spAutoFit/>
+            </a:bodyPr>
+            <a:p>
+              <a:pPr lvl="0" algn="l">
+                <a:buClrTx/>
+                <a:buSzTx/>
+                <a:buFontTx/>
+              </a:pPr>
+              <a:r>
+                <a:rPr lang="zh-CN" altLang="en-US" sz="800" b="1" dirty="0">
+                  <a:solidFill>
+                    <a:schemeClr val="tx2">
+                      <a:lumMod val="60000"/>
+                      <a:lumOff val="40000"/>
+                    </a:schemeClr>
+                  </a:solidFill>
+                  <a:latin typeface="微软雅黑" panose="020B0503020204020204" charset="-122"/>
+                  <a:ea typeface="微软雅黑" panose="020B0503020204020204" charset="-122"/>
+                  <a:sym typeface="+mn-ea"/>
+                </a:rPr>
+                <a:t>混淆与防御</a:t>
+              </a:r>
+              <a:endParaRPr lang="zh-CN" altLang="en-US" sz="800" b="1" dirty="0">
+                <a:solidFill>
+                  <a:schemeClr val="tx2">
+                    <a:lumMod val="60000"/>
+                    <a:lumOff val="40000"/>
+                  </a:schemeClr>
+                </a:solidFill>
+                <a:latin typeface="微软雅黑" panose="020B0503020204020204" charset="-122"/>
+                <a:ea typeface="微软雅黑" panose="020B0503020204020204" charset="-122"/>
+                <a:sym typeface="+mn-ea"/>
+              </a:endParaRPr>
+            </a:p>
+          </p:txBody>
+        </p:sp>
+        <p:sp>
+          <p:nvSpPr>
+            <p:cNvPr id="18" name="文本框 17"/>
+            <p:cNvSpPr txBox="1"/>
+            <p:nvPr/>
+          </p:nvSpPr>
+          <p:spPr>
+            <a:xfrm>
+              <a:off x="3872864" y="3310029"/>
+              <a:ext cx="1707515" cy="154117"/>
+            </a:xfrm>
+            <a:prstGeom prst="rect">
+              <a:avLst/>
+            </a:prstGeom>
+            <a:solidFill>
+              <a:schemeClr val="accent1">
+                <a:lumMod val="40000"/>
+                <a:lumOff val="60000"/>
+              </a:schemeClr>
+            </a:solidFill>
+            <a:ln>
+              <a:solidFill>
+                <a:srgbClr val="000000">
+                  <a:alpha val="0"/>
+                </a:srgbClr>
+              </a:solidFill>
+            </a:ln>
+          </p:spPr>
+          <p:txBody>
+            <a:bodyPr wrap="square" rtlCol="0" anchor="ctr" anchorCtr="0">
+              <a:spAutoFit/>
+            </a:bodyPr>
+            <a:p>
+              <a:pPr lvl="0" algn="ctr">
+                <a:buClrTx/>
+                <a:buSzTx/>
+                <a:buFontTx/>
+              </a:pPr>
+              <a:r>
+                <a:rPr lang="zh-CN" altLang="en-US" sz="700" dirty="0">
+                  <a:latin typeface="微软雅黑" panose="020B0503020204020204" charset="-122"/>
+                  <a:ea typeface="微软雅黑" panose="020B0503020204020204" charset="-122"/>
+                  <a:sym typeface="+mn-ea"/>
+                </a:rPr>
+                <a:t>入侵防御系统</a:t>
+              </a:r>
+              <a:endParaRPr lang="zh-CN" altLang="en-US" sz="700" dirty="0">
+                <a:latin typeface="微软雅黑" panose="020B0503020204020204" charset="-122"/>
+                <a:ea typeface="微软雅黑" panose="020B0503020204020204" charset="-122"/>
+                <a:sym typeface="+mn-ea"/>
+              </a:endParaRPr>
+            </a:p>
+          </p:txBody>
+        </p:sp>
+        <p:sp>
+          <p:nvSpPr>
+            <p:cNvPr id="19" name="文本框 18"/>
+            <p:cNvSpPr txBox="1"/>
+            <p:nvPr/>
+          </p:nvSpPr>
+          <p:spPr>
+            <a:xfrm>
+              <a:off x="5779770" y="3310665"/>
+              <a:ext cx="1094741" cy="154117"/>
+            </a:xfrm>
+            <a:prstGeom prst="rect">
+              <a:avLst/>
+            </a:prstGeom>
+            <a:solidFill>
+              <a:schemeClr val="accent1">
+                <a:lumMod val="40000"/>
+                <a:lumOff val="60000"/>
+              </a:schemeClr>
+            </a:solidFill>
+            <a:ln>
+              <a:solidFill>
+                <a:srgbClr val="000000">
+                  <a:alpha val="0"/>
+                </a:srgbClr>
+              </a:solidFill>
+            </a:ln>
+          </p:spPr>
+          <p:txBody>
+            <a:bodyPr wrap="square" rtlCol="0" anchor="ctr" anchorCtr="0">
+              <a:spAutoFit/>
+            </a:bodyPr>
+            <a:p>
+              <a:pPr lvl="0" algn="ctr">
+                <a:buClrTx/>
+                <a:buSzTx/>
+                <a:buFontTx/>
+              </a:pPr>
+              <a:r>
+                <a:rPr lang="zh-CN" altLang="en-US" sz="700" dirty="0">
+                  <a:latin typeface="微软雅黑" panose="020B0503020204020204" charset="-122"/>
+                  <a:ea typeface="微软雅黑" panose="020B0503020204020204" charset="-122"/>
+                  <a:sym typeface="+mn-ea"/>
+                </a:rPr>
+                <a:t>主机混淆</a:t>
+              </a:r>
+              <a:endParaRPr lang="zh-CN" altLang="en-US" sz="700" dirty="0">
+                <a:latin typeface="微软雅黑" panose="020B0503020204020204" charset="-122"/>
+                <a:ea typeface="微软雅黑" panose="020B0503020204020204" charset="-122"/>
+                <a:sym typeface="+mn-ea"/>
+              </a:endParaRPr>
+            </a:p>
+          </p:txBody>
+        </p:sp>
+        <p:sp>
+          <p:nvSpPr>
+            <p:cNvPr id="20" name="上箭头 19"/>
+            <p:cNvSpPr/>
+            <p:nvPr/>
+          </p:nvSpPr>
+          <p:spPr>
+            <a:xfrm>
+              <a:off x="4335145" y="3597275"/>
+              <a:ext cx="329565" cy="267970"/>
+            </a:xfrm>
+            <a:prstGeom prst="upArrow">
+              <a:avLst/>
+            </a:prstGeom>
+            <a:solidFill>
+              <a:schemeClr val="bg2">
+                <a:lumMod val="90000"/>
+              </a:schemeClr>
+            </a:solidFill>
+            <a:ln>
+              <a:solidFill>
+                <a:schemeClr val="bg2">
+                  <a:lumMod val="90000"/>
+                </a:schemeClr>
+              </a:solidFill>
+            </a:ln>
+          </p:spPr>
+          <p:style>
+            <a:lnRef idx="2">
+              <a:schemeClr val="accent1">
+                <a:shade val="50000"/>
+              </a:schemeClr>
+            </a:lnRef>
+            <a:fillRef idx="1">
+              <a:schemeClr val="accent1"/>
+            </a:fillRef>
+            <a:effectRef idx="0">
+              <a:schemeClr val="accent1"/>
+            </a:effectRef>
+            <a:fontRef idx="minor">
+              <a:schemeClr val="lt1"/>
+            </a:fontRef>
+          </p:style>
+          <p:txBody>
+            <a:bodyPr rtlCol="0" anchor="ctr"/>
+            <a:p>
+              <a:pPr algn="ctr"/>
+              <a:endParaRPr lang="zh-CN" altLang="en-US" sz="1000"/>
+            </a:p>
+          </p:txBody>
+        </p:sp>
+        <p:sp>
+          <p:nvSpPr>
+            <p:cNvPr id="21" name="上箭头 20"/>
+            <p:cNvSpPr/>
+            <p:nvPr/>
+          </p:nvSpPr>
+          <p:spPr>
+            <a:xfrm>
+              <a:off x="5968365" y="3597275"/>
+              <a:ext cx="329565" cy="267970"/>
+            </a:xfrm>
+            <a:prstGeom prst="upArrow">
+              <a:avLst/>
+            </a:prstGeom>
+            <a:solidFill>
+              <a:schemeClr val="bg2">
+                <a:lumMod val="90000"/>
+              </a:schemeClr>
+            </a:solidFill>
+            <a:ln>
+              <a:solidFill>
+                <a:schemeClr val="bg2">
+                  <a:lumMod val="90000"/>
+                </a:schemeClr>
+              </a:solidFill>
+            </a:ln>
+          </p:spPr>
+          <p:style>
+            <a:lnRef idx="2">
+              <a:schemeClr val="accent1">
+                <a:shade val="50000"/>
+              </a:schemeClr>
+            </a:lnRef>
+            <a:fillRef idx="1">
+              <a:schemeClr val="accent1"/>
+            </a:fillRef>
+            <a:effectRef idx="0">
+              <a:schemeClr val="accent1"/>
+            </a:effectRef>
+            <a:fontRef idx="minor">
+              <a:schemeClr val="lt1"/>
+            </a:fontRef>
+          </p:style>
+          <p:txBody>
+            <a:bodyPr rtlCol="0" anchor="ctr"/>
+            <a:p>
+              <a:pPr algn="ctr"/>
+              <a:endParaRPr lang="zh-CN" altLang="en-US" sz="1000"/>
+            </a:p>
+          </p:txBody>
+        </p:sp>
+        <p:sp>
+          <p:nvSpPr>
+            <p:cNvPr id="22" name="上箭头 21"/>
+            <p:cNvSpPr/>
+            <p:nvPr/>
+          </p:nvSpPr>
+          <p:spPr>
+            <a:xfrm>
+              <a:off x="7450455" y="3597275"/>
+              <a:ext cx="329565" cy="267970"/>
+            </a:xfrm>
+            <a:prstGeom prst="upArrow">
+              <a:avLst/>
+            </a:prstGeom>
+            <a:solidFill>
+              <a:schemeClr val="bg2">
+                <a:lumMod val="90000"/>
+              </a:schemeClr>
+            </a:solidFill>
+            <a:ln>
+              <a:solidFill>
+                <a:schemeClr val="bg2">
+                  <a:lumMod val="90000"/>
+                </a:schemeClr>
+              </a:solidFill>
+            </a:ln>
+          </p:spPr>
+          <p:style>
+            <a:lnRef idx="2">
+              <a:schemeClr val="accent1">
+                <a:shade val="50000"/>
+              </a:schemeClr>
+            </a:lnRef>
+            <a:fillRef idx="1">
+              <a:schemeClr val="accent1"/>
+            </a:fillRef>
+            <a:effectRef idx="0">
+              <a:schemeClr val="accent1"/>
+            </a:effectRef>
+            <a:fontRef idx="minor">
+              <a:schemeClr val="lt1"/>
+            </a:fontRef>
+          </p:style>
+          <p:txBody>
+            <a:bodyPr rtlCol="0" anchor="ctr"/>
+            <a:p>
+              <a:pPr algn="ctr"/>
+              <a:endParaRPr lang="zh-CN" altLang="en-US" sz="1000"/>
+            </a:p>
+          </p:txBody>
+        </p:sp>
+        <p:sp>
+          <p:nvSpPr>
+            <p:cNvPr id="23" name="上箭头 22"/>
+            <p:cNvSpPr/>
+            <p:nvPr/>
+          </p:nvSpPr>
+          <p:spPr>
+            <a:xfrm>
+              <a:off x="8739505" y="3597275"/>
+              <a:ext cx="329565" cy="267970"/>
+            </a:xfrm>
+            <a:prstGeom prst="upArrow">
+              <a:avLst/>
+            </a:prstGeom>
+            <a:solidFill>
+              <a:schemeClr val="bg2">
+                <a:lumMod val="90000"/>
+              </a:schemeClr>
+            </a:solidFill>
+            <a:ln>
+              <a:solidFill>
+                <a:schemeClr val="bg2">
+                  <a:lumMod val="90000"/>
+                </a:schemeClr>
+              </a:solidFill>
+            </a:ln>
+          </p:spPr>
+          <p:style>
+            <a:lnRef idx="2">
+              <a:schemeClr val="accent1">
+                <a:shade val="50000"/>
+              </a:schemeClr>
+            </a:lnRef>
+            <a:fillRef idx="1">
+              <a:schemeClr val="accent1"/>
+            </a:fillRef>
+            <a:effectRef idx="0">
+              <a:schemeClr val="accent1"/>
+            </a:effectRef>
+            <a:fontRef idx="minor">
+              <a:schemeClr val="lt1"/>
+            </a:fontRef>
+          </p:style>
+          <p:txBody>
+            <a:bodyPr rtlCol="0" anchor="ctr"/>
+            <a:p>
+              <a:pPr algn="ctr"/>
+              <a:endParaRPr lang="zh-CN" altLang="en-US" sz="1000"/>
+            </a:p>
+          </p:txBody>
+        </p:sp>
+        <p:sp>
+          <p:nvSpPr>
+            <p:cNvPr id="24" name="文本框 23"/>
+            <p:cNvSpPr txBox="1"/>
+            <p:nvPr/>
+          </p:nvSpPr>
+          <p:spPr>
+            <a:xfrm>
+              <a:off x="7073901" y="3309395"/>
+              <a:ext cx="1094741" cy="154117"/>
+            </a:xfrm>
+            <a:prstGeom prst="rect">
+              <a:avLst/>
+            </a:prstGeom>
+            <a:solidFill>
+              <a:schemeClr val="accent1">
+                <a:lumMod val="40000"/>
+                <a:lumOff val="60000"/>
+              </a:schemeClr>
+            </a:solidFill>
+            <a:ln>
+              <a:solidFill>
+                <a:srgbClr val="000000">
+                  <a:alpha val="0"/>
+                </a:srgbClr>
+              </a:solidFill>
+            </a:ln>
+          </p:spPr>
+          <p:txBody>
+            <a:bodyPr wrap="square" rtlCol="0" anchor="ctr" anchorCtr="0">
+              <a:spAutoFit/>
+            </a:bodyPr>
+            <a:p>
+              <a:pPr lvl="0" algn="ctr">
+                <a:buClrTx/>
+                <a:buSzTx/>
+                <a:buFontTx/>
+              </a:pPr>
+              <a:r>
+                <a:rPr lang="zh-CN" altLang="en-US" sz="700" dirty="0">
+                  <a:latin typeface="微软雅黑" panose="020B0503020204020204" charset="-122"/>
+                  <a:ea typeface="微软雅黑" panose="020B0503020204020204" charset="-122"/>
+                  <a:sym typeface="+mn-ea"/>
+                </a:rPr>
+                <a:t>端口混淆</a:t>
+              </a:r>
+              <a:endParaRPr lang="zh-CN" altLang="en-US" sz="700" dirty="0">
+                <a:latin typeface="微软雅黑" panose="020B0503020204020204" charset="-122"/>
+                <a:ea typeface="微软雅黑" panose="020B0503020204020204" charset="-122"/>
+                <a:sym typeface="+mn-ea"/>
+              </a:endParaRPr>
+            </a:p>
+          </p:txBody>
+        </p:sp>
+        <p:sp>
+          <p:nvSpPr>
+            <p:cNvPr id="25" name="文本框 24"/>
+            <p:cNvSpPr txBox="1"/>
+            <p:nvPr/>
+          </p:nvSpPr>
+          <p:spPr>
+            <a:xfrm>
+              <a:off x="8002270" y="3999865"/>
+              <a:ext cx="1224280" cy="254000"/>
+            </a:xfrm>
+            <a:prstGeom prst="rect">
+              <a:avLst/>
+            </a:prstGeom>
+            <a:solidFill>
+              <a:schemeClr val="accent2">
+                <a:lumMod val="40000"/>
+                <a:lumOff val="60000"/>
+              </a:schemeClr>
+            </a:solidFill>
+            <a:ln>
+              <a:solidFill>
+                <a:srgbClr val="000000">
+                  <a:alpha val="0"/>
+                </a:srgbClr>
+              </a:solidFill>
+            </a:ln>
+          </p:spPr>
+          <p:txBody>
+            <a:bodyPr wrap="square" rtlCol="0" anchor="ctr" anchorCtr="0">
+              <a:noAutofit/>
+            </a:bodyPr>
+            <a:p>
+              <a:pPr lvl="0" algn="ctr">
+                <a:buClrTx/>
+                <a:buSzTx/>
+                <a:buFontTx/>
+              </a:pPr>
+              <a:r>
+                <a:rPr lang="zh-CN" altLang="en-US" sz="700">
+                  <a:latin typeface="微软雅黑" panose="020B0503020204020204" charset="-122"/>
+                  <a:ea typeface="微软雅黑" panose="020B0503020204020204" charset="-122"/>
+                  <a:cs typeface="微软雅黑" panose="020B0503020204020204" charset="-122"/>
+                  <a:sym typeface="+mn-ea"/>
+                </a:rPr>
+                <a:t>流量行为分析</a:t>
+              </a:r>
+              <a:endParaRPr lang="zh-CN" altLang="en-US" sz="700">
+                <a:latin typeface="微软雅黑" panose="020B0503020204020204" charset="-122"/>
+                <a:ea typeface="微软雅黑" panose="020B0503020204020204" charset="-122"/>
+                <a:cs typeface="微软雅黑" panose="020B0503020204020204" charset="-122"/>
+                <a:sym typeface="+mn-ea"/>
+              </a:endParaRPr>
+            </a:p>
+          </p:txBody>
+        </p:sp>
+        <p:sp>
+          <p:nvSpPr>
+            <p:cNvPr id="26" name="文本框 25"/>
+            <p:cNvSpPr txBox="1"/>
+            <p:nvPr/>
+          </p:nvSpPr>
+          <p:spPr>
+            <a:xfrm>
+              <a:off x="8368030" y="3309395"/>
+              <a:ext cx="1094741" cy="154117"/>
+            </a:xfrm>
+            <a:prstGeom prst="rect">
+              <a:avLst/>
+            </a:prstGeom>
+            <a:solidFill>
+              <a:schemeClr val="accent1">
+                <a:lumMod val="40000"/>
+                <a:lumOff val="60000"/>
+              </a:schemeClr>
+            </a:solidFill>
+            <a:ln>
+              <a:solidFill>
+                <a:srgbClr val="000000">
+                  <a:alpha val="0"/>
+                </a:srgbClr>
+              </a:solidFill>
+            </a:ln>
+          </p:spPr>
+          <p:txBody>
+            <a:bodyPr wrap="square" rtlCol="0" anchor="ctr" anchorCtr="0">
+              <a:spAutoFit/>
+            </a:bodyPr>
+            <a:p>
+              <a:pPr lvl="0" algn="ctr">
+                <a:buClrTx/>
+                <a:buSzTx/>
+                <a:buFontTx/>
+              </a:pPr>
+              <a:r>
+                <a:rPr lang="zh-CN" altLang="en-US" sz="700" dirty="0">
+                  <a:latin typeface="微软雅黑" panose="020B0503020204020204" charset="-122"/>
+                  <a:ea typeface="微软雅黑" panose="020B0503020204020204" charset="-122"/>
+                  <a:sym typeface="+mn-ea"/>
+                </a:rPr>
+                <a:t>隐蔽陷阱</a:t>
+              </a:r>
+              <a:endParaRPr lang="zh-CN" altLang="en-US" sz="700" dirty="0">
+                <a:latin typeface="微软雅黑" panose="020B0503020204020204" charset="-122"/>
+                <a:ea typeface="微软雅黑" panose="020B0503020204020204" charset="-122"/>
+                <a:sym typeface="+mn-ea"/>
+              </a:endParaRPr>
+            </a:p>
+          </p:txBody>
+        </p:sp>
+        <p:sp>
+          <p:nvSpPr>
+            <p:cNvPr id="27" name="矩形 26"/>
+            <p:cNvSpPr/>
+            <p:nvPr/>
+          </p:nvSpPr>
+          <p:spPr>
+            <a:xfrm>
+              <a:off x="2510790" y="2290445"/>
+              <a:ext cx="7204075" cy="564515"/>
+            </a:xfrm>
+            <a:prstGeom prst="rect">
+              <a:avLst/>
+            </a:prstGeom>
+            <a:ln>
+              <a:solidFill>
+                <a:srgbClr val="FF0000"/>
+              </a:solidFill>
+              <a:prstDash val="sysDot"/>
+            </a:ln>
+          </p:spPr>
+          <p:style>
+            <a:lnRef idx="2">
+              <a:schemeClr val="accent1"/>
+            </a:lnRef>
+            <a:fillRef idx="1">
+              <a:schemeClr val="lt1"/>
+            </a:fillRef>
+            <a:effectRef idx="0">
+              <a:schemeClr val="accent1"/>
+            </a:effectRef>
+            <a:fontRef idx="minor">
+              <a:schemeClr val="dk1"/>
+            </a:fontRef>
+          </p:style>
+          <p:txBody>
+            <a:bodyPr vertOverflow="overflow" horzOverflow="overflow" vert="horz" wrap="square" numCol="1" spcCol="0" rtlCol="0" fromWordArt="0" anchor="ctr" anchorCtr="0" forceAA="0" compatLnSpc="1">
+              <a:noAutofit/>
+            </a:bodyPr>
+            <a:p>
+              <a:pPr lvl="0" algn="ctr">
+                <a:buClrTx/>
+                <a:buSzTx/>
+                <a:buFontTx/>
+              </a:pPr>
+              <a:endParaRPr lang="zh-CN" altLang="en-US" sz="1000">
+                <a:sym typeface="+mn-ea"/>
+              </a:endParaRPr>
+            </a:p>
+          </p:txBody>
+        </p:sp>
+        <p:sp>
+          <p:nvSpPr>
+            <p:cNvPr id="28" name="文本框 93"/>
+            <p:cNvSpPr txBox="1"/>
+            <p:nvPr/>
+          </p:nvSpPr>
+          <p:spPr>
+            <a:xfrm>
+              <a:off x="2510790" y="2423160"/>
+              <a:ext cx="1630045" cy="165935"/>
+            </a:xfrm>
+            <a:prstGeom prst="rect">
+              <a:avLst/>
+            </a:prstGeom>
+            <a:noFill/>
+          </p:spPr>
+          <p:txBody>
+            <a:bodyPr wrap="square" rtlCol="0" anchor="t" anchorCtr="0">
+              <a:spAutoFit/>
+            </a:bodyPr>
+            <a:p>
+              <a:pPr lvl="0" algn="l">
+                <a:buClrTx/>
+                <a:buSzTx/>
+                <a:buFontTx/>
+              </a:pPr>
+              <a:r>
+                <a:rPr lang="zh-CN" altLang="en-US" sz="800" b="1" dirty="0">
+                  <a:solidFill>
+                    <a:schemeClr val="tx2">
+                      <a:lumMod val="60000"/>
+                      <a:lumOff val="40000"/>
+                    </a:schemeClr>
+                  </a:solidFill>
+                  <a:latin typeface="微软雅黑" panose="020B0503020204020204" charset="-122"/>
+                  <a:ea typeface="微软雅黑" panose="020B0503020204020204" charset="-122"/>
+                  <a:sym typeface="+mn-ea"/>
+                </a:rPr>
+                <a:t>应用与管理</a:t>
+              </a:r>
+              <a:endParaRPr lang="zh-CN" altLang="en-US" sz="800" b="1" dirty="0">
+                <a:solidFill>
+                  <a:schemeClr val="tx2">
+                    <a:lumMod val="60000"/>
+                    <a:lumOff val="40000"/>
+                  </a:schemeClr>
+                </a:solidFill>
+                <a:latin typeface="微软雅黑" panose="020B0503020204020204" charset="-122"/>
+                <a:ea typeface="微软雅黑" panose="020B0503020204020204" charset="-122"/>
+                <a:sym typeface="+mn-ea"/>
+              </a:endParaRPr>
+            </a:p>
+          </p:txBody>
+        </p:sp>
+        <p:sp>
+          <p:nvSpPr>
+            <p:cNvPr id="29" name="文本框 28"/>
+            <p:cNvSpPr txBox="1"/>
+            <p:nvPr/>
+          </p:nvSpPr>
+          <p:spPr>
+            <a:xfrm>
+              <a:off x="3808730" y="2532156"/>
+              <a:ext cx="1408430" cy="154117"/>
+            </a:xfrm>
+            <a:prstGeom prst="rect">
+              <a:avLst/>
+            </a:prstGeom>
+            <a:solidFill>
+              <a:schemeClr val="accent6">
+                <a:lumMod val="20000"/>
+                <a:lumOff val="80000"/>
+              </a:schemeClr>
+            </a:solidFill>
+            <a:ln>
+              <a:solidFill>
+                <a:srgbClr val="000000">
+                  <a:alpha val="0"/>
+                </a:srgbClr>
+              </a:solidFill>
+            </a:ln>
+          </p:spPr>
+          <p:txBody>
+            <a:bodyPr wrap="square" rtlCol="0" anchor="ctr" anchorCtr="0">
+              <a:spAutoFit/>
+            </a:bodyPr>
+            <a:p>
+              <a:pPr lvl="0" algn="ctr">
+                <a:buClrTx/>
+                <a:buSzTx/>
+                <a:buFontTx/>
+              </a:pPr>
+              <a:r>
+                <a:rPr lang="zh-CN" altLang="en-US" sz="700" dirty="0">
+                  <a:latin typeface="微软雅黑" panose="020B0503020204020204" charset="-122"/>
+                  <a:ea typeface="微软雅黑" panose="020B0503020204020204" charset="-122"/>
+                  <a:sym typeface="+mn-ea"/>
+                </a:rPr>
+                <a:t>系统关键节点部署</a:t>
+              </a:r>
+              <a:endParaRPr lang="zh-CN" altLang="en-US" sz="700" dirty="0">
+                <a:latin typeface="微软雅黑" panose="020B0503020204020204" charset="-122"/>
+                <a:ea typeface="微软雅黑" panose="020B0503020204020204" charset="-122"/>
+                <a:sym typeface="+mn-ea"/>
+              </a:endParaRPr>
+            </a:p>
+          </p:txBody>
+        </p:sp>
+        <p:sp>
+          <p:nvSpPr>
+            <p:cNvPr id="30" name="文本框 29"/>
+            <p:cNvSpPr txBox="1"/>
+            <p:nvPr/>
+          </p:nvSpPr>
+          <p:spPr>
+            <a:xfrm>
+              <a:off x="5631181" y="2523900"/>
+              <a:ext cx="1256666" cy="154117"/>
+            </a:xfrm>
+            <a:prstGeom prst="rect">
+              <a:avLst/>
+            </a:prstGeom>
+            <a:solidFill>
+              <a:schemeClr val="accent6">
+                <a:lumMod val="20000"/>
+                <a:lumOff val="80000"/>
+              </a:schemeClr>
+            </a:solidFill>
+            <a:ln>
+              <a:solidFill>
+                <a:srgbClr val="000000">
+                  <a:alpha val="0"/>
+                </a:srgbClr>
+              </a:solidFill>
+            </a:ln>
+          </p:spPr>
+          <p:txBody>
+            <a:bodyPr wrap="square" rtlCol="0" anchor="ctr" anchorCtr="0">
+              <a:spAutoFit/>
+            </a:bodyPr>
+            <a:p>
+              <a:pPr lvl="0" algn="ctr">
+                <a:buClrTx/>
+                <a:buSzTx/>
+                <a:buFontTx/>
+              </a:pPr>
+              <a:r>
+                <a:rPr lang="zh-CN" altLang="en-US" sz="700" dirty="0">
+                  <a:latin typeface="微软雅黑" panose="020B0503020204020204" charset="-122"/>
+                  <a:ea typeface="微软雅黑" panose="020B0503020204020204" charset="-122"/>
+                  <a:sym typeface="+mn-ea"/>
+                </a:rPr>
+                <a:t>日志收集管理</a:t>
+              </a:r>
+              <a:endParaRPr lang="zh-CN" altLang="en-US" sz="700" dirty="0">
+                <a:latin typeface="微软雅黑" panose="020B0503020204020204" charset="-122"/>
+                <a:ea typeface="微软雅黑" panose="020B0503020204020204" charset="-122"/>
+                <a:sym typeface="+mn-ea"/>
+              </a:endParaRPr>
+            </a:p>
+          </p:txBody>
+        </p:sp>
+        <p:sp>
+          <p:nvSpPr>
+            <p:cNvPr id="31" name="上箭头 30"/>
+            <p:cNvSpPr/>
+            <p:nvPr/>
+          </p:nvSpPr>
+          <p:spPr>
+            <a:xfrm>
+              <a:off x="4348480" y="2809875"/>
+              <a:ext cx="329565" cy="267970"/>
+            </a:xfrm>
+            <a:prstGeom prst="upArrow">
+              <a:avLst/>
+            </a:prstGeom>
+            <a:solidFill>
+              <a:schemeClr val="bg2">
+                <a:lumMod val="90000"/>
+              </a:schemeClr>
+            </a:solidFill>
+            <a:ln>
+              <a:solidFill>
+                <a:schemeClr val="bg2">
+                  <a:lumMod val="90000"/>
+                </a:schemeClr>
+              </a:solidFill>
+            </a:ln>
+          </p:spPr>
+          <p:style>
+            <a:lnRef idx="2">
+              <a:schemeClr val="accent1">
+                <a:shade val="50000"/>
+              </a:schemeClr>
+            </a:lnRef>
+            <a:fillRef idx="1">
+              <a:schemeClr val="accent1"/>
+            </a:fillRef>
+            <a:effectRef idx="0">
+              <a:schemeClr val="accent1"/>
+            </a:effectRef>
+            <a:fontRef idx="minor">
+              <a:schemeClr val="lt1"/>
+            </a:fontRef>
+          </p:style>
+          <p:txBody>
+            <a:bodyPr rtlCol="0" anchor="ctr"/>
+            <a:p>
+              <a:pPr algn="ctr"/>
+              <a:endParaRPr lang="zh-CN" altLang="en-US" sz="1000"/>
+            </a:p>
+          </p:txBody>
+        </p:sp>
+        <p:sp>
+          <p:nvSpPr>
+            <p:cNvPr id="32" name="上箭头 31"/>
+            <p:cNvSpPr/>
+            <p:nvPr/>
+          </p:nvSpPr>
+          <p:spPr>
+            <a:xfrm>
+              <a:off x="5981700" y="2809875"/>
+              <a:ext cx="329565" cy="267970"/>
+            </a:xfrm>
+            <a:prstGeom prst="upArrow">
+              <a:avLst/>
+            </a:prstGeom>
+            <a:solidFill>
+              <a:schemeClr val="bg2">
+                <a:lumMod val="90000"/>
+              </a:schemeClr>
+            </a:solidFill>
+            <a:ln>
+              <a:solidFill>
+                <a:schemeClr val="bg2">
+                  <a:lumMod val="90000"/>
+                </a:schemeClr>
+              </a:solidFill>
+            </a:ln>
+          </p:spPr>
+          <p:style>
+            <a:lnRef idx="2">
+              <a:schemeClr val="accent1">
+                <a:shade val="50000"/>
+              </a:schemeClr>
+            </a:lnRef>
+            <a:fillRef idx="1">
+              <a:schemeClr val="accent1"/>
+            </a:fillRef>
+            <a:effectRef idx="0">
+              <a:schemeClr val="accent1"/>
+            </a:effectRef>
+            <a:fontRef idx="minor">
+              <a:schemeClr val="lt1"/>
+            </a:fontRef>
+          </p:style>
+          <p:txBody>
+            <a:bodyPr rtlCol="0" anchor="ctr"/>
+            <a:p>
+              <a:pPr algn="ctr"/>
+              <a:endParaRPr lang="zh-CN" altLang="en-US" sz="1000"/>
+            </a:p>
+          </p:txBody>
+        </p:sp>
+        <p:sp>
+          <p:nvSpPr>
+            <p:cNvPr id="33" name="上箭头 32"/>
+            <p:cNvSpPr/>
+            <p:nvPr/>
+          </p:nvSpPr>
+          <p:spPr>
+            <a:xfrm>
+              <a:off x="7463790" y="2809875"/>
+              <a:ext cx="329565" cy="267970"/>
+            </a:xfrm>
+            <a:prstGeom prst="upArrow">
+              <a:avLst/>
+            </a:prstGeom>
+            <a:solidFill>
+              <a:schemeClr val="bg2">
+                <a:lumMod val="90000"/>
+              </a:schemeClr>
+            </a:solidFill>
+            <a:ln>
+              <a:solidFill>
+                <a:schemeClr val="bg2">
+                  <a:lumMod val="90000"/>
+                </a:schemeClr>
+              </a:solidFill>
+            </a:ln>
+          </p:spPr>
+          <p:style>
+            <a:lnRef idx="2">
+              <a:schemeClr val="accent1">
+                <a:shade val="50000"/>
+              </a:schemeClr>
+            </a:lnRef>
+            <a:fillRef idx="1">
+              <a:schemeClr val="accent1"/>
+            </a:fillRef>
+            <a:effectRef idx="0">
+              <a:schemeClr val="accent1"/>
+            </a:effectRef>
+            <a:fontRef idx="minor">
+              <a:schemeClr val="lt1"/>
+            </a:fontRef>
+          </p:style>
+          <p:txBody>
+            <a:bodyPr rtlCol="0" anchor="ctr"/>
+            <a:p>
+              <a:pPr algn="ctr"/>
+              <a:endParaRPr lang="zh-CN" altLang="en-US" sz="1000"/>
+            </a:p>
+          </p:txBody>
+        </p:sp>
+        <p:sp>
+          <p:nvSpPr>
+            <p:cNvPr id="34" name="上箭头 33"/>
+            <p:cNvSpPr/>
+            <p:nvPr/>
+          </p:nvSpPr>
+          <p:spPr>
+            <a:xfrm>
+              <a:off x="8752840" y="2809875"/>
+              <a:ext cx="329565" cy="267970"/>
+            </a:xfrm>
+            <a:prstGeom prst="upArrow">
+              <a:avLst/>
+            </a:prstGeom>
+            <a:solidFill>
+              <a:schemeClr val="bg2">
+                <a:lumMod val="90000"/>
+              </a:schemeClr>
+            </a:solidFill>
+            <a:ln>
+              <a:solidFill>
+                <a:schemeClr val="bg2">
+                  <a:lumMod val="90000"/>
+                </a:schemeClr>
+              </a:solidFill>
+            </a:ln>
+          </p:spPr>
+          <p:style>
+            <a:lnRef idx="2">
+              <a:schemeClr val="accent1">
+                <a:shade val="50000"/>
+              </a:schemeClr>
+            </a:lnRef>
+            <a:fillRef idx="1">
+              <a:schemeClr val="accent1"/>
+            </a:fillRef>
+            <a:effectRef idx="0">
+              <a:schemeClr val="accent1"/>
+            </a:effectRef>
+            <a:fontRef idx="minor">
+              <a:schemeClr val="lt1"/>
+            </a:fontRef>
+          </p:style>
+          <p:txBody>
+            <a:bodyPr rtlCol="0" anchor="ctr"/>
+            <a:p>
+              <a:pPr algn="ctr"/>
+              <a:endParaRPr lang="zh-CN" altLang="en-US" sz="1000"/>
+            </a:p>
+          </p:txBody>
+        </p:sp>
+        <p:sp>
+          <p:nvSpPr>
+            <p:cNvPr id="35" name="文本框 34"/>
+            <p:cNvSpPr txBox="1"/>
+            <p:nvPr/>
+          </p:nvSpPr>
+          <p:spPr>
+            <a:xfrm>
+              <a:off x="7301865" y="2531521"/>
+              <a:ext cx="1494790" cy="154117"/>
+            </a:xfrm>
+            <a:prstGeom prst="rect">
+              <a:avLst/>
+            </a:prstGeom>
+            <a:solidFill>
+              <a:schemeClr val="accent6">
+                <a:lumMod val="20000"/>
+                <a:lumOff val="80000"/>
+              </a:schemeClr>
+            </a:solidFill>
+            <a:ln>
+              <a:solidFill>
+                <a:srgbClr val="000000">
+                  <a:alpha val="0"/>
+                </a:srgbClr>
+              </a:solidFill>
+            </a:ln>
+          </p:spPr>
+          <p:txBody>
+            <a:bodyPr wrap="square" rtlCol="0" anchor="ctr" anchorCtr="0">
+              <a:spAutoFit/>
+            </a:bodyPr>
+            <a:p>
+              <a:pPr lvl="0" algn="ctr">
+                <a:buClrTx/>
+                <a:buSzTx/>
+                <a:buFontTx/>
+              </a:pPr>
+              <a:r>
+                <a:rPr lang="zh-CN" altLang="en-US" sz="700" dirty="0">
+                  <a:latin typeface="微软雅黑" panose="020B0503020204020204" charset="-122"/>
+                  <a:ea typeface="微软雅黑" panose="020B0503020204020204" charset="-122"/>
+                  <a:sym typeface="+mn-ea"/>
+                </a:rPr>
+                <a:t>实时监控与告警</a:t>
+              </a:r>
+              <a:endParaRPr lang="zh-CN" altLang="en-US" sz="700" dirty="0">
+                <a:latin typeface="微软雅黑" panose="020B0503020204020204" charset="-122"/>
+                <a:ea typeface="微软雅黑" panose="020B0503020204020204" charset="-122"/>
+                <a:sym typeface="+mn-ea"/>
+              </a:endParaRPr>
+            </a:p>
+          </p:txBody>
+        </p:sp>
+        <p:sp>
+          <p:nvSpPr>
+            <p:cNvPr id="36" name="文本框 35"/>
+            <p:cNvSpPr txBox="1"/>
+            <p:nvPr/>
+          </p:nvSpPr>
+          <p:spPr>
+            <a:xfrm>
+              <a:off x="7999095" y="4302760"/>
+              <a:ext cx="1223010" cy="254000"/>
+            </a:xfrm>
+            <a:prstGeom prst="rect">
+              <a:avLst/>
+            </a:prstGeom>
+            <a:solidFill>
+              <a:schemeClr val="accent2">
+                <a:lumMod val="40000"/>
+                <a:lumOff val="60000"/>
+              </a:schemeClr>
+            </a:solidFill>
+            <a:ln>
+              <a:solidFill>
+                <a:srgbClr val="000000">
+                  <a:alpha val="0"/>
+                </a:srgbClr>
+              </a:solidFill>
+            </a:ln>
+          </p:spPr>
+          <p:txBody>
+            <a:bodyPr wrap="square" rtlCol="0" anchor="ctr" anchorCtr="0">
+              <a:noAutofit/>
+            </a:bodyPr>
+            <a:p>
+              <a:pPr lvl="0" algn="ctr">
+                <a:buClrTx/>
+                <a:buSzTx/>
+                <a:buFontTx/>
+              </a:pPr>
+              <a:r>
+                <a:rPr lang="zh-CN" altLang="en-US" sz="700">
+                  <a:latin typeface="微软雅黑" panose="020B0503020204020204" charset="-122"/>
+                  <a:ea typeface="微软雅黑" panose="020B0503020204020204" charset="-122"/>
+                  <a:cs typeface="微软雅黑" panose="020B0503020204020204" charset="-122"/>
+                  <a:sym typeface="+mn-ea"/>
+                </a:rPr>
+                <a:t>爬虫指纹库</a:t>
+              </a:r>
+              <a:endParaRPr lang="zh-CN" altLang="en-US" sz="700">
+                <a:latin typeface="微软雅黑" panose="020B0503020204020204" charset="-122"/>
+                <a:ea typeface="微软雅黑" panose="020B0503020204020204" charset="-122"/>
+                <a:cs typeface="微软雅黑" panose="020B0503020204020204" charset="-122"/>
+                <a:sym typeface="+mn-ea"/>
+              </a:endParaRPr>
+            </a:p>
+          </p:txBody>
+        </p:sp>
+        <p:sp>
+          <p:nvSpPr>
+            <p:cNvPr id="37" name="文本框 36"/>
+            <p:cNvSpPr txBox="1"/>
+            <p:nvPr/>
+          </p:nvSpPr>
+          <p:spPr>
+            <a:xfrm>
+              <a:off x="4138295" y="4017645"/>
+              <a:ext cx="1146175" cy="258445"/>
+            </a:xfrm>
+            <a:prstGeom prst="rect">
+              <a:avLst/>
+            </a:prstGeom>
+            <a:solidFill>
+              <a:schemeClr val="accent2">
+                <a:lumMod val="40000"/>
+                <a:lumOff val="60000"/>
+              </a:schemeClr>
+            </a:solidFill>
+            <a:ln>
+              <a:solidFill>
+                <a:srgbClr val="000000">
+                  <a:alpha val="0"/>
+                </a:srgbClr>
+              </a:solidFill>
+            </a:ln>
+          </p:spPr>
+          <p:txBody>
+            <a:bodyPr wrap="square" rtlCol="0" anchor="ctr" anchorCtr="0">
+              <a:noAutofit/>
+            </a:bodyPr>
+            <a:p>
+              <a:pPr lvl="0" algn="ctr">
+                <a:buClrTx/>
+                <a:buSzTx/>
+                <a:buFontTx/>
+              </a:pPr>
+              <a:r>
+                <a:rPr lang="zh-CN" altLang="en-US" sz="700" dirty="0">
+                  <a:latin typeface="微软雅黑" panose="020B0503020204020204" charset="-122"/>
+                  <a:ea typeface="微软雅黑" panose="020B0503020204020204" charset="-122"/>
+                  <a:sym typeface="+mn-ea"/>
+                </a:rPr>
+                <a:t>全流量存储</a:t>
+              </a:r>
+              <a:endParaRPr lang="en-US" altLang="zh-CN" sz="700" dirty="0">
+                <a:latin typeface="微软雅黑" panose="020B0503020204020204" charset="-122"/>
+                <a:ea typeface="微软雅黑" panose="020B0503020204020204" charset="-122"/>
+                <a:sym typeface="+mn-ea"/>
+              </a:endParaRPr>
+            </a:p>
+          </p:txBody>
+        </p:sp>
+        <p:sp>
+          <p:nvSpPr>
+            <p:cNvPr id="38" name="文本框 37"/>
+            <p:cNvSpPr txBox="1"/>
+            <p:nvPr/>
+          </p:nvSpPr>
+          <p:spPr>
+            <a:xfrm>
+              <a:off x="5459096" y="4071078"/>
+              <a:ext cx="1102361" cy="154117"/>
+            </a:xfrm>
+            <a:prstGeom prst="rect">
+              <a:avLst/>
+            </a:prstGeom>
+            <a:solidFill>
+              <a:schemeClr val="accent2">
+                <a:lumMod val="40000"/>
+                <a:lumOff val="60000"/>
+              </a:schemeClr>
+            </a:solidFill>
+            <a:ln>
+              <a:solidFill>
+                <a:srgbClr val="000000">
+                  <a:alpha val="0"/>
+                </a:srgbClr>
+              </a:solidFill>
+            </a:ln>
+          </p:spPr>
+          <p:txBody>
+            <a:bodyPr wrap="square" rtlCol="0" anchor="ctr" anchorCtr="0">
+              <a:spAutoFit/>
+            </a:bodyPr>
+            <a:p>
+              <a:pPr lvl="0" algn="ctr">
+                <a:buClrTx/>
+                <a:buSzTx/>
+                <a:buFontTx/>
+              </a:pPr>
+              <a:r>
+                <a:rPr lang="zh-CN" altLang="en-US" sz="700">
+                  <a:solidFill>
+                    <a:schemeClr val="tx1"/>
+                  </a:solidFill>
+                  <a:latin typeface="微软雅黑" panose="020B0503020204020204" charset="-122"/>
+                  <a:ea typeface="微软雅黑" panose="020B0503020204020204" charset="-122"/>
+                  <a:cs typeface="微软雅黑" panose="020B0503020204020204" charset="-122"/>
+                  <a:sym typeface="+mn-ea"/>
+                </a:rPr>
+                <a:t>探测器位置库</a:t>
+              </a:r>
+              <a:endParaRPr lang="zh-CN" altLang="en-US" sz="700" dirty="0">
+                <a:solidFill>
+                  <a:schemeClr val="tx1"/>
+                </a:solidFill>
+                <a:latin typeface="微软雅黑" panose="020B0503020204020204" charset="-122"/>
+                <a:ea typeface="微软雅黑" panose="020B0503020204020204" charset="-122"/>
+                <a:cs typeface="微软雅黑" panose="020B0503020204020204" charset="-122"/>
+                <a:sym typeface="+mn-ea"/>
+              </a:endParaRPr>
+            </a:p>
+          </p:txBody>
+        </p:sp>
+        <p:sp>
+          <p:nvSpPr>
+            <p:cNvPr id="39" name="文本框 38"/>
+            <p:cNvSpPr txBox="1"/>
+            <p:nvPr/>
+          </p:nvSpPr>
+          <p:spPr>
+            <a:xfrm>
+              <a:off x="6731001" y="4054250"/>
+              <a:ext cx="1111251" cy="154117"/>
+            </a:xfrm>
+            <a:prstGeom prst="rect">
+              <a:avLst/>
+            </a:prstGeom>
+            <a:solidFill>
+              <a:schemeClr val="accent2">
+                <a:lumMod val="40000"/>
+                <a:lumOff val="60000"/>
+              </a:schemeClr>
+            </a:solidFill>
+            <a:ln>
+              <a:solidFill>
+                <a:srgbClr val="000000">
+                  <a:alpha val="0"/>
+                </a:srgbClr>
+              </a:solidFill>
+            </a:ln>
+          </p:spPr>
+          <p:txBody>
+            <a:bodyPr wrap="square" rtlCol="0" anchor="ctr" anchorCtr="0">
+              <a:spAutoFit/>
+            </a:bodyPr>
+            <a:p>
+              <a:pPr lvl="0" algn="ctr">
+                <a:buClrTx/>
+                <a:buSzTx/>
+                <a:buFontTx/>
+              </a:pPr>
+              <a:r>
+                <a:rPr lang="zh-CN" altLang="en-US" sz="700">
+                  <a:solidFill>
+                    <a:schemeClr val="tx1"/>
+                  </a:solidFill>
+                  <a:latin typeface="微软雅黑" panose="020B0503020204020204" charset="-122"/>
+                  <a:ea typeface="微软雅黑" panose="020B0503020204020204" charset="-122"/>
+                  <a:cs typeface="微软雅黑" panose="020B0503020204020204" charset="-122"/>
+                  <a:sym typeface="+mn-ea"/>
+                </a:rPr>
+                <a:t>自学习模型</a:t>
+              </a:r>
+              <a:endParaRPr lang="zh-CN" altLang="en-US" sz="700">
+                <a:solidFill>
+                  <a:schemeClr val="tx1"/>
+                </a:solidFill>
+                <a:latin typeface="微软雅黑" panose="020B0503020204020204" charset="-122"/>
+                <a:ea typeface="微软雅黑" panose="020B0503020204020204" charset="-122"/>
+                <a:cs typeface="微软雅黑" panose="020B0503020204020204" charset="-122"/>
+                <a:sym typeface="+mn-ea"/>
+              </a:endParaRPr>
+            </a:p>
+          </p:txBody>
+        </p:sp>
+        <p:sp>
+          <p:nvSpPr>
+            <p:cNvPr id="40" name="圆角矩形 39"/>
+            <p:cNvSpPr/>
+            <p:nvPr/>
+          </p:nvSpPr>
+          <p:spPr>
+            <a:xfrm>
+              <a:off x="2498090" y="1939925"/>
+              <a:ext cx="7225665" cy="295275"/>
+            </a:xfrm>
+            <a:prstGeom prst="roundRect">
+              <a:avLst>
+                <a:gd name="adj" fmla="val 8914"/>
+              </a:avLst>
+            </a:prstGeom>
+            <a:solidFill>
+              <a:schemeClr val="accent1">
+                <a:lumMod val="75000"/>
+              </a:schemeClr>
+            </a:solidFill>
+            <a:ln>
+              <a:noFill/>
+            </a:ln>
+          </p:spPr>
+          <p:style>
+            <a:lnRef idx="2">
+              <a:schemeClr val="accent1">
+                <a:shade val="50000"/>
+              </a:schemeClr>
+            </a:lnRef>
+            <a:fillRef idx="1">
+              <a:schemeClr val="accent1"/>
+            </a:fillRef>
+            <a:effectRef idx="0">
+              <a:schemeClr val="accent1"/>
+            </a:effectRef>
+            <a:fontRef idx="minor">
+              <a:schemeClr val="lt1"/>
+            </a:fontRef>
+          </p:style>
+          <p:txBody>
+            <a:bodyPr rtlCol="0" anchor="ctr"/>
+            <a:p>
+              <a:pPr algn="ctr"/>
+              <a:r>
+                <a:rPr lang="zh-CN" altLang="en-US" sz="900" b="1" dirty="0">
+                  <a:latin typeface="微软雅黑" panose="020B0503020204020204" charset="-122"/>
+                  <a:ea typeface="微软雅黑" panose="020B0503020204020204" charset="-122"/>
+                  <a:sym typeface="+mn-ea"/>
+                </a:rPr>
+                <a:t>关键暴露面资产反测绘技术研究与应用</a:t>
+              </a:r>
+              <a:endParaRPr lang="zh-CN" altLang="en-US" sz="900" b="1" dirty="0">
+                <a:latin typeface="微软雅黑" panose="020B0503020204020204" charset="-122"/>
+                <a:ea typeface="微软雅黑" panose="020B0503020204020204" charset="-122"/>
+                <a:sym typeface="+mn-ea"/>
+              </a:endParaRPr>
+            </a:p>
+          </p:txBody>
+        </p:sp>
+        <p:sp>
+          <p:nvSpPr>
+            <p:cNvPr id="41" name="文本框 40"/>
+            <p:cNvSpPr txBox="1"/>
+            <p:nvPr/>
+          </p:nvSpPr>
+          <p:spPr>
+            <a:xfrm>
+              <a:off x="6038215" y="5163913"/>
+              <a:ext cx="1538605" cy="154117"/>
+            </a:xfrm>
+            <a:prstGeom prst="rect">
+              <a:avLst/>
+            </a:prstGeom>
+            <a:solidFill>
+              <a:schemeClr val="accent1">
+                <a:lumMod val="40000"/>
+                <a:lumOff val="60000"/>
+              </a:schemeClr>
+            </a:solidFill>
+            <a:ln>
+              <a:solidFill>
+                <a:srgbClr val="000000">
+                  <a:alpha val="0"/>
+                </a:srgbClr>
+              </a:solidFill>
+            </a:ln>
+          </p:spPr>
+          <p:txBody>
+            <a:bodyPr wrap="square" rtlCol="0" anchor="ctr" anchorCtr="0">
+              <a:spAutoFit/>
+            </a:bodyPr>
+            <a:p>
+              <a:pPr lvl="0" algn="ctr">
+                <a:buClrTx/>
+                <a:buSzTx/>
+                <a:buFontTx/>
+              </a:pPr>
+              <a:r>
+                <a:rPr lang="zh-CN" altLang="en-US" sz="700" dirty="0">
+                  <a:latin typeface="微软雅黑" panose="020B0503020204020204" charset="-122"/>
+                  <a:ea typeface="微软雅黑" panose="020B0503020204020204" charset="-122"/>
+                  <a:sym typeface="+mn-ea"/>
+                </a:rPr>
+                <a:t>漏洞扫描</a:t>
+              </a:r>
+              <a:endParaRPr lang="zh-CN" altLang="en-US" sz="700" dirty="0">
+                <a:latin typeface="微软雅黑" panose="020B0503020204020204" charset="-122"/>
+                <a:ea typeface="微软雅黑" panose="020B0503020204020204" charset="-122"/>
+                <a:sym typeface="+mn-ea"/>
+              </a:endParaRPr>
+            </a:p>
+          </p:txBody>
+        </p:sp>
+        <p:sp>
+          <p:nvSpPr>
+            <p:cNvPr id="42" name="文本框 41"/>
+            <p:cNvSpPr txBox="1"/>
+            <p:nvPr/>
+          </p:nvSpPr>
+          <p:spPr>
+            <a:xfrm>
+              <a:off x="7788910" y="5164548"/>
+              <a:ext cx="1538605" cy="154117"/>
+            </a:xfrm>
+            <a:prstGeom prst="rect">
+              <a:avLst/>
+            </a:prstGeom>
+            <a:solidFill>
+              <a:schemeClr val="accent1">
+                <a:lumMod val="40000"/>
+                <a:lumOff val="60000"/>
+              </a:schemeClr>
+            </a:solidFill>
+            <a:ln>
+              <a:solidFill>
+                <a:srgbClr val="000000">
+                  <a:alpha val="0"/>
+                </a:srgbClr>
+              </a:solidFill>
+            </a:ln>
+          </p:spPr>
+          <p:txBody>
+            <a:bodyPr wrap="square" rtlCol="0" anchor="ctr" anchorCtr="0">
+              <a:spAutoFit/>
+            </a:bodyPr>
+            <a:p>
+              <a:pPr lvl="0" algn="ctr">
+                <a:buClrTx/>
+                <a:buSzTx/>
+                <a:buFontTx/>
+              </a:pPr>
+              <a:r>
+                <a:rPr lang="zh-CN" altLang="en-US" sz="700" dirty="0">
+                  <a:latin typeface="微软雅黑" panose="020B0503020204020204" charset="-122"/>
+                  <a:ea typeface="微软雅黑" panose="020B0503020204020204" charset="-122"/>
+                  <a:sym typeface="+mn-ea"/>
+                </a:rPr>
+                <a:t>服务应用扫描</a:t>
+              </a:r>
+              <a:endParaRPr lang="zh-CN" altLang="en-US" sz="700" dirty="0">
+                <a:latin typeface="微软雅黑" panose="020B0503020204020204" charset="-122"/>
+                <a:ea typeface="微软雅黑" panose="020B0503020204020204" charset="-122"/>
+                <a:sym typeface="+mn-ea"/>
+              </a:endParaRPr>
+            </a:p>
+          </p:txBody>
+        </p:sp>
+      </p:grpSp>
+    </p:spTree>
+  </p:cSld>
+  <p:clrMapOvr>
+    <a:masterClrMapping/>
+  </p:clrMapOvr>
+</p:sld>
+</file>
+
+<file path=ppt/slides/slide6.xml><?xml version="1.0" encoding="utf-8"?>
 <p:sld xmlns:a="http://schemas.openxmlformats.org/drawingml/2006/main" xmlns:r="http://schemas.openxmlformats.org/officeDocument/2006/relationships" xmlns:p="http://schemas.openxmlformats.org/presentationml/2006/main">
   <p:cSld>
     <p:spTree>
@@ -11358,7 +13501,7 @@
 </p:sld>
 </file>
 
-<file path=ppt/slides/slide6.xml><?xml version="1.0" encoding="utf-8"?>
+<file path=ppt/slides/slide7.xml><?xml version="1.0" encoding="utf-8"?>
 <p:sld xmlns:a="http://schemas.openxmlformats.org/drawingml/2006/main" xmlns:r="http://schemas.openxmlformats.org/officeDocument/2006/relationships" xmlns:p="http://schemas.openxmlformats.org/presentationml/2006/main">
   <p:cSld>
     <p:spTree>
@@ -11607,7 +13750,7 @@
 </p:sld>
 </file>
 
-<file path=ppt/slides/slide7.xml><?xml version="1.0" encoding="utf-8"?>
+<file path=ppt/slides/slide8.xml><?xml version="1.0" encoding="utf-8"?>
 <p:sld xmlns:a="http://schemas.openxmlformats.org/drawingml/2006/main" xmlns:r="http://schemas.openxmlformats.org/officeDocument/2006/relationships" xmlns:p="http://schemas.openxmlformats.org/presentationml/2006/main">
   <p:cSld>
     <p:spTree>
